--- a/Flicker.pptx
+++ b/Flicker.pptx
@@ -6,6 +6,8 @@
   </p:sldMasterIdLst>
   <p:sldIdLst>
     <p:sldId id="256" r:id="rId2"/>
+    <p:sldId id="257" r:id="rId3"/>
+    <p:sldId id="258" r:id="rId4"/>
   </p:sldIdLst>
   <p:sldSz cx="12192000" cy="6858000"/>
   <p:notesSz cx="6858000" cy="9144000"/>
@@ -104,6 +106,11 @@
       </a:defRPr>
     </a:lvl9pPr>
   </p:defaultTextStyle>
+  <p:extLst>
+    <p:ext uri="{EFAFB233-063F-42B5-8137-9DF3F51BA10A}">
+      <p15:sldGuideLst xmlns:p15="http://schemas.microsoft.com/office/powerpoint/2012/main"/>
+    </p:ext>
+  </p:extLst>
 </p:presentation>
 </file>
 
@@ -4003,6 +4010,861 @@
     <p:extLst>
       <p:ext uri="{BB962C8B-B14F-4D97-AF65-F5344CB8AC3E}">
         <p14:creationId xmlns:p14="http://schemas.microsoft.com/office/powerpoint/2010/main" val="2272521462"/>
+      </p:ext>
+    </p:extLst>
+  </p:cSld>
+  <p:clrMapOvr>
+    <a:masterClrMapping/>
+  </p:clrMapOvr>
+</p:sld>
+</file>
+
+<file path=ppt/slides/slide2.xml><?xml version="1.0" encoding="utf-8"?>
+<p:sld xmlns:a="http://schemas.openxmlformats.org/drawingml/2006/main" xmlns:r="http://schemas.openxmlformats.org/officeDocument/2006/relationships" xmlns:p="http://schemas.openxmlformats.org/presentationml/2006/main">
+  <p:cSld>
+    <p:spTree>
+      <p:nvGrpSpPr>
+        <p:cNvPr id="1" name=""/>
+        <p:cNvGrpSpPr/>
+        <p:nvPr/>
+      </p:nvGrpSpPr>
+      <p:grpSpPr>
+        <a:xfrm>
+          <a:off x="0" y="0"/>
+          <a:ext cx="0" cy="0"/>
+          <a:chOff x="0" y="0"/>
+          <a:chExt cx="0" cy="0"/>
+        </a:xfrm>
+      </p:grpSpPr>
+      <p:sp>
+        <p:nvSpPr>
+          <p:cNvPr id="2" name="Title 1">
+            <a:extLst>
+              <a:ext uri="{FF2B5EF4-FFF2-40B4-BE49-F238E27FC236}">
+                <a16:creationId xmlns:a16="http://schemas.microsoft.com/office/drawing/2014/main" id="{6CA72EF5-EF86-98ED-7F8E-A760D68F9F51}"/>
+              </a:ext>
+            </a:extLst>
+          </p:cNvPr>
+          <p:cNvSpPr>
+            <a:spLocks noGrp="1"/>
+          </p:cNvSpPr>
+          <p:nvPr>
+            <p:ph type="title"/>
+          </p:nvPr>
+        </p:nvSpPr>
+        <p:spPr/>
+        <p:txBody>
+          <a:bodyPr/>
+          <a:lstStyle/>
+          <a:p>
+            <a:r>
+              <a:rPr lang="en-US" dirty="0"/>
+              <a:t>Game View Model</a:t>
+            </a:r>
+            <a:endParaRPr lang="en-GB" dirty="0"/>
+          </a:p>
+        </p:txBody>
+      </p:sp>
+      <p:sp>
+        <p:nvSpPr>
+          <p:cNvPr id="3" name="Content Placeholder 2">
+            <a:extLst>
+              <a:ext uri="{FF2B5EF4-FFF2-40B4-BE49-F238E27FC236}">
+                <a16:creationId xmlns:a16="http://schemas.microsoft.com/office/drawing/2014/main" id="{69820825-6A81-EE53-9E4B-6EB918CA0E4D}"/>
+              </a:ext>
+            </a:extLst>
+          </p:cNvPr>
+          <p:cNvSpPr>
+            <a:spLocks noGrp="1"/>
+          </p:cNvSpPr>
+          <p:nvPr>
+            <p:ph idx="1"/>
+          </p:nvPr>
+        </p:nvSpPr>
+        <p:spPr/>
+        <p:txBody>
+          <a:bodyPr/>
+          <a:lstStyle/>
+          <a:p>
+            <a:endParaRPr lang="en-GB"/>
+          </a:p>
+        </p:txBody>
+      </p:sp>
+    </p:spTree>
+    <p:extLst>
+      <p:ext uri="{BB962C8B-B14F-4D97-AF65-F5344CB8AC3E}">
+        <p14:creationId xmlns:p14="http://schemas.microsoft.com/office/powerpoint/2010/main" val="3840805201"/>
+      </p:ext>
+    </p:extLst>
+  </p:cSld>
+  <p:clrMapOvr>
+    <a:masterClrMapping/>
+  </p:clrMapOvr>
+</p:sld>
+</file>
+
+<file path=ppt/slides/slide3.xml><?xml version="1.0" encoding="utf-8"?>
+<p:sld xmlns:a="http://schemas.openxmlformats.org/drawingml/2006/main" xmlns:r="http://schemas.openxmlformats.org/officeDocument/2006/relationships" xmlns:p="http://schemas.openxmlformats.org/presentationml/2006/main">
+  <p:cSld>
+    <p:spTree>
+      <p:nvGrpSpPr>
+        <p:cNvPr id="1" name=""/>
+        <p:cNvGrpSpPr/>
+        <p:nvPr/>
+      </p:nvGrpSpPr>
+      <p:grpSpPr>
+        <a:xfrm>
+          <a:off x="0" y="0"/>
+          <a:ext cx="0" cy="0"/>
+          <a:chOff x="0" y="0"/>
+          <a:chExt cx="0" cy="0"/>
+        </a:xfrm>
+      </p:grpSpPr>
+      <p:sp>
+        <p:nvSpPr>
+          <p:cNvPr id="2" name="Title 1">
+            <a:extLst>
+              <a:ext uri="{FF2B5EF4-FFF2-40B4-BE49-F238E27FC236}">
+                <a16:creationId xmlns:a16="http://schemas.microsoft.com/office/drawing/2014/main" id="{6CA72EF5-EF86-98ED-7F8E-A760D68F9F51}"/>
+              </a:ext>
+            </a:extLst>
+          </p:cNvPr>
+          <p:cNvSpPr>
+            <a:spLocks noGrp="1"/>
+          </p:cNvSpPr>
+          <p:nvPr>
+            <p:ph type="title"/>
+          </p:nvPr>
+        </p:nvSpPr>
+        <p:spPr>
+          <a:xfrm>
+            <a:off x="213510" y="303313"/>
+            <a:ext cx="7545309" cy="733331"/>
+          </a:xfrm>
+        </p:spPr>
+        <p:txBody>
+          <a:bodyPr>
+            <a:normAutofit fontScale="90000"/>
+          </a:bodyPr>
+          <a:lstStyle/>
+          <a:p>
+            <a:r>
+              <a:rPr lang="en-US" dirty="0"/>
+              <a:t>Solver View Model State Machine</a:t>
+            </a:r>
+            <a:endParaRPr lang="en-GB" dirty="0"/>
+          </a:p>
+        </p:txBody>
+      </p:sp>
+      <p:sp>
+        <p:nvSpPr>
+          <p:cNvPr id="4" name="Rectangle: Rounded Corners 3">
+            <a:extLst>
+              <a:ext uri="{FF2B5EF4-FFF2-40B4-BE49-F238E27FC236}">
+                <a16:creationId xmlns:a16="http://schemas.microsoft.com/office/drawing/2014/main" id="{1DC89A6C-188A-4132-FED8-483C5837BC74}"/>
+              </a:ext>
+            </a:extLst>
+          </p:cNvPr>
+          <p:cNvSpPr/>
+          <p:nvPr/>
+        </p:nvSpPr>
+        <p:spPr>
+          <a:xfrm>
+            <a:off x="307819" y="3062334"/>
+            <a:ext cx="1530035" cy="733331"/>
+          </a:xfrm>
+          <a:prstGeom prst="roundRect">
+            <a:avLst/>
+          </a:prstGeom>
+          <a:solidFill>
+            <a:schemeClr val="bg1"/>
+          </a:solidFill>
+        </p:spPr>
+        <p:style>
+          <a:lnRef idx="2">
+            <a:schemeClr val="accent1">
+              <a:shade val="15000"/>
+            </a:schemeClr>
+          </a:lnRef>
+          <a:fillRef idx="1">
+            <a:schemeClr val="accent1"/>
+          </a:fillRef>
+          <a:effectRef idx="0">
+            <a:schemeClr val="accent1"/>
+          </a:effectRef>
+          <a:fontRef idx="minor">
+            <a:schemeClr val="lt1"/>
+          </a:fontRef>
+        </p:style>
+        <p:txBody>
+          <a:bodyPr rtlCol="0" anchor="ctr"/>
+          <a:lstStyle/>
+          <a:p>
+            <a:pPr algn="ctr"/>
+            <a:r>
+              <a:rPr lang="en-US" b="1" dirty="0">
+                <a:solidFill>
+                  <a:schemeClr val="tx1"/>
+                </a:solidFill>
+              </a:rPr>
+              <a:t>Idle</a:t>
+            </a:r>
+          </a:p>
+          <a:p>
+            <a:pPr algn="ctr"/>
+            <a:r>
+              <a:rPr lang="en-US" sz="1200" b="1" dirty="0">
+                <a:solidFill>
+                  <a:schemeClr val="tx1"/>
+                </a:solidFill>
+              </a:rPr>
+              <a:t>Waiting for User</a:t>
+            </a:r>
+            <a:endParaRPr lang="en-GB" sz="1200" b="1" dirty="0">
+              <a:solidFill>
+                <a:schemeClr val="tx1"/>
+              </a:solidFill>
+            </a:endParaRPr>
+          </a:p>
+        </p:txBody>
+      </p:sp>
+      <p:sp>
+        <p:nvSpPr>
+          <p:cNvPr id="5" name="Rectangle: Rounded Corners 4">
+            <a:extLst>
+              <a:ext uri="{FF2B5EF4-FFF2-40B4-BE49-F238E27FC236}">
+                <a16:creationId xmlns:a16="http://schemas.microsoft.com/office/drawing/2014/main" id="{4CBFC9D3-5861-0C4A-50CD-6086F157FBDB}"/>
+              </a:ext>
+            </a:extLst>
+          </p:cNvPr>
+          <p:cNvSpPr/>
+          <p:nvPr/>
+        </p:nvSpPr>
+        <p:spPr>
+          <a:xfrm>
+            <a:off x="2526670" y="3062333"/>
+            <a:ext cx="2995190" cy="733331"/>
+          </a:xfrm>
+          <a:prstGeom prst="roundRect">
+            <a:avLst/>
+          </a:prstGeom>
+          <a:solidFill>
+            <a:schemeClr val="bg1"/>
+          </a:solidFill>
+        </p:spPr>
+        <p:style>
+          <a:lnRef idx="2">
+            <a:schemeClr val="accent1">
+              <a:shade val="15000"/>
+            </a:schemeClr>
+          </a:lnRef>
+          <a:fillRef idx="1">
+            <a:schemeClr val="accent1"/>
+          </a:fillRef>
+          <a:effectRef idx="0">
+            <a:schemeClr val="accent1"/>
+          </a:effectRef>
+          <a:fontRef idx="minor">
+            <a:schemeClr val="lt1"/>
+          </a:fontRef>
+        </p:style>
+        <p:txBody>
+          <a:bodyPr rtlCol="0" anchor="ctr"/>
+          <a:lstStyle/>
+          <a:p>
+            <a:pPr algn="ctr"/>
+            <a:r>
+              <a:rPr lang="en-US" b="1" dirty="0">
+                <a:solidFill>
+                  <a:schemeClr val="tx1"/>
+                </a:solidFill>
+              </a:rPr>
+              <a:t>Active</a:t>
+            </a:r>
+          </a:p>
+          <a:p>
+            <a:r>
+              <a:rPr lang="en-US" sz="1200" dirty="0">
+                <a:solidFill>
+                  <a:schemeClr val="tx1"/>
+                </a:solidFill>
+              </a:rPr>
+              <a:t>Data Structure:</a:t>
+            </a:r>
+          </a:p>
+          <a:p>
+            <a:pPr marL="171450" indent="-171450">
+              <a:buFont typeface="Arial" panose="020B0604020202020204" pitchFamily="34" charset="0"/>
+              <a:buChar char="•"/>
+            </a:pPr>
+            <a:r>
+              <a:rPr lang="en-US" sz="1200" dirty="0" err="1">
+                <a:solidFill>
+                  <a:schemeClr val="tx1"/>
+                </a:solidFill>
+              </a:rPr>
+              <a:t>ProgressLevel</a:t>
+            </a:r>
+            <a:r>
+              <a:rPr lang="en-US" sz="1200" dirty="0">
+                <a:solidFill>
+                  <a:schemeClr val="tx1"/>
+                </a:solidFill>
+              </a:rPr>
+              <a:t> – Thinking progress level</a:t>
+            </a:r>
+          </a:p>
+        </p:txBody>
+      </p:sp>
+      <p:cxnSp>
+        <p:nvCxnSpPr>
+          <p:cNvPr id="8" name="Straight Arrow Connector 7">
+            <a:extLst>
+              <a:ext uri="{FF2B5EF4-FFF2-40B4-BE49-F238E27FC236}">
+                <a16:creationId xmlns:a16="http://schemas.microsoft.com/office/drawing/2014/main" id="{BE854F05-50E9-23B2-B230-05D1CAA812BB}"/>
+              </a:ext>
+            </a:extLst>
+          </p:cNvPr>
+          <p:cNvCxnSpPr>
+            <a:cxnSpLocks/>
+            <a:stCxn id="4" idx="3"/>
+            <a:endCxn id="5" idx="1"/>
+          </p:cNvCxnSpPr>
+          <p:nvPr/>
+        </p:nvCxnSpPr>
+        <p:spPr>
+          <a:xfrm flipV="1">
+            <a:off x="1837854" y="3428999"/>
+            <a:ext cx="688816" cy="1"/>
+          </a:xfrm>
+          <a:prstGeom prst="straightConnector1">
+            <a:avLst/>
+          </a:prstGeom>
+          <a:ln>
+            <a:tailEnd type="triangle"/>
+          </a:ln>
+        </p:spPr>
+        <p:style>
+          <a:lnRef idx="2">
+            <a:schemeClr val="accent1"/>
+          </a:lnRef>
+          <a:fillRef idx="0">
+            <a:schemeClr val="accent1"/>
+          </a:fillRef>
+          <a:effectRef idx="1">
+            <a:schemeClr val="accent1"/>
+          </a:effectRef>
+          <a:fontRef idx="minor">
+            <a:schemeClr val="tx1"/>
+          </a:fontRef>
+        </p:style>
+      </p:cxnSp>
+      <p:sp>
+        <p:nvSpPr>
+          <p:cNvPr id="10" name="Rectangle: Rounded Corners 9">
+            <a:extLst>
+              <a:ext uri="{FF2B5EF4-FFF2-40B4-BE49-F238E27FC236}">
+                <a16:creationId xmlns:a16="http://schemas.microsoft.com/office/drawing/2014/main" id="{CF92467C-2CEE-5613-9464-212A073D8C40}"/>
+              </a:ext>
+            </a:extLst>
+          </p:cNvPr>
+          <p:cNvSpPr/>
+          <p:nvPr/>
+        </p:nvSpPr>
+        <p:spPr>
+          <a:xfrm>
+            <a:off x="6670141" y="1582092"/>
+            <a:ext cx="3835651" cy="1883121"/>
+          </a:xfrm>
+          <a:prstGeom prst="roundRect">
+            <a:avLst/>
+          </a:prstGeom>
+          <a:solidFill>
+            <a:schemeClr val="bg1"/>
+          </a:solidFill>
+        </p:spPr>
+        <p:style>
+          <a:lnRef idx="2">
+            <a:schemeClr val="accent1">
+              <a:shade val="15000"/>
+            </a:schemeClr>
+          </a:lnRef>
+          <a:fillRef idx="1">
+            <a:schemeClr val="accent1"/>
+          </a:fillRef>
+          <a:effectRef idx="0">
+            <a:schemeClr val="accent1"/>
+          </a:effectRef>
+          <a:fontRef idx="minor">
+            <a:schemeClr val="lt1"/>
+          </a:fontRef>
+        </p:style>
+        <p:txBody>
+          <a:bodyPr rtlCol="0" anchor="ctr"/>
+          <a:lstStyle/>
+          <a:p>
+            <a:pPr algn="ctr"/>
+            <a:r>
+              <a:rPr lang="en-US" b="1" dirty="0">
+                <a:solidFill>
+                  <a:schemeClr val="tx1"/>
+                </a:solidFill>
+              </a:rPr>
+              <a:t>Idle</a:t>
+            </a:r>
+          </a:p>
+          <a:p>
+            <a:pPr algn="ctr"/>
+            <a:r>
+              <a:rPr lang="en-US" sz="1200" b="1" dirty="0" err="1">
+                <a:solidFill>
+                  <a:schemeClr val="tx1"/>
+                </a:solidFill>
+              </a:rPr>
+              <a:t>SolutionFound</a:t>
+            </a:r>
+            <a:r>
+              <a:rPr lang="en-US" sz="1200" b="1" dirty="0">
+                <a:solidFill>
+                  <a:schemeClr val="tx1"/>
+                </a:solidFill>
+              </a:rPr>
+              <a:t> – </a:t>
+            </a:r>
+            <a:r>
+              <a:rPr lang="en-US" sz="1200" dirty="0">
+                <a:solidFill>
+                  <a:schemeClr val="tx1"/>
+                </a:solidFill>
+              </a:rPr>
+              <a:t>indicate it needs to move the ball. When ball movement is done, then it move to the next idle state.</a:t>
+            </a:r>
+          </a:p>
+          <a:p>
+            <a:pPr algn="ctr"/>
+            <a:endParaRPr lang="en-US" sz="1200" b="1" dirty="0">
+              <a:solidFill>
+                <a:schemeClr val="tx1"/>
+              </a:solidFill>
+            </a:endParaRPr>
+          </a:p>
+          <a:p>
+            <a:r>
+              <a:rPr lang="en-US" sz="1200" dirty="0">
+                <a:solidFill>
+                  <a:schemeClr val="tx1"/>
+                </a:solidFill>
+              </a:rPr>
+              <a:t>Data Structure:</a:t>
+            </a:r>
+          </a:p>
+          <a:p>
+            <a:pPr marL="171450" indent="-171450">
+              <a:buFont typeface="Arial" panose="020B0604020202020204" pitchFamily="34" charset="0"/>
+              <a:buChar char="•"/>
+            </a:pPr>
+            <a:r>
+              <a:rPr lang="en-US" sz="1200" dirty="0" err="1">
+                <a:solidFill>
+                  <a:schemeClr val="tx1"/>
+                </a:solidFill>
+              </a:rPr>
+              <a:t>WinningDirection</a:t>
+            </a:r>
+            <a:r>
+              <a:rPr lang="en-US" sz="1200" dirty="0">
+                <a:solidFill>
+                  <a:schemeClr val="tx1"/>
+                </a:solidFill>
+              </a:rPr>
+              <a:t> –Ball direction that lead to a win</a:t>
+            </a:r>
+            <a:endParaRPr lang="en-US" sz="1400" dirty="0">
+              <a:solidFill>
+                <a:schemeClr val="tx1"/>
+              </a:solidFill>
+            </a:endParaRPr>
+          </a:p>
+          <a:p>
+            <a:pPr marL="171450" indent="-171450">
+              <a:buFont typeface="Arial" panose="020B0604020202020204" pitchFamily="34" charset="0"/>
+              <a:buChar char="•"/>
+            </a:pPr>
+            <a:r>
+              <a:rPr lang="en-US" sz="1200" dirty="0" err="1">
+                <a:solidFill>
+                  <a:schemeClr val="tx1"/>
+                </a:solidFill>
+              </a:rPr>
+              <a:t>MovingChain</a:t>
+            </a:r>
+            <a:r>
+              <a:rPr lang="en-US" sz="1200" dirty="0">
+                <a:solidFill>
+                  <a:schemeClr val="tx1"/>
+                </a:solidFill>
+              </a:rPr>
+              <a:t> – Ball position to move from that lead to a win. It may contain multiple ball position if there are adjacent balls</a:t>
+            </a:r>
+            <a:endParaRPr lang="en-GB" sz="1400" dirty="0">
+              <a:solidFill>
+                <a:schemeClr val="tx1"/>
+              </a:solidFill>
+            </a:endParaRPr>
+          </a:p>
+        </p:txBody>
+      </p:sp>
+      <p:sp>
+        <p:nvSpPr>
+          <p:cNvPr id="11" name="Rectangle: Rounded Corners 10">
+            <a:extLst>
+              <a:ext uri="{FF2B5EF4-FFF2-40B4-BE49-F238E27FC236}">
+                <a16:creationId xmlns:a16="http://schemas.microsoft.com/office/drawing/2014/main" id="{14A6531A-D632-A91A-BE8C-EC243247097E}"/>
+              </a:ext>
+            </a:extLst>
+          </p:cNvPr>
+          <p:cNvSpPr/>
+          <p:nvPr/>
+        </p:nvSpPr>
+        <p:spPr>
+          <a:xfrm>
+            <a:off x="6746343" y="3795665"/>
+            <a:ext cx="3835651" cy="1545878"/>
+          </a:xfrm>
+          <a:prstGeom prst="roundRect">
+            <a:avLst/>
+          </a:prstGeom>
+          <a:solidFill>
+            <a:schemeClr val="bg1"/>
+          </a:solidFill>
+        </p:spPr>
+        <p:style>
+          <a:lnRef idx="2">
+            <a:schemeClr val="accent1">
+              <a:shade val="15000"/>
+            </a:schemeClr>
+          </a:lnRef>
+          <a:fillRef idx="1">
+            <a:schemeClr val="accent1"/>
+          </a:fillRef>
+          <a:effectRef idx="0">
+            <a:schemeClr val="accent1"/>
+          </a:effectRef>
+          <a:fontRef idx="minor">
+            <a:schemeClr val="lt1"/>
+          </a:fontRef>
+        </p:style>
+        <p:txBody>
+          <a:bodyPr rtlCol="0" anchor="ctr"/>
+          <a:lstStyle/>
+          <a:p>
+            <a:pPr algn="ctr"/>
+            <a:r>
+              <a:rPr lang="en-US" b="1" dirty="0">
+                <a:solidFill>
+                  <a:schemeClr val="tx1"/>
+                </a:solidFill>
+              </a:rPr>
+              <a:t>Idle</a:t>
+            </a:r>
+          </a:p>
+          <a:p>
+            <a:pPr algn="ctr"/>
+            <a:r>
+              <a:rPr lang="en-US" sz="1200" b="1" dirty="0" err="1">
+                <a:solidFill>
+                  <a:schemeClr val="tx1"/>
+                </a:solidFill>
+              </a:rPr>
+              <a:t>NoSolutionFound</a:t>
+            </a:r>
+            <a:r>
+              <a:rPr lang="en-US" sz="1200" b="1" dirty="0">
+                <a:solidFill>
+                  <a:schemeClr val="tx1"/>
+                </a:solidFill>
+              </a:rPr>
+              <a:t> – </a:t>
+            </a:r>
+            <a:r>
+              <a:rPr lang="en-US" sz="1200" dirty="0">
+                <a:solidFill>
+                  <a:schemeClr val="tx1"/>
+                </a:solidFill>
+              </a:rPr>
+              <a:t>Print there is no winnable move found. It then move to next idle state</a:t>
+            </a:r>
+          </a:p>
+          <a:p>
+            <a:pPr algn="ctr"/>
+            <a:endParaRPr lang="en-US" sz="1200" b="1" dirty="0">
+              <a:solidFill>
+                <a:schemeClr val="tx1"/>
+              </a:solidFill>
+            </a:endParaRPr>
+          </a:p>
+          <a:p>
+            <a:r>
+              <a:rPr lang="en-GB" sz="1200" dirty="0">
+                <a:solidFill>
+                  <a:schemeClr val="tx1"/>
+                </a:solidFill>
+              </a:rPr>
+              <a:t>Data </a:t>
+            </a:r>
+            <a:r>
+              <a:rPr lang="en-GB" sz="1200" dirty="0" err="1">
+                <a:solidFill>
+                  <a:schemeClr val="tx1"/>
+                </a:solidFill>
+              </a:rPr>
+              <a:t>Structue</a:t>
+            </a:r>
+            <a:r>
+              <a:rPr lang="en-GB" sz="1200" dirty="0">
+                <a:solidFill>
+                  <a:schemeClr val="tx1"/>
+                </a:solidFill>
+              </a:rPr>
+              <a:t>:</a:t>
+            </a:r>
+          </a:p>
+          <a:p>
+            <a:pPr marL="171450" indent="-171450">
+              <a:buFont typeface="Arial" panose="020B0604020202020204" pitchFamily="34" charset="0"/>
+              <a:buChar char="•"/>
+            </a:pPr>
+            <a:r>
+              <a:rPr lang="en-GB" sz="1200" dirty="0" err="1">
+                <a:solidFill>
+                  <a:schemeClr val="tx1"/>
+                </a:solidFill>
+              </a:rPr>
+              <a:t>WinningDirection</a:t>
+            </a:r>
+            <a:r>
+              <a:rPr lang="en-GB" sz="1200" dirty="0">
+                <a:solidFill>
+                  <a:schemeClr val="tx1"/>
+                </a:solidFill>
+              </a:rPr>
+              <a:t> – NO_WINNING_DIRECTION</a:t>
+            </a:r>
+          </a:p>
+          <a:p>
+            <a:pPr marL="171450" indent="-171450">
+              <a:buFont typeface="Arial" panose="020B0604020202020204" pitchFamily="34" charset="0"/>
+              <a:buChar char="•"/>
+            </a:pPr>
+            <a:r>
+              <a:rPr lang="en-GB" sz="1200" dirty="0" err="1">
+                <a:solidFill>
+                  <a:schemeClr val="tx1"/>
+                </a:solidFill>
+              </a:rPr>
+              <a:t>MovingChain</a:t>
+            </a:r>
+            <a:r>
+              <a:rPr lang="en-GB" sz="1200" dirty="0">
+                <a:solidFill>
+                  <a:schemeClr val="tx1"/>
+                </a:solidFill>
+              </a:rPr>
+              <a:t> – Empty list of moves</a:t>
+            </a:r>
+          </a:p>
+          <a:p>
+            <a:pPr algn="ctr"/>
+            <a:endParaRPr lang="en-GB" sz="1200" b="1" dirty="0">
+              <a:solidFill>
+                <a:schemeClr val="tx1"/>
+              </a:solidFill>
+            </a:endParaRPr>
+          </a:p>
+        </p:txBody>
+      </p:sp>
+      <p:cxnSp>
+        <p:nvCxnSpPr>
+          <p:cNvPr id="12" name="Straight Arrow Connector 11">
+            <a:extLst>
+              <a:ext uri="{FF2B5EF4-FFF2-40B4-BE49-F238E27FC236}">
+                <a16:creationId xmlns:a16="http://schemas.microsoft.com/office/drawing/2014/main" id="{B7938F6F-EB1C-5375-72A1-E9AE8BB8347A}"/>
+              </a:ext>
+            </a:extLst>
+          </p:cNvPr>
+          <p:cNvCxnSpPr>
+            <a:cxnSpLocks/>
+            <a:stCxn id="5" idx="3"/>
+            <a:endCxn id="10" idx="1"/>
+          </p:cNvCxnSpPr>
+          <p:nvPr/>
+        </p:nvCxnSpPr>
+        <p:spPr>
+          <a:xfrm flipV="1">
+            <a:off x="5521860" y="2523653"/>
+            <a:ext cx="1148281" cy="905346"/>
+          </a:xfrm>
+          <a:prstGeom prst="straightConnector1">
+            <a:avLst/>
+          </a:prstGeom>
+          <a:ln>
+            <a:tailEnd type="triangle"/>
+          </a:ln>
+        </p:spPr>
+        <p:style>
+          <a:lnRef idx="2">
+            <a:schemeClr val="accent1"/>
+          </a:lnRef>
+          <a:fillRef idx="0">
+            <a:schemeClr val="accent1"/>
+          </a:fillRef>
+          <a:effectRef idx="1">
+            <a:schemeClr val="accent1"/>
+          </a:effectRef>
+          <a:fontRef idx="minor">
+            <a:schemeClr val="tx1"/>
+          </a:fontRef>
+        </p:style>
+      </p:cxnSp>
+      <p:cxnSp>
+        <p:nvCxnSpPr>
+          <p:cNvPr id="13" name="Straight Arrow Connector 12">
+            <a:extLst>
+              <a:ext uri="{FF2B5EF4-FFF2-40B4-BE49-F238E27FC236}">
+                <a16:creationId xmlns:a16="http://schemas.microsoft.com/office/drawing/2014/main" id="{A5F6706A-1079-4370-ADBE-08037C3E7277}"/>
+              </a:ext>
+            </a:extLst>
+          </p:cNvPr>
+          <p:cNvCxnSpPr>
+            <a:cxnSpLocks/>
+            <a:stCxn id="5" idx="3"/>
+            <a:endCxn id="11" idx="1"/>
+          </p:cNvCxnSpPr>
+          <p:nvPr/>
+        </p:nvCxnSpPr>
+        <p:spPr>
+          <a:xfrm>
+            <a:off x="5521860" y="3428999"/>
+            <a:ext cx="1224483" cy="1139605"/>
+          </a:xfrm>
+          <a:prstGeom prst="straightConnector1">
+            <a:avLst/>
+          </a:prstGeom>
+          <a:ln>
+            <a:tailEnd type="triangle"/>
+          </a:ln>
+        </p:spPr>
+        <p:style>
+          <a:lnRef idx="2">
+            <a:schemeClr val="accent1"/>
+          </a:lnRef>
+          <a:fillRef idx="0">
+            <a:schemeClr val="accent1"/>
+          </a:fillRef>
+          <a:effectRef idx="1">
+            <a:schemeClr val="accent1"/>
+          </a:effectRef>
+          <a:fontRef idx="minor">
+            <a:schemeClr val="tx1"/>
+          </a:fontRef>
+        </p:style>
+      </p:cxnSp>
+      <p:cxnSp>
+        <p:nvCxnSpPr>
+          <p:cNvPr id="14" name="Straight Arrow Connector 13">
+            <a:extLst>
+              <a:ext uri="{FF2B5EF4-FFF2-40B4-BE49-F238E27FC236}">
+                <a16:creationId xmlns:a16="http://schemas.microsoft.com/office/drawing/2014/main" id="{C2EE1A32-7911-4C4F-AD6A-2922AD215AAB}"/>
+              </a:ext>
+            </a:extLst>
+          </p:cNvPr>
+          <p:cNvCxnSpPr>
+            <a:cxnSpLocks/>
+            <a:stCxn id="11" idx="3"/>
+            <a:endCxn id="4" idx="2"/>
+          </p:cNvCxnSpPr>
+          <p:nvPr/>
+        </p:nvCxnSpPr>
+        <p:spPr>
+          <a:xfrm flipH="1" flipV="1">
+            <a:off x="1072837" y="3795665"/>
+            <a:ext cx="9509157" cy="772939"/>
+          </a:xfrm>
+          <a:prstGeom prst="bentConnector4">
+            <a:avLst>
+              <a:gd name="adj1" fmla="val -2404"/>
+              <a:gd name="adj2" fmla="val -129575"/>
+            </a:avLst>
+          </a:prstGeom>
+          <a:ln>
+            <a:tailEnd type="triangle"/>
+          </a:ln>
+        </p:spPr>
+        <p:style>
+          <a:lnRef idx="2">
+            <a:schemeClr val="accent1"/>
+          </a:lnRef>
+          <a:fillRef idx="0">
+            <a:schemeClr val="accent1"/>
+          </a:fillRef>
+          <a:effectRef idx="1">
+            <a:schemeClr val="accent1"/>
+          </a:effectRef>
+          <a:fontRef idx="minor">
+            <a:schemeClr val="tx1"/>
+          </a:fontRef>
+        </p:style>
+      </p:cxnSp>
+      <p:cxnSp>
+        <p:nvCxnSpPr>
+          <p:cNvPr id="15" name="Straight Arrow Connector 14">
+            <a:extLst>
+              <a:ext uri="{FF2B5EF4-FFF2-40B4-BE49-F238E27FC236}">
+                <a16:creationId xmlns:a16="http://schemas.microsoft.com/office/drawing/2014/main" id="{73F9279A-D5C1-B719-E6E3-17D81F00C82C}"/>
+              </a:ext>
+            </a:extLst>
+          </p:cNvPr>
+          <p:cNvCxnSpPr>
+            <a:cxnSpLocks/>
+            <a:stCxn id="10" idx="3"/>
+            <a:endCxn id="4" idx="0"/>
+          </p:cNvCxnSpPr>
+          <p:nvPr/>
+        </p:nvCxnSpPr>
+        <p:spPr>
+          <a:xfrm flipH="1">
+            <a:off x="1072837" y="2523653"/>
+            <a:ext cx="9432955" cy="538681"/>
+          </a:xfrm>
+          <a:prstGeom prst="bentConnector4">
+            <a:avLst>
+              <a:gd name="adj1" fmla="val -2423"/>
+              <a:gd name="adj2" fmla="val -217227"/>
+            </a:avLst>
+          </a:prstGeom>
+          <a:ln>
+            <a:tailEnd type="triangle"/>
+          </a:ln>
+        </p:spPr>
+        <p:style>
+          <a:lnRef idx="2">
+            <a:schemeClr val="accent1"/>
+          </a:lnRef>
+          <a:fillRef idx="0">
+            <a:schemeClr val="accent1"/>
+          </a:fillRef>
+          <a:effectRef idx="1">
+            <a:schemeClr val="accent1"/>
+          </a:effectRef>
+          <a:fontRef idx="minor">
+            <a:schemeClr val="tx1"/>
+          </a:fontRef>
+        </p:style>
+      </p:cxnSp>
+    </p:spTree>
+    <p:extLst>
+      <p:ext uri="{BB962C8B-B14F-4D97-AF65-F5344CB8AC3E}">
+        <p14:creationId xmlns:p14="http://schemas.microsoft.com/office/powerpoint/2010/main" val="925452329"/>
       </p:ext>
     </p:extLst>
   </p:cSld>

--- a/Flicker.pptx
+++ b/Flicker.pptx
@@ -263,7 +263,7 @@
           <a:p>
             <a:fld id="{9BA82EC9-1B27-4AE6-A228-67888B3E2E79}" type="datetimeFigureOut">
               <a:rPr lang="en-GB" smtClean="0"/>
-              <a:t>14/07/2024</a:t>
+              <a:t>15/07/2024</a:t>
             </a:fld>
             <a:endParaRPr lang="en-GB"/>
           </a:p>
@@ -463,7 +463,7 @@
           <a:p>
             <a:fld id="{9BA82EC9-1B27-4AE6-A228-67888B3E2E79}" type="datetimeFigureOut">
               <a:rPr lang="en-GB" smtClean="0"/>
-              <a:t>14/07/2024</a:t>
+              <a:t>15/07/2024</a:t>
             </a:fld>
             <a:endParaRPr lang="en-GB"/>
           </a:p>
@@ -673,7 +673,7 @@
           <a:p>
             <a:fld id="{9BA82EC9-1B27-4AE6-A228-67888B3E2E79}" type="datetimeFigureOut">
               <a:rPr lang="en-GB" smtClean="0"/>
-              <a:t>14/07/2024</a:t>
+              <a:t>15/07/2024</a:t>
             </a:fld>
             <a:endParaRPr lang="en-GB"/>
           </a:p>
@@ -873,7 +873,7 @@
           <a:p>
             <a:fld id="{9BA82EC9-1B27-4AE6-A228-67888B3E2E79}" type="datetimeFigureOut">
               <a:rPr lang="en-GB" smtClean="0"/>
-              <a:t>14/07/2024</a:t>
+              <a:t>15/07/2024</a:t>
             </a:fld>
             <a:endParaRPr lang="en-GB"/>
           </a:p>
@@ -1149,7 +1149,7 @@
           <a:p>
             <a:fld id="{9BA82EC9-1B27-4AE6-A228-67888B3E2E79}" type="datetimeFigureOut">
               <a:rPr lang="en-GB" smtClean="0"/>
-              <a:t>14/07/2024</a:t>
+              <a:t>15/07/2024</a:t>
             </a:fld>
             <a:endParaRPr lang="en-GB"/>
           </a:p>
@@ -1417,7 +1417,7 @@
           <a:p>
             <a:fld id="{9BA82EC9-1B27-4AE6-A228-67888B3E2E79}" type="datetimeFigureOut">
               <a:rPr lang="en-GB" smtClean="0"/>
-              <a:t>14/07/2024</a:t>
+              <a:t>15/07/2024</a:t>
             </a:fld>
             <a:endParaRPr lang="en-GB"/>
           </a:p>
@@ -1832,7 +1832,7 @@
           <a:p>
             <a:fld id="{9BA82EC9-1B27-4AE6-A228-67888B3E2E79}" type="datetimeFigureOut">
               <a:rPr lang="en-GB" smtClean="0"/>
-              <a:t>14/07/2024</a:t>
+              <a:t>15/07/2024</a:t>
             </a:fld>
             <a:endParaRPr lang="en-GB"/>
           </a:p>
@@ -1974,7 +1974,7 @@
           <a:p>
             <a:fld id="{9BA82EC9-1B27-4AE6-A228-67888B3E2E79}" type="datetimeFigureOut">
               <a:rPr lang="en-GB" smtClean="0"/>
-              <a:t>14/07/2024</a:t>
+              <a:t>15/07/2024</a:t>
             </a:fld>
             <a:endParaRPr lang="en-GB"/>
           </a:p>
@@ -2087,7 +2087,7 @@
           <a:p>
             <a:fld id="{9BA82EC9-1B27-4AE6-A228-67888B3E2E79}" type="datetimeFigureOut">
               <a:rPr lang="en-GB" smtClean="0"/>
-              <a:t>14/07/2024</a:t>
+              <a:t>15/07/2024</a:t>
             </a:fld>
             <a:endParaRPr lang="en-GB"/>
           </a:p>
@@ -2400,7 +2400,7 @@
           <a:p>
             <a:fld id="{9BA82EC9-1B27-4AE6-A228-67888B3E2E79}" type="datetimeFigureOut">
               <a:rPr lang="en-GB" smtClean="0"/>
-              <a:t>14/07/2024</a:t>
+              <a:t>15/07/2024</a:t>
             </a:fld>
             <a:endParaRPr lang="en-GB"/>
           </a:p>
@@ -2689,7 +2689,7 @@
           <a:p>
             <a:fld id="{9BA82EC9-1B27-4AE6-A228-67888B3E2E79}" type="datetimeFigureOut">
               <a:rPr lang="en-GB" smtClean="0"/>
-              <a:t>14/07/2024</a:t>
+              <a:t>15/07/2024</a:t>
             </a:fld>
             <a:endParaRPr lang="en-GB"/>
           </a:p>
@@ -2932,7 +2932,7 @@
           <a:p>
             <a:fld id="{9BA82EC9-1B27-4AE6-A228-67888B3E2E79}" type="datetimeFigureOut">
               <a:rPr lang="en-GB" smtClean="0"/>
-              <a:t>14/07/2024</a:t>
+              <a:t>15/07/2024</a:t>
             </a:fld>
             <a:endParaRPr lang="en-GB"/>
           </a:p>
@@ -4170,8 +4170,8 @@
         </p:nvSpPr>
         <p:spPr>
           <a:xfrm>
-            <a:off x="307819" y="3062334"/>
-            <a:ext cx="1530035" cy="733331"/>
+            <a:off x="1329866" y="3557634"/>
+            <a:ext cx="1390941" cy="733331"/>
           </a:xfrm>
           <a:prstGeom prst="roundRect">
             <a:avLst/>
@@ -4202,7 +4202,7 @@
           <a:p>
             <a:pPr algn="ctr"/>
             <a:r>
-              <a:rPr lang="en-US" b="1" dirty="0">
+              <a:rPr lang="en-US" sz="1600" b="1" dirty="0">
                 <a:solidFill>
                   <a:schemeClr val="tx1"/>
                 </a:solidFill>
@@ -4213,14 +4213,14 @@
           <a:p>
             <a:pPr algn="ctr"/>
             <a:r>
-              <a:rPr lang="en-US" sz="1200" b="1" dirty="0">
+              <a:rPr lang="en-US" sz="1100" b="1" dirty="0">
                 <a:solidFill>
                   <a:schemeClr val="tx1"/>
                 </a:solidFill>
               </a:rPr>
               <a:t>Waiting for User</a:t>
             </a:r>
-            <a:endParaRPr lang="en-GB" sz="1200" b="1" dirty="0">
+            <a:endParaRPr lang="en-GB" sz="1100" b="1" dirty="0">
               <a:solidFill>
                 <a:schemeClr val="tx1"/>
               </a:solidFill>
@@ -4242,8 +4242,8 @@
         </p:nvSpPr>
         <p:spPr>
           <a:xfrm>
-            <a:off x="2526670" y="3062333"/>
-            <a:ext cx="2995190" cy="733331"/>
+            <a:off x="4129429" y="3557634"/>
+            <a:ext cx="2250331" cy="733331"/>
           </a:xfrm>
           <a:prstGeom prst="roundRect">
             <a:avLst/>
@@ -4274,7 +4274,7 @@
           <a:p>
             <a:pPr algn="ctr"/>
             <a:r>
-              <a:rPr lang="en-US" b="1" dirty="0">
+              <a:rPr lang="en-US" sz="1600" b="1" dirty="0">
                 <a:solidFill>
                   <a:schemeClr val="tx1"/>
                 </a:solidFill>
@@ -4284,7 +4284,7 @@
           </a:p>
           <a:p>
             <a:r>
-              <a:rPr lang="en-US" sz="1200" dirty="0">
+              <a:rPr lang="en-US" sz="1100" dirty="0">
                 <a:solidFill>
                   <a:schemeClr val="tx1"/>
                 </a:solidFill>
@@ -4298,7 +4298,7 @@
               <a:buChar char="•"/>
             </a:pPr>
             <a:r>
-              <a:rPr lang="en-US" sz="1200" dirty="0" err="1">
+              <a:rPr lang="en-US" sz="1100" dirty="0" err="1">
                 <a:solidFill>
                   <a:schemeClr val="tx1"/>
                 </a:solidFill>
@@ -4306,7 +4306,7 @@
               <a:t>ProgressLevel</a:t>
             </a:r>
             <a:r>
-              <a:rPr lang="en-US" sz="1200" dirty="0">
+              <a:rPr lang="en-US" sz="1100" dirty="0">
                 <a:solidFill>
                   <a:schemeClr val="tx1"/>
                 </a:solidFill>
@@ -4327,15 +4327,15 @@
           </p:cNvPr>
           <p:cNvCxnSpPr>
             <a:cxnSpLocks/>
-            <a:stCxn id="4" idx="3"/>
+            <a:stCxn id="28" idx="3"/>
             <a:endCxn id="5" idx="1"/>
           </p:cNvCxnSpPr>
           <p:nvPr/>
         </p:nvCxnSpPr>
         <p:spPr>
-          <a:xfrm flipV="1">
-            <a:off x="1837854" y="3428999"/>
-            <a:ext cx="688816" cy="1"/>
+          <a:xfrm>
+            <a:off x="3953740" y="3919139"/>
+            <a:ext cx="175689" cy="5161"/>
           </a:xfrm>
           <a:prstGeom prst="straightConnector1">
             <a:avLst/>
@@ -4373,7 +4373,7 @@
         </p:nvSpPr>
         <p:spPr>
           <a:xfrm>
-            <a:off x="6670141" y="1582092"/>
+            <a:off x="7216241" y="2077392"/>
             <a:ext cx="3835651" cy="1883121"/>
           </a:xfrm>
           <a:prstGeom prst="roundRect">
@@ -4405,7 +4405,7 @@
           <a:p>
             <a:pPr algn="ctr"/>
             <a:r>
-              <a:rPr lang="en-US" b="1" dirty="0">
+              <a:rPr lang="en-US" sz="1600" b="1" dirty="0">
                 <a:solidFill>
                   <a:schemeClr val="tx1"/>
                 </a:solidFill>
@@ -4416,7 +4416,7 @@
           <a:p>
             <a:pPr algn="ctr"/>
             <a:r>
-              <a:rPr lang="en-US" sz="1200" b="1" dirty="0" err="1">
+              <a:rPr lang="en-US" sz="1100" b="1" dirty="0" err="1">
                 <a:solidFill>
                   <a:schemeClr val="tx1"/>
                 </a:solidFill>
@@ -4424,7 +4424,7 @@
               <a:t>SolutionFound</a:t>
             </a:r>
             <a:r>
-              <a:rPr lang="en-US" sz="1200" b="1" dirty="0">
+              <a:rPr lang="en-US" sz="1100" b="1" dirty="0">
                 <a:solidFill>
                   <a:schemeClr val="tx1"/>
                 </a:solidFill>
@@ -4432,7 +4432,7 @@
               <a:t> – </a:t>
             </a:r>
             <a:r>
-              <a:rPr lang="en-US" sz="1200" dirty="0">
+              <a:rPr lang="en-US" sz="1100" dirty="0">
                 <a:solidFill>
                   <a:schemeClr val="tx1"/>
                 </a:solidFill>
@@ -4442,7 +4442,7 @@
           </a:p>
           <a:p>
             <a:pPr algn="ctr"/>
-            <a:endParaRPr lang="en-US" sz="1200" b="1" dirty="0">
+            <a:endParaRPr lang="en-US" sz="1100" b="1" dirty="0">
               <a:solidFill>
                 <a:schemeClr val="tx1"/>
               </a:solidFill>
@@ -4450,7 +4450,7 @@
           </a:p>
           <a:p>
             <a:r>
-              <a:rPr lang="en-US" sz="1200" dirty="0">
+              <a:rPr lang="en-US" sz="1100" dirty="0">
                 <a:solidFill>
                   <a:schemeClr val="tx1"/>
                 </a:solidFill>
@@ -4464,7 +4464,7 @@
               <a:buChar char="•"/>
             </a:pPr>
             <a:r>
-              <a:rPr lang="en-US" sz="1200" dirty="0" err="1">
+              <a:rPr lang="en-US" sz="1100" dirty="0" err="1">
                 <a:solidFill>
                   <a:schemeClr val="tx1"/>
                 </a:solidFill>
@@ -4472,14 +4472,14 @@
               <a:t>WinningDirection</a:t>
             </a:r>
             <a:r>
-              <a:rPr lang="en-US" sz="1200" dirty="0">
+              <a:rPr lang="en-US" sz="1100" dirty="0">
                 <a:solidFill>
                   <a:schemeClr val="tx1"/>
                 </a:solidFill>
               </a:rPr>
               <a:t> –Ball direction that lead to a win</a:t>
             </a:r>
-            <a:endParaRPr lang="en-US" sz="1400" dirty="0">
+            <a:endParaRPr lang="en-US" sz="1200" dirty="0">
               <a:solidFill>
                 <a:schemeClr val="tx1"/>
               </a:solidFill>
@@ -4491,7 +4491,7 @@
               <a:buChar char="•"/>
             </a:pPr>
             <a:r>
-              <a:rPr lang="en-US" sz="1200" dirty="0" err="1">
+              <a:rPr lang="en-US" sz="1100" dirty="0" err="1">
                 <a:solidFill>
                   <a:schemeClr val="tx1"/>
                 </a:solidFill>
@@ -4499,14 +4499,14 @@
               <a:t>MovingChain</a:t>
             </a:r>
             <a:r>
-              <a:rPr lang="en-US" sz="1200" dirty="0">
+              <a:rPr lang="en-US" sz="1100" dirty="0">
                 <a:solidFill>
                   <a:schemeClr val="tx1"/>
                 </a:solidFill>
               </a:rPr>
               <a:t> – Ball position to move from that lead to a win. It may contain multiple ball position if there are adjacent balls</a:t>
             </a:r>
-            <a:endParaRPr lang="en-GB" sz="1400" dirty="0">
+            <a:endParaRPr lang="en-GB" sz="1200" dirty="0">
               <a:solidFill>
                 <a:schemeClr val="tx1"/>
               </a:solidFill>
@@ -4528,7 +4528,7 @@
         </p:nvSpPr>
         <p:spPr>
           <a:xfrm>
-            <a:off x="6746343" y="3795665"/>
+            <a:off x="7292443" y="4290965"/>
             <a:ext cx="3835651" cy="1545878"/>
           </a:xfrm>
           <a:prstGeom prst="roundRect">
@@ -4560,7 +4560,7 @@
           <a:p>
             <a:pPr algn="ctr"/>
             <a:r>
-              <a:rPr lang="en-US" b="1" dirty="0">
+              <a:rPr lang="en-US" sz="1600" b="1" dirty="0">
                 <a:solidFill>
                   <a:schemeClr val="tx1"/>
                 </a:solidFill>
@@ -4571,7 +4571,7 @@
           <a:p>
             <a:pPr algn="ctr"/>
             <a:r>
-              <a:rPr lang="en-US" sz="1200" b="1" dirty="0" err="1">
+              <a:rPr lang="en-US" sz="1100" b="1" dirty="0" err="1">
                 <a:solidFill>
                   <a:schemeClr val="tx1"/>
                 </a:solidFill>
@@ -4579,7 +4579,7 @@
               <a:t>NoSolutionFound</a:t>
             </a:r>
             <a:r>
-              <a:rPr lang="en-US" sz="1200" b="1" dirty="0">
+              <a:rPr lang="en-US" sz="1100" b="1" dirty="0">
                 <a:solidFill>
                   <a:schemeClr val="tx1"/>
                 </a:solidFill>
@@ -4587,7 +4587,7 @@
               <a:t> – </a:t>
             </a:r>
             <a:r>
-              <a:rPr lang="en-US" sz="1200" dirty="0">
+              <a:rPr lang="en-US" sz="1100" dirty="0">
                 <a:solidFill>
                   <a:schemeClr val="tx1"/>
                 </a:solidFill>
@@ -4597,7 +4597,7 @@
           </a:p>
           <a:p>
             <a:pPr algn="ctr"/>
-            <a:endParaRPr lang="en-US" sz="1200" b="1" dirty="0">
+            <a:endParaRPr lang="en-US" sz="1100" b="1" dirty="0">
               <a:solidFill>
                 <a:schemeClr val="tx1"/>
               </a:solidFill>
@@ -4605,7 +4605,7 @@
           </a:p>
           <a:p>
             <a:r>
-              <a:rPr lang="en-GB" sz="1200" dirty="0">
+              <a:rPr lang="en-GB" sz="1100" dirty="0">
                 <a:solidFill>
                   <a:schemeClr val="tx1"/>
                 </a:solidFill>
@@ -4613,7 +4613,7 @@
               <a:t>Data </a:t>
             </a:r>
             <a:r>
-              <a:rPr lang="en-GB" sz="1200" dirty="0" err="1">
+              <a:rPr lang="en-GB" sz="1100" dirty="0" err="1">
                 <a:solidFill>
                   <a:schemeClr val="tx1"/>
                 </a:solidFill>
@@ -4621,7 +4621,7 @@
               <a:t>Structue</a:t>
             </a:r>
             <a:r>
-              <a:rPr lang="en-GB" sz="1200" dirty="0">
+              <a:rPr lang="en-GB" sz="1100" dirty="0">
                 <a:solidFill>
                   <a:schemeClr val="tx1"/>
                 </a:solidFill>
@@ -4635,7 +4635,7 @@
               <a:buChar char="•"/>
             </a:pPr>
             <a:r>
-              <a:rPr lang="en-GB" sz="1200" dirty="0" err="1">
+              <a:rPr lang="en-GB" sz="1100" dirty="0" err="1">
                 <a:solidFill>
                   <a:schemeClr val="tx1"/>
                 </a:solidFill>
@@ -4643,7 +4643,7 @@
               <a:t>WinningDirection</a:t>
             </a:r>
             <a:r>
-              <a:rPr lang="en-GB" sz="1200" dirty="0">
+              <a:rPr lang="en-GB" sz="1100" dirty="0">
                 <a:solidFill>
                   <a:schemeClr val="tx1"/>
                 </a:solidFill>
@@ -4657,7 +4657,7 @@
               <a:buChar char="•"/>
             </a:pPr>
             <a:r>
-              <a:rPr lang="en-GB" sz="1200" dirty="0" err="1">
+              <a:rPr lang="en-GB" sz="1100" dirty="0" err="1">
                 <a:solidFill>
                   <a:schemeClr val="tx1"/>
                 </a:solidFill>
@@ -4665,7 +4665,7 @@
               <a:t>MovingChain</a:t>
             </a:r>
             <a:r>
-              <a:rPr lang="en-GB" sz="1200" dirty="0">
+              <a:rPr lang="en-GB" sz="1100" dirty="0">
                 <a:solidFill>
                   <a:schemeClr val="tx1"/>
                 </a:solidFill>
@@ -4675,7 +4675,7 @@
           </a:p>
           <a:p>
             <a:pPr algn="ctr"/>
-            <a:endParaRPr lang="en-GB" sz="1200" b="1" dirty="0">
+            <a:endParaRPr lang="en-GB" sz="1100" b="1" dirty="0">
               <a:solidFill>
                 <a:schemeClr val="tx1"/>
               </a:solidFill>
@@ -4701,8 +4701,8 @@
         </p:nvCxnSpPr>
         <p:spPr>
           <a:xfrm flipV="1">
-            <a:off x="5521860" y="2523653"/>
-            <a:ext cx="1148281" cy="905346"/>
+            <a:off x="6379760" y="3018953"/>
+            <a:ext cx="836481" cy="905347"/>
           </a:xfrm>
           <a:prstGeom prst="straightConnector1">
             <a:avLst/>
@@ -4744,8 +4744,8 @@
         </p:nvCxnSpPr>
         <p:spPr>
           <a:xfrm>
-            <a:off x="5521860" y="3428999"/>
-            <a:ext cx="1224483" cy="1139605"/>
+            <a:off x="6379760" y="3924300"/>
+            <a:ext cx="912683" cy="1139604"/>
           </a:xfrm>
           <a:prstGeom prst="straightConnector1">
             <a:avLst/>
@@ -4787,12 +4787,12 @@
         </p:nvCxnSpPr>
         <p:spPr>
           <a:xfrm flipH="1" flipV="1">
-            <a:off x="1072837" y="3795665"/>
-            <a:ext cx="9509157" cy="772939"/>
+            <a:off x="2025337" y="4290965"/>
+            <a:ext cx="9102757" cy="772939"/>
           </a:xfrm>
           <a:prstGeom prst="bentConnector4">
             <a:avLst>
-              <a:gd name="adj1" fmla="val -2404"/>
+              <a:gd name="adj1" fmla="val -2511"/>
               <a:gd name="adj2" fmla="val -129575"/>
             </a:avLst>
           </a:prstGeom>
@@ -4827,19 +4827,1042 @@
           <p:cNvCxnSpPr>
             <a:cxnSpLocks/>
             <a:stCxn id="10" idx="3"/>
+            <a:endCxn id="40" idx="3"/>
+          </p:cNvCxnSpPr>
+          <p:nvPr/>
+        </p:nvCxnSpPr>
+        <p:spPr>
+          <a:xfrm flipH="1" flipV="1">
+            <a:off x="5770160" y="1838668"/>
+            <a:ext cx="5281732" cy="1180285"/>
+          </a:xfrm>
+          <a:prstGeom prst="bentConnector3">
+            <a:avLst>
+              <a:gd name="adj1" fmla="val -4328"/>
+            </a:avLst>
+          </a:prstGeom>
+          <a:ln>
+            <a:tailEnd type="triangle"/>
+          </a:ln>
+        </p:spPr>
+        <p:style>
+          <a:lnRef idx="2">
+            <a:schemeClr val="accent1"/>
+          </a:lnRef>
+          <a:fillRef idx="0">
+            <a:schemeClr val="accent1"/>
+          </a:fillRef>
+          <a:effectRef idx="1">
+            <a:schemeClr val="accent1"/>
+          </a:effectRef>
+          <a:fontRef idx="minor">
+            <a:schemeClr val="tx1"/>
+          </a:fontRef>
+        </p:style>
+      </p:cxnSp>
+      <p:sp>
+        <p:nvSpPr>
+          <p:cNvPr id="7" name="Rectangle 6">
+            <a:extLst>
+              <a:ext uri="{FF2B5EF4-FFF2-40B4-BE49-F238E27FC236}">
+                <a16:creationId xmlns:a16="http://schemas.microsoft.com/office/drawing/2014/main" id="{A783A18B-4AAA-11EE-997B-EF0CD4647CF8}"/>
+              </a:ext>
+            </a:extLst>
+          </p:cNvPr>
+          <p:cNvSpPr/>
+          <p:nvPr/>
+        </p:nvSpPr>
+        <p:spPr>
+          <a:xfrm>
+            <a:off x="297517" y="3695700"/>
+            <a:ext cx="734830" cy="450850"/>
+          </a:xfrm>
+          <a:prstGeom prst="rect">
+            <a:avLst/>
+          </a:prstGeom>
+          <a:solidFill>
+            <a:schemeClr val="tx2">
+              <a:lumMod val="50000"/>
+              <a:lumOff val="50000"/>
+            </a:schemeClr>
+          </a:solidFill>
+        </p:spPr>
+        <p:style>
+          <a:lnRef idx="2">
+            <a:schemeClr val="accent1">
+              <a:shade val="15000"/>
+            </a:schemeClr>
+          </a:lnRef>
+          <a:fillRef idx="1">
+            <a:schemeClr val="accent1"/>
+          </a:fillRef>
+          <a:effectRef idx="0">
+            <a:schemeClr val="accent1"/>
+          </a:effectRef>
+          <a:fontRef idx="minor">
+            <a:schemeClr val="lt1"/>
+          </a:fontRef>
+        </p:style>
+        <p:txBody>
+          <a:bodyPr rtlCol="0" anchor="ctr"/>
+          <a:lstStyle/>
+          <a:p>
+            <a:pPr algn="ctr"/>
+            <a:r>
+              <a:rPr lang="en-US" sz="1100" dirty="0"/>
+              <a:t>Start Game</a:t>
+            </a:r>
+            <a:endParaRPr lang="en-GB" sz="1100" dirty="0"/>
+          </a:p>
+        </p:txBody>
+      </p:sp>
+      <p:sp>
+        <p:nvSpPr>
+          <p:cNvPr id="9" name="Rectangle 8">
+            <a:extLst>
+              <a:ext uri="{FF2B5EF4-FFF2-40B4-BE49-F238E27FC236}">
+                <a16:creationId xmlns:a16="http://schemas.microsoft.com/office/drawing/2014/main" id="{32D6E5FA-83F4-4A8D-7346-34DDAA2DB2FC}"/>
+              </a:ext>
+            </a:extLst>
+          </p:cNvPr>
+          <p:cNvSpPr/>
+          <p:nvPr/>
+        </p:nvSpPr>
+        <p:spPr>
+          <a:xfrm>
+            <a:off x="2558117" y="2652288"/>
+            <a:ext cx="734830" cy="450850"/>
+          </a:xfrm>
+          <a:prstGeom prst="rect">
+            <a:avLst/>
+          </a:prstGeom>
+          <a:solidFill>
+            <a:schemeClr val="tx2">
+              <a:lumMod val="50000"/>
+              <a:lumOff val="50000"/>
+            </a:schemeClr>
+          </a:solidFill>
+        </p:spPr>
+        <p:style>
+          <a:lnRef idx="2">
+            <a:schemeClr val="accent1">
+              <a:shade val="15000"/>
+            </a:schemeClr>
+          </a:lnRef>
+          <a:fillRef idx="1">
+            <a:schemeClr val="accent1"/>
+          </a:fillRef>
+          <a:effectRef idx="0">
+            <a:schemeClr val="accent1"/>
+          </a:effectRef>
+          <a:fontRef idx="minor">
+            <a:schemeClr val="lt1"/>
+          </a:fontRef>
+        </p:style>
+        <p:txBody>
+          <a:bodyPr rtlCol="0" anchor="ctr"/>
+          <a:lstStyle/>
+          <a:p>
+            <a:pPr algn="ctr"/>
+            <a:r>
+              <a:rPr lang="en-US" sz="1100" dirty="0"/>
+              <a:t>Toggle Ball</a:t>
+            </a:r>
+            <a:endParaRPr lang="en-GB" sz="1100" dirty="0"/>
+          </a:p>
+        </p:txBody>
+      </p:sp>
+      <p:sp>
+        <p:nvSpPr>
+          <p:cNvPr id="16" name="Rectangle 15">
+            <a:extLst>
+              <a:ext uri="{FF2B5EF4-FFF2-40B4-BE49-F238E27FC236}">
+                <a16:creationId xmlns:a16="http://schemas.microsoft.com/office/drawing/2014/main" id="{9CA18DFB-E3D5-8E9A-09D1-992FB8BDA6A6}"/>
+              </a:ext>
+            </a:extLst>
+          </p:cNvPr>
+          <p:cNvSpPr/>
+          <p:nvPr/>
+        </p:nvSpPr>
+        <p:spPr>
+          <a:xfrm>
+            <a:off x="2353392" y="4624507"/>
+            <a:ext cx="734830" cy="450850"/>
+          </a:xfrm>
+          <a:prstGeom prst="rect">
+            <a:avLst/>
+          </a:prstGeom>
+          <a:solidFill>
+            <a:schemeClr val="tx2">
+              <a:lumMod val="50000"/>
+              <a:lumOff val="50000"/>
+            </a:schemeClr>
+          </a:solidFill>
+        </p:spPr>
+        <p:style>
+          <a:lnRef idx="2">
+            <a:schemeClr val="accent1">
+              <a:shade val="15000"/>
+            </a:schemeClr>
+          </a:lnRef>
+          <a:fillRef idx="1">
+            <a:schemeClr val="accent1"/>
+          </a:fillRef>
+          <a:effectRef idx="0">
+            <a:schemeClr val="accent1"/>
+          </a:effectRef>
+          <a:fontRef idx="minor">
+            <a:schemeClr val="lt1"/>
+          </a:fontRef>
+        </p:style>
+        <p:txBody>
+          <a:bodyPr rtlCol="0" anchor="ctr"/>
+          <a:lstStyle/>
+          <a:p>
+            <a:pPr algn="ctr"/>
+            <a:r>
+              <a:rPr lang="en-US" sz="1100" dirty="0"/>
+              <a:t>Reset</a:t>
+            </a:r>
+            <a:endParaRPr lang="en-GB" sz="1100" dirty="0"/>
+          </a:p>
+        </p:txBody>
+      </p:sp>
+      <p:cxnSp>
+        <p:nvCxnSpPr>
+          <p:cNvPr id="17" name="Straight Arrow Connector 16">
+            <a:extLst>
+              <a:ext uri="{FF2B5EF4-FFF2-40B4-BE49-F238E27FC236}">
+                <a16:creationId xmlns:a16="http://schemas.microsoft.com/office/drawing/2014/main" id="{E8308163-BDEB-8CC7-C64D-7C553108F250}"/>
+              </a:ext>
+            </a:extLst>
+          </p:cNvPr>
+          <p:cNvCxnSpPr>
+            <a:cxnSpLocks/>
+            <a:stCxn id="7" idx="3"/>
+            <a:endCxn id="4" idx="1"/>
+          </p:cNvCxnSpPr>
+          <p:nvPr/>
+        </p:nvCxnSpPr>
+        <p:spPr>
+          <a:xfrm>
+            <a:off x="1032347" y="3921125"/>
+            <a:ext cx="297519" cy="3175"/>
+          </a:xfrm>
+          <a:prstGeom prst="straightConnector1">
+            <a:avLst/>
+          </a:prstGeom>
+          <a:ln>
+            <a:tailEnd type="triangle"/>
+          </a:ln>
+        </p:spPr>
+        <p:style>
+          <a:lnRef idx="2">
+            <a:schemeClr val="accent1"/>
+          </a:lnRef>
+          <a:fillRef idx="0">
+            <a:schemeClr val="accent1"/>
+          </a:fillRef>
+          <a:effectRef idx="1">
+            <a:schemeClr val="accent1"/>
+          </a:effectRef>
+          <a:fontRef idx="minor">
+            <a:schemeClr val="tx1"/>
+          </a:fontRef>
+        </p:style>
+      </p:cxnSp>
+      <p:cxnSp>
+        <p:nvCxnSpPr>
+          <p:cNvPr id="20" name="Straight Arrow Connector 19">
+            <a:extLst>
+              <a:ext uri="{FF2B5EF4-FFF2-40B4-BE49-F238E27FC236}">
+                <a16:creationId xmlns:a16="http://schemas.microsoft.com/office/drawing/2014/main" id="{29720F0E-A38C-11DD-1505-B4567F829E0A}"/>
+              </a:ext>
+            </a:extLst>
+          </p:cNvPr>
+          <p:cNvCxnSpPr>
+            <a:cxnSpLocks/>
+            <a:endCxn id="9" idx="2"/>
+          </p:cNvCxnSpPr>
+          <p:nvPr/>
+        </p:nvCxnSpPr>
+        <p:spPr>
+          <a:xfrm flipV="1">
+            <a:off x="2481915" y="3103138"/>
+            <a:ext cx="443617" cy="439157"/>
+          </a:xfrm>
+          <a:prstGeom prst="straightConnector1">
+            <a:avLst/>
+          </a:prstGeom>
+          <a:ln>
+            <a:headEnd type="triangle"/>
+            <a:tailEnd type="triangle"/>
+          </a:ln>
+        </p:spPr>
+        <p:style>
+          <a:lnRef idx="2">
+            <a:schemeClr val="accent1"/>
+          </a:lnRef>
+          <a:fillRef idx="0">
+            <a:schemeClr val="accent1"/>
+          </a:fillRef>
+          <a:effectRef idx="1">
+            <a:schemeClr val="accent1"/>
+          </a:effectRef>
+          <a:fontRef idx="minor">
+            <a:schemeClr val="tx1"/>
+          </a:fontRef>
+        </p:style>
+      </p:cxnSp>
+      <p:cxnSp>
+        <p:nvCxnSpPr>
+          <p:cNvPr id="25" name="Straight Arrow Connector 24">
+            <a:extLst>
+              <a:ext uri="{FF2B5EF4-FFF2-40B4-BE49-F238E27FC236}">
+                <a16:creationId xmlns:a16="http://schemas.microsoft.com/office/drawing/2014/main" id="{B6D028EE-EDCA-ED98-DBEC-56404DC788DB}"/>
+              </a:ext>
+            </a:extLst>
+          </p:cNvPr>
+          <p:cNvCxnSpPr>
+            <a:cxnSpLocks/>
+            <a:endCxn id="16" idx="0"/>
+          </p:cNvCxnSpPr>
+          <p:nvPr/>
+        </p:nvCxnSpPr>
+        <p:spPr>
+          <a:xfrm>
+            <a:off x="2419350" y="4306304"/>
+            <a:ext cx="301457" cy="318203"/>
+          </a:xfrm>
+          <a:prstGeom prst="straightConnector1">
+            <a:avLst/>
+          </a:prstGeom>
+          <a:ln>
+            <a:headEnd type="triangle"/>
+            <a:tailEnd type="triangle"/>
+          </a:ln>
+        </p:spPr>
+        <p:style>
+          <a:lnRef idx="2">
+            <a:schemeClr val="accent1"/>
+          </a:lnRef>
+          <a:fillRef idx="0">
+            <a:schemeClr val="accent1"/>
+          </a:fillRef>
+          <a:effectRef idx="1">
+            <a:schemeClr val="accent1"/>
+          </a:effectRef>
+          <a:fontRef idx="minor">
+            <a:schemeClr val="tx1"/>
+          </a:fontRef>
+        </p:style>
+      </p:cxnSp>
+      <p:sp>
+        <p:nvSpPr>
+          <p:cNvPr id="28" name="Rectangle 27">
+            <a:extLst>
+              <a:ext uri="{FF2B5EF4-FFF2-40B4-BE49-F238E27FC236}">
+                <a16:creationId xmlns:a16="http://schemas.microsoft.com/office/drawing/2014/main" id="{0FC80B8D-8D6C-F419-9956-FF87B79737EB}"/>
+              </a:ext>
+            </a:extLst>
+          </p:cNvPr>
+          <p:cNvSpPr/>
+          <p:nvPr/>
+        </p:nvSpPr>
+        <p:spPr>
+          <a:xfrm>
+            <a:off x="2896496" y="3693714"/>
+            <a:ext cx="1057244" cy="450850"/>
+          </a:xfrm>
+          <a:prstGeom prst="rect">
+            <a:avLst/>
+          </a:prstGeom>
+          <a:solidFill>
+            <a:schemeClr val="tx2">
+              <a:lumMod val="50000"/>
+              <a:lumOff val="50000"/>
+            </a:schemeClr>
+          </a:solidFill>
+        </p:spPr>
+        <p:style>
+          <a:lnRef idx="2">
+            <a:schemeClr val="accent1">
+              <a:shade val="15000"/>
+            </a:schemeClr>
+          </a:lnRef>
+          <a:fillRef idx="1">
+            <a:schemeClr val="accent1"/>
+          </a:fillRef>
+          <a:effectRef idx="0">
+            <a:schemeClr val="accent1"/>
+          </a:effectRef>
+          <a:fontRef idx="minor">
+            <a:schemeClr val="lt1"/>
+          </a:fontRef>
+        </p:style>
+        <p:txBody>
+          <a:bodyPr rtlCol="0" anchor="ctr"/>
+          <a:lstStyle/>
+          <a:p>
+            <a:pPr algn="ctr"/>
+            <a:r>
+              <a:rPr lang="en-US" sz="1100" dirty="0"/>
+              <a:t>Find winning move</a:t>
+            </a:r>
+            <a:endParaRPr lang="en-GB" sz="1100" dirty="0"/>
+          </a:p>
+        </p:txBody>
+      </p:sp>
+      <p:cxnSp>
+        <p:nvCxnSpPr>
+          <p:cNvPr id="33" name="Straight Arrow Connector 32">
+            <a:extLst>
+              <a:ext uri="{FF2B5EF4-FFF2-40B4-BE49-F238E27FC236}">
+                <a16:creationId xmlns:a16="http://schemas.microsoft.com/office/drawing/2014/main" id="{AA5DFA95-D7B1-EF10-D778-C3D5A09EB32D}"/>
+              </a:ext>
+            </a:extLst>
+          </p:cNvPr>
+          <p:cNvCxnSpPr>
+            <a:cxnSpLocks/>
+          </p:cNvCxnSpPr>
+          <p:nvPr/>
+        </p:nvCxnSpPr>
+        <p:spPr>
+          <a:xfrm>
+            <a:off x="2720807" y="3925840"/>
+            <a:ext cx="175689" cy="5161"/>
+          </a:xfrm>
+          <a:prstGeom prst="straightConnector1">
+            <a:avLst/>
+          </a:prstGeom>
+          <a:ln>
+            <a:tailEnd type="triangle"/>
+          </a:ln>
+        </p:spPr>
+        <p:style>
+          <a:lnRef idx="2">
+            <a:schemeClr val="accent1"/>
+          </a:lnRef>
+          <a:fillRef idx="0">
+            <a:schemeClr val="accent1"/>
+          </a:fillRef>
+          <a:effectRef idx="1">
+            <a:schemeClr val="accent1"/>
+          </a:effectRef>
+          <a:fontRef idx="minor">
+            <a:schemeClr val="tx1"/>
+          </a:fontRef>
+        </p:style>
+      </p:cxnSp>
+      <p:sp>
+        <p:nvSpPr>
+          <p:cNvPr id="34" name="Rectangle 33">
+            <a:extLst>
+              <a:ext uri="{FF2B5EF4-FFF2-40B4-BE49-F238E27FC236}">
+                <a16:creationId xmlns:a16="http://schemas.microsoft.com/office/drawing/2014/main" id="{BE69C9C8-217B-7AB5-687A-24B6A4B4F27F}"/>
+              </a:ext>
+            </a:extLst>
+          </p:cNvPr>
+          <p:cNvSpPr/>
+          <p:nvPr/>
+        </p:nvSpPr>
+        <p:spPr>
+          <a:xfrm>
+            <a:off x="526626" y="4956834"/>
+            <a:ext cx="1011442" cy="450850"/>
+          </a:xfrm>
+          <a:prstGeom prst="rect">
+            <a:avLst/>
+          </a:prstGeom>
+          <a:solidFill>
+            <a:schemeClr val="tx2">
+              <a:lumMod val="50000"/>
+              <a:lumOff val="50000"/>
+            </a:schemeClr>
+          </a:solidFill>
+        </p:spPr>
+        <p:style>
+          <a:lnRef idx="2">
+            <a:schemeClr val="accent1">
+              <a:shade val="15000"/>
+            </a:schemeClr>
+          </a:lnRef>
+          <a:fillRef idx="1">
+            <a:schemeClr val="accent1"/>
+          </a:fillRef>
+          <a:effectRef idx="0">
+            <a:schemeClr val="accent1"/>
+          </a:effectRef>
+          <a:fontRef idx="minor">
+            <a:schemeClr val="lt1"/>
+          </a:fontRef>
+        </p:style>
+        <p:txBody>
+          <a:bodyPr rtlCol="0" anchor="ctr"/>
+          <a:lstStyle/>
+          <a:p>
+            <a:pPr algn="ctr"/>
+            <a:r>
+              <a:rPr lang="en-US" sz="1100" dirty="0"/>
+              <a:t>Exit / </a:t>
+            </a:r>
+            <a:r>
+              <a:rPr lang="en-US" sz="1100" dirty="0" err="1"/>
+              <a:t>Backpressed</a:t>
+            </a:r>
+            <a:endParaRPr lang="en-GB" sz="1100" dirty="0"/>
+          </a:p>
+        </p:txBody>
+      </p:sp>
+      <p:cxnSp>
+        <p:nvCxnSpPr>
+          <p:cNvPr id="35" name="Straight Arrow Connector 34">
+            <a:extLst>
+              <a:ext uri="{FF2B5EF4-FFF2-40B4-BE49-F238E27FC236}">
+                <a16:creationId xmlns:a16="http://schemas.microsoft.com/office/drawing/2014/main" id="{4352139A-EC59-A98A-C8FC-55DC4FF44395}"/>
+              </a:ext>
+            </a:extLst>
+          </p:cNvPr>
+          <p:cNvCxnSpPr>
+            <a:cxnSpLocks/>
+            <a:endCxn id="34" idx="0"/>
+          </p:cNvCxnSpPr>
+          <p:nvPr/>
+        </p:nvCxnSpPr>
+        <p:spPr>
+          <a:xfrm flipH="1">
+            <a:off x="1032347" y="4284104"/>
+            <a:ext cx="625575" cy="672730"/>
+          </a:xfrm>
+          <a:prstGeom prst="straightConnector1">
+            <a:avLst/>
+          </a:prstGeom>
+          <a:ln>
+            <a:tailEnd type="triangle"/>
+          </a:ln>
+        </p:spPr>
+        <p:style>
+          <a:lnRef idx="2">
+            <a:schemeClr val="accent1"/>
+          </a:lnRef>
+          <a:fillRef idx="0">
+            <a:schemeClr val="accent1"/>
+          </a:fillRef>
+          <a:effectRef idx="1">
+            <a:schemeClr val="accent1"/>
+          </a:effectRef>
+          <a:fontRef idx="minor">
+            <a:schemeClr val="tx1"/>
+          </a:fontRef>
+        </p:style>
+      </p:cxnSp>
+      <p:sp>
+        <p:nvSpPr>
+          <p:cNvPr id="39" name="Rectangle 38">
+            <a:extLst>
+              <a:ext uri="{FF2B5EF4-FFF2-40B4-BE49-F238E27FC236}">
+                <a16:creationId xmlns:a16="http://schemas.microsoft.com/office/drawing/2014/main" id="{A488A4E3-E4C7-26AC-CBCE-BA603022E177}"/>
+              </a:ext>
+            </a:extLst>
+          </p:cNvPr>
+          <p:cNvSpPr/>
+          <p:nvPr/>
+        </p:nvSpPr>
+        <p:spPr>
+          <a:xfrm>
+            <a:off x="4493143" y="2404091"/>
+            <a:ext cx="1520974" cy="450850"/>
+          </a:xfrm>
+          <a:prstGeom prst="rect">
+            <a:avLst/>
+          </a:prstGeom>
+          <a:solidFill>
+            <a:schemeClr val="tx2">
+              <a:lumMod val="50000"/>
+              <a:lumOff val="50000"/>
+            </a:schemeClr>
+          </a:solidFill>
+        </p:spPr>
+        <p:style>
+          <a:lnRef idx="2">
+            <a:schemeClr val="accent1">
+              <a:shade val="15000"/>
+            </a:schemeClr>
+          </a:lnRef>
+          <a:fillRef idx="1">
+            <a:schemeClr val="accent1"/>
+          </a:fillRef>
+          <a:effectRef idx="0">
+            <a:schemeClr val="accent1"/>
+          </a:effectRef>
+          <a:fontRef idx="minor">
+            <a:schemeClr val="lt1"/>
+          </a:fontRef>
+        </p:style>
+        <p:txBody>
+          <a:bodyPr rtlCol="0" anchor="ctr"/>
+          <a:lstStyle/>
+          <a:p>
+            <a:pPr algn="ctr"/>
+            <a:r>
+              <a:rPr lang="en-US" sz="1100" dirty="0"/>
+              <a:t>Make move and find next winning move</a:t>
+            </a:r>
+            <a:endParaRPr lang="en-GB" sz="1100" dirty="0"/>
+          </a:p>
+        </p:txBody>
+      </p:sp>
+      <p:sp>
+        <p:nvSpPr>
+          <p:cNvPr id="40" name="Diamond 39">
+            <a:extLst>
+              <a:ext uri="{FF2B5EF4-FFF2-40B4-BE49-F238E27FC236}">
+                <a16:creationId xmlns:a16="http://schemas.microsoft.com/office/drawing/2014/main" id="{2D3850C9-F49A-10A8-9423-C6318A8CC51F}"/>
+              </a:ext>
+            </a:extLst>
+          </p:cNvPr>
+          <p:cNvSpPr/>
+          <p:nvPr/>
+        </p:nvSpPr>
+        <p:spPr>
+          <a:xfrm>
+            <a:off x="4737100" y="1476361"/>
+            <a:ext cx="1033060" cy="724614"/>
+          </a:xfrm>
+          <a:prstGeom prst="diamond">
+            <a:avLst/>
+          </a:prstGeom>
+          <a:solidFill>
+            <a:srgbClr val="FFFF00"/>
+          </a:solidFill>
+        </p:spPr>
+        <p:style>
+          <a:lnRef idx="2">
+            <a:schemeClr val="accent1">
+              <a:shade val="15000"/>
+            </a:schemeClr>
+          </a:lnRef>
+          <a:fillRef idx="1">
+            <a:schemeClr val="accent1"/>
+          </a:fillRef>
+          <a:effectRef idx="0">
+            <a:schemeClr val="accent1"/>
+          </a:effectRef>
+          <a:fontRef idx="minor">
+            <a:schemeClr val="lt1"/>
+          </a:fontRef>
+        </p:style>
+        <p:txBody>
+          <a:bodyPr rtlCol="0" anchor="ctr"/>
+          <a:lstStyle/>
+          <a:p>
+            <a:pPr algn="ctr"/>
+            <a:r>
+              <a:rPr lang="en-US" sz="1050" dirty="0">
+                <a:solidFill>
+                  <a:schemeClr val="tx1"/>
+                </a:solidFill>
+              </a:rPr>
+              <a:t>One ball left?</a:t>
+            </a:r>
+            <a:endParaRPr lang="en-GB" sz="1050" dirty="0">
+              <a:solidFill>
+                <a:schemeClr val="tx1"/>
+              </a:solidFill>
+            </a:endParaRPr>
+          </a:p>
+        </p:txBody>
+      </p:sp>
+      <p:cxnSp>
+        <p:nvCxnSpPr>
+          <p:cNvPr id="42" name="Straight Arrow Connector 14">
+            <a:extLst>
+              <a:ext uri="{FF2B5EF4-FFF2-40B4-BE49-F238E27FC236}">
+                <a16:creationId xmlns:a16="http://schemas.microsoft.com/office/drawing/2014/main" id="{BB3FE082-AABB-01C6-511B-24F71A4D6C6B}"/>
+              </a:ext>
+            </a:extLst>
+          </p:cNvPr>
+          <p:cNvCxnSpPr>
+            <a:cxnSpLocks/>
+            <a:stCxn id="54" idx="1"/>
             <a:endCxn id="4" idx="0"/>
           </p:cNvCxnSpPr>
           <p:nvPr/>
         </p:nvCxnSpPr>
         <p:spPr>
+          <a:xfrm rot="10800000" flipV="1">
+            <a:off x="2025337" y="1829794"/>
+            <a:ext cx="695470" cy="1727839"/>
+          </a:xfrm>
+          <a:prstGeom prst="bentConnector2">
+            <a:avLst/>
+          </a:prstGeom>
+          <a:ln>
+            <a:tailEnd type="triangle"/>
+          </a:ln>
+        </p:spPr>
+        <p:style>
+          <a:lnRef idx="2">
+            <a:schemeClr val="accent1"/>
+          </a:lnRef>
+          <a:fillRef idx="0">
+            <a:schemeClr val="accent1"/>
+          </a:fillRef>
+          <a:effectRef idx="1">
+            <a:schemeClr val="accent1"/>
+          </a:effectRef>
+          <a:fontRef idx="minor">
+            <a:schemeClr val="tx1"/>
+          </a:fontRef>
+        </p:style>
+      </p:cxnSp>
+      <p:sp>
+        <p:nvSpPr>
+          <p:cNvPr id="45" name="TextBox 44">
+            <a:extLst>
+              <a:ext uri="{FF2B5EF4-FFF2-40B4-BE49-F238E27FC236}">
+                <a16:creationId xmlns:a16="http://schemas.microsoft.com/office/drawing/2014/main" id="{DFEB90A8-5E91-91AF-264C-C8C563C83E69}"/>
+              </a:ext>
+            </a:extLst>
+          </p:cNvPr>
+          <p:cNvSpPr txBox="1"/>
+          <p:nvPr/>
+        </p:nvSpPr>
+        <p:spPr>
+          <a:xfrm>
+            <a:off x="4457104" y="1567377"/>
+            <a:ext cx="264752" cy="215444"/>
+          </a:xfrm>
+          <a:prstGeom prst="rect">
+            <a:avLst/>
+          </a:prstGeom>
+          <a:noFill/>
+        </p:spPr>
+        <p:txBody>
+          <a:bodyPr wrap="none" lIns="0" tIns="0" rIns="0" bIns="0" rtlCol="0">
+            <a:spAutoFit/>
+          </a:bodyPr>
+          <a:lstStyle/>
+          <a:p>
+            <a:r>
+              <a:rPr lang="en-US" sz="1400" dirty="0"/>
+              <a:t>Yes</a:t>
+            </a:r>
+            <a:endParaRPr lang="en-GB" sz="1400" dirty="0"/>
+          </a:p>
+        </p:txBody>
+      </p:sp>
+      <p:sp>
+        <p:nvSpPr>
+          <p:cNvPr id="46" name="TextBox 45">
+            <a:extLst>
+              <a:ext uri="{FF2B5EF4-FFF2-40B4-BE49-F238E27FC236}">
+                <a16:creationId xmlns:a16="http://schemas.microsoft.com/office/drawing/2014/main" id="{D8EEB262-9320-9DE4-FD6D-670FD70D991B}"/>
+              </a:ext>
+            </a:extLst>
+          </p:cNvPr>
+          <p:cNvSpPr txBox="1"/>
+          <p:nvPr/>
+        </p:nvSpPr>
+        <p:spPr>
+          <a:xfrm>
+            <a:off x="5398883" y="2144157"/>
+            <a:ext cx="226024" cy="215444"/>
+          </a:xfrm>
+          <a:prstGeom prst="rect">
+            <a:avLst/>
+          </a:prstGeom>
+          <a:noFill/>
+        </p:spPr>
+        <p:txBody>
+          <a:bodyPr wrap="none" lIns="0" tIns="0" rIns="0" bIns="0" rtlCol="0">
+            <a:spAutoFit/>
+          </a:bodyPr>
+          <a:lstStyle/>
+          <a:p>
+            <a:r>
+              <a:rPr lang="en-US" sz="1400" dirty="0"/>
+              <a:t>No</a:t>
+            </a:r>
+            <a:endParaRPr lang="en-GB" sz="1400" dirty="0"/>
+          </a:p>
+        </p:txBody>
+      </p:sp>
+      <p:cxnSp>
+        <p:nvCxnSpPr>
+          <p:cNvPr id="47" name="Straight Arrow Connector 46">
+            <a:extLst>
+              <a:ext uri="{FF2B5EF4-FFF2-40B4-BE49-F238E27FC236}">
+                <a16:creationId xmlns:a16="http://schemas.microsoft.com/office/drawing/2014/main" id="{EF637A07-13A6-8AB3-232D-A04E4EA9671C}"/>
+              </a:ext>
+            </a:extLst>
+          </p:cNvPr>
+          <p:cNvCxnSpPr>
+            <a:cxnSpLocks/>
+            <a:stCxn id="40" idx="2"/>
+            <a:endCxn id="39" idx="0"/>
+          </p:cNvCxnSpPr>
+          <p:nvPr/>
+        </p:nvCxnSpPr>
+        <p:spPr>
+          <a:xfrm>
+            <a:off x="5253630" y="2200975"/>
+            <a:ext cx="0" cy="203116"/>
+          </a:xfrm>
+          <a:prstGeom prst="straightConnector1">
+            <a:avLst/>
+          </a:prstGeom>
+          <a:ln>
+            <a:tailEnd type="triangle"/>
+          </a:ln>
+        </p:spPr>
+        <p:style>
+          <a:lnRef idx="2">
+            <a:schemeClr val="accent1"/>
+          </a:lnRef>
+          <a:fillRef idx="0">
+            <a:schemeClr val="accent1"/>
+          </a:fillRef>
+          <a:effectRef idx="1">
+            <a:schemeClr val="accent1"/>
+          </a:effectRef>
+          <a:fontRef idx="minor">
+            <a:schemeClr val="tx1"/>
+          </a:fontRef>
+        </p:style>
+      </p:cxnSp>
+      <p:cxnSp>
+        <p:nvCxnSpPr>
+          <p:cNvPr id="51" name="Straight Arrow Connector 50">
+            <a:extLst>
+              <a:ext uri="{FF2B5EF4-FFF2-40B4-BE49-F238E27FC236}">
+                <a16:creationId xmlns:a16="http://schemas.microsoft.com/office/drawing/2014/main" id="{0014D005-267A-FFBE-99E3-731A03710D62}"/>
+              </a:ext>
+            </a:extLst>
+          </p:cNvPr>
+          <p:cNvCxnSpPr>
+            <a:cxnSpLocks/>
+            <a:stCxn id="39" idx="2"/>
+            <a:endCxn id="59" idx="0"/>
+          </p:cNvCxnSpPr>
+          <p:nvPr/>
+        </p:nvCxnSpPr>
+        <p:spPr>
           <a:xfrm flipH="1">
-            <a:off x="1072837" y="2523653"/>
-            <a:ext cx="9432955" cy="538681"/>
-          </a:xfrm>
-          <a:prstGeom prst="bentConnector4">
+            <a:off x="5251370" y="2854941"/>
+            <a:ext cx="2260" cy="154208"/>
+          </a:xfrm>
+          <a:prstGeom prst="straightConnector1">
+            <a:avLst/>
+          </a:prstGeom>
+          <a:ln>
+            <a:tailEnd type="triangle"/>
+          </a:ln>
+        </p:spPr>
+        <p:style>
+          <a:lnRef idx="2">
+            <a:schemeClr val="accent1"/>
+          </a:lnRef>
+          <a:fillRef idx="0">
+            <a:schemeClr val="accent1"/>
+          </a:fillRef>
+          <a:effectRef idx="1">
+            <a:schemeClr val="accent1"/>
+          </a:effectRef>
+          <a:fontRef idx="minor">
+            <a:schemeClr val="tx1"/>
+          </a:fontRef>
+        </p:style>
+      </p:cxnSp>
+      <p:sp>
+        <p:nvSpPr>
+          <p:cNvPr id="54" name="Rectangle: Rounded Corners 53">
+            <a:extLst>
+              <a:ext uri="{FF2B5EF4-FFF2-40B4-BE49-F238E27FC236}">
+                <a16:creationId xmlns:a16="http://schemas.microsoft.com/office/drawing/2014/main" id="{4F74977C-91FE-774E-3824-5E9BA96DA046}"/>
+              </a:ext>
+            </a:extLst>
+          </p:cNvPr>
+          <p:cNvSpPr/>
+          <p:nvPr/>
+        </p:nvSpPr>
+        <p:spPr>
+          <a:xfrm>
+            <a:off x="2720807" y="1633411"/>
+            <a:ext cx="834742" cy="392768"/>
+          </a:xfrm>
+          <a:prstGeom prst="roundRect">
+            <a:avLst/>
+          </a:prstGeom>
+          <a:solidFill>
+            <a:schemeClr val="accent2"/>
+          </a:solidFill>
+        </p:spPr>
+        <p:style>
+          <a:lnRef idx="2">
+            <a:schemeClr val="accent1">
+              <a:shade val="15000"/>
+            </a:schemeClr>
+          </a:lnRef>
+          <a:fillRef idx="1">
+            <a:schemeClr val="accent1"/>
+          </a:fillRef>
+          <a:effectRef idx="0">
+            <a:schemeClr val="accent1"/>
+          </a:effectRef>
+          <a:fontRef idx="minor">
+            <a:schemeClr val="lt1"/>
+          </a:fontRef>
+        </p:style>
+        <p:txBody>
+          <a:bodyPr rtlCol="0" anchor="ctr"/>
+          <a:lstStyle/>
+          <a:p>
+            <a:pPr algn="ctr"/>
+            <a:r>
+              <a:rPr lang="en-US" sz="1100" dirty="0">
+                <a:solidFill>
+                  <a:schemeClr val="tx1"/>
+                </a:solidFill>
+              </a:rPr>
+              <a:t>Victory Message</a:t>
+            </a:r>
+            <a:endParaRPr lang="en-GB" sz="1100" dirty="0">
+              <a:solidFill>
+                <a:schemeClr val="tx1"/>
+              </a:solidFill>
+            </a:endParaRPr>
+          </a:p>
+        </p:txBody>
+      </p:sp>
+      <p:cxnSp>
+        <p:nvCxnSpPr>
+          <p:cNvPr id="56" name="Straight Arrow Connector 55">
+            <a:extLst>
+              <a:ext uri="{FF2B5EF4-FFF2-40B4-BE49-F238E27FC236}">
+                <a16:creationId xmlns:a16="http://schemas.microsoft.com/office/drawing/2014/main" id="{AB5E24FA-8591-F500-7877-06CD41A83E35}"/>
+              </a:ext>
+            </a:extLst>
+          </p:cNvPr>
+          <p:cNvCxnSpPr>
+            <a:cxnSpLocks/>
+            <a:stCxn id="40" idx="1"/>
+            <a:endCxn id="54" idx="3"/>
+          </p:cNvCxnSpPr>
+          <p:nvPr/>
+        </p:nvCxnSpPr>
+        <p:spPr>
+          <a:xfrm flipH="1" flipV="1">
+            <a:off x="3555549" y="1829795"/>
+            <a:ext cx="1181551" cy="8873"/>
+          </a:xfrm>
+          <a:prstGeom prst="straightConnector1">
+            <a:avLst/>
+          </a:prstGeom>
+          <a:ln>
+            <a:tailEnd type="triangle"/>
+          </a:ln>
+        </p:spPr>
+        <p:style>
+          <a:lnRef idx="2">
+            <a:schemeClr val="accent1"/>
+          </a:lnRef>
+          <a:fillRef idx="0">
+            <a:schemeClr val="accent1"/>
+          </a:fillRef>
+          <a:effectRef idx="1">
+            <a:schemeClr val="accent1"/>
+          </a:effectRef>
+          <a:fontRef idx="minor">
+            <a:schemeClr val="tx1"/>
+          </a:fontRef>
+        </p:style>
+      </p:cxnSp>
+      <p:sp>
+        <p:nvSpPr>
+          <p:cNvPr id="59" name="Rectangle: Rounded Corners 58">
+            <a:extLst>
+              <a:ext uri="{FF2B5EF4-FFF2-40B4-BE49-F238E27FC236}">
+                <a16:creationId xmlns:a16="http://schemas.microsoft.com/office/drawing/2014/main" id="{1BD9117D-56AE-4C14-7BDA-18F43CC0F7D3}"/>
+              </a:ext>
+            </a:extLst>
+          </p:cNvPr>
+          <p:cNvSpPr/>
+          <p:nvPr/>
+        </p:nvSpPr>
+        <p:spPr>
+          <a:xfrm>
+            <a:off x="4721856" y="3009149"/>
+            <a:ext cx="1059027" cy="253861"/>
+          </a:xfrm>
+          <a:prstGeom prst="roundRect">
+            <a:avLst/>
+          </a:prstGeom>
+          <a:solidFill>
+            <a:schemeClr val="accent2"/>
+          </a:solidFill>
+        </p:spPr>
+        <p:style>
+          <a:lnRef idx="2">
+            <a:schemeClr val="accent1">
+              <a:shade val="15000"/>
+            </a:schemeClr>
+          </a:lnRef>
+          <a:fillRef idx="1">
+            <a:schemeClr val="accent1"/>
+          </a:fillRef>
+          <a:effectRef idx="0">
+            <a:schemeClr val="accent1"/>
+          </a:effectRef>
+          <a:fontRef idx="minor">
+            <a:schemeClr val="lt1"/>
+          </a:fontRef>
+        </p:style>
+        <p:txBody>
+          <a:bodyPr rtlCol="0" anchor="ctr"/>
+          <a:lstStyle/>
+          <a:p>
+            <a:pPr algn="ctr"/>
+            <a:r>
+              <a:rPr lang="en-US" sz="1100" dirty="0">
+                <a:solidFill>
+                  <a:schemeClr val="tx1"/>
+                </a:solidFill>
+              </a:rPr>
+              <a:t>Move the ball</a:t>
+            </a:r>
+            <a:endParaRPr lang="en-GB" sz="1100" dirty="0">
+              <a:solidFill>
+                <a:schemeClr val="tx1"/>
+              </a:solidFill>
+            </a:endParaRPr>
+          </a:p>
+        </p:txBody>
+      </p:sp>
+      <p:cxnSp>
+        <p:nvCxnSpPr>
+          <p:cNvPr id="62" name="Straight Arrow Connector 14">
+            <a:extLst>
+              <a:ext uri="{FF2B5EF4-FFF2-40B4-BE49-F238E27FC236}">
+                <a16:creationId xmlns:a16="http://schemas.microsoft.com/office/drawing/2014/main" id="{9672F2E6-1BC2-147E-F5A7-979D1B2E6CC0}"/>
+              </a:ext>
+            </a:extLst>
+          </p:cNvPr>
+          <p:cNvCxnSpPr>
+            <a:cxnSpLocks/>
+            <a:stCxn id="59" idx="2"/>
+            <a:endCxn id="28" idx="0"/>
+          </p:cNvCxnSpPr>
+          <p:nvPr/>
+        </p:nvCxnSpPr>
+        <p:spPr>
+          <a:xfrm rot="5400000">
+            <a:off x="4122892" y="2565236"/>
+            <a:ext cx="430704" cy="1826252"/>
+          </a:xfrm>
+          <a:prstGeom prst="bentConnector3">
             <a:avLst>
-              <a:gd name="adj1" fmla="val -2423"/>
-              <a:gd name="adj2" fmla="val -217227"/>
+              <a:gd name="adj1" fmla="val 50000"/>
             </a:avLst>
           </a:prstGeom>
           <a:ln>

--- a/Flicker.pptx
+++ b/Flicker.pptx
@@ -5,9 +5,8 @@
     <p:sldMasterId id="2147483648" r:id="rId1"/>
   </p:sldMasterIdLst>
   <p:sldIdLst>
-    <p:sldId id="256" r:id="rId2"/>
-    <p:sldId id="257" r:id="rId3"/>
-    <p:sldId id="258" r:id="rId4"/>
+    <p:sldId id="257" r:id="rId2"/>
+    <p:sldId id="258" r:id="rId3"/>
   </p:sldIdLst>
   <p:sldSz cx="12192000" cy="6858000"/>
   <p:notesSz cx="6858000" cy="9144000"/>
@@ -3351,10 +3350,46 @@
       </p:grpSpPr>
       <p:sp>
         <p:nvSpPr>
+          <p:cNvPr id="2" name="Title 1">
+            <a:extLst>
+              <a:ext uri="{FF2B5EF4-FFF2-40B4-BE49-F238E27FC236}">
+                <a16:creationId xmlns:a16="http://schemas.microsoft.com/office/drawing/2014/main" id="{6CA72EF5-EF86-98ED-7F8E-A760D68F9F51}"/>
+              </a:ext>
+            </a:extLst>
+          </p:cNvPr>
+          <p:cNvSpPr>
+            <a:spLocks noGrp="1"/>
+          </p:cNvSpPr>
+          <p:nvPr>
+            <p:ph type="title"/>
+          </p:nvPr>
+        </p:nvSpPr>
+        <p:spPr>
+          <a:xfrm>
+            <a:off x="44136" y="93102"/>
+            <a:ext cx="3962400" cy="601950"/>
+          </a:xfrm>
+        </p:spPr>
+        <p:txBody>
+          <a:bodyPr>
+            <a:normAutofit fontScale="90000"/>
+          </a:bodyPr>
+          <a:lstStyle/>
+          <a:p>
+            <a:r>
+              <a:rPr lang="en-US" dirty="0"/>
+              <a:t>Game View Model</a:t>
+            </a:r>
+            <a:endParaRPr lang="en-GB" dirty="0"/>
+          </a:p>
+        </p:txBody>
+      </p:sp>
+      <p:sp>
+        <p:nvSpPr>
           <p:cNvPr id="4" name="Rectangle: Rounded Corners 3">
             <a:extLst>
               <a:ext uri="{FF2B5EF4-FFF2-40B4-BE49-F238E27FC236}">
-                <a16:creationId xmlns:a16="http://schemas.microsoft.com/office/drawing/2014/main" id="{EB7B7056-2028-0DFE-BB61-AAA86679D43E}"/>
+                <a16:creationId xmlns:a16="http://schemas.microsoft.com/office/drawing/2014/main" id="{750F47DC-B3A9-E4A2-F06C-44C320E8C4C3}"/>
               </a:ext>
             </a:extLst>
           </p:cNvPr>
@@ -3363,8 +3398,8 @@
         </p:nvSpPr>
         <p:spPr>
           <a:xfrm>
-            <a:off x="1113577" y="2326740"/>
-            <a:ext cx="1530035" cy="733331"/>
+            <a:off x="1329866" y="3557634"/>
+            <a:ext cx="1390941" cy="733331"/>
           </a:xfrm>
           <a:prstGeom prst="roundRect">
             <a:avLst/>
@@ -3395,7 +3430,7 @@
           <a:p>
             <a:pPr algn="ctr"/>
             <a:r>
-              <a:rPr lang="en-US" b="1" dirty="0">
+              <a:rPr lang="en-US" sz="1600" b="1" dirty="0">
                 <a:solidFill>
                   <a:schemeClr val="tx1"/>
                 </a:solidFill>
@@ -3406,14 +3441,14 @@
           <a:p>
             <a:pPr algn="ctr"/>
             <a:r>
-              <a:rPr lang="en-US" sz="1400" dirty="0">
+              <a:rPr lang="en-US" sz="1100" b="1" dirty="0">
                 <a:solidFill>
                   <a:schemeClr val="tx1"/>
                 </a:solidFill>
               </a:rPr>
               <a:t>Waiting for User</a:t>
             </a:r>
-            <a:endParaRPr lang="en-GB" sz="1400" dirty="0">
+            <a:endParaRPr lang="en-GB" sz="1100" b="1" dirty="0">
               <a:solidFill>
                 <a:schemeClr val="tx1"/>
               </a:solidFill>
@@ -3426,7 +3461,7 @@
           <p:cNvPr id="5" name="Rectangle: Rounded Corners 4">
             <a:extLst>
               <a:ext uri="{FF2B5EF4-FFF2-40B4-BE49-F238E27FC236}">
-                <a16:creationId xmlns:a16="http://schemas.microsoft.com/office/drawing/2014/main" id="{59B81735-E51C-9B9B-5585-DCFBF99ED004}"/>
+                <a16:creationId xmlns:a16="http://schemas.microsoft.com/office/drawing/2014/main" id="{E445E010-BAF8-FD69-4BCD-3DFEFCA5FC3C}"/>
               </a:ext>
             </a:extLst>
           </p:cNvPr>
@@ -3435,8 +3470,8 @@
         </p:nvSpPr>
         <p:spPr>
           <a:xfrm>
-            <a:off x="3321114" y="2326740"/>
-            <a:ext cx="1530035" cy="733331"/>
+            <a:off x="4129429" y="3557634"/>
+            <a:ext cx="2250331" cy="733331"/>
           </a:xfrm>
           <a:prstGeom prst="roundRect">
             <a:avLst/>
@@ -3467,7 +3502,7 @@
           <a:p>
             <a:pPr algn="ctr"/>
             <a:r>
-              <a:rPr lang="en-US" b="1" dirty="0">
+              <a:rPr lang="en-US" sz="1600" b="1" dirty="0">
                 <a:solidFill>
                   <a:schemeClr val="tx1"/>
                 </a:solidFill>
@@ -3475,14 +3510,89 @@
               <a:t>Active</a:t>
             </a:r>
           </a:p>
-        </p:txBody>
-      </p:sp>
-      <p:sp>
-        <p:nvSpPr>
-          <p:cNvPr id="6" name="Rectangle 5">
-            <a:extLst>
-              <a:ext uri="{FF2B5EF4-FFF2-40B4-BE49-F238E27FC236}">
-                <a16:creationId xmlns:a16="http://schemas.microsoft.com/office/drawing/2014/main" id="{A2C05C8B-B6C1-055B-FE67-4B20EC583122}"/>
+          <a:p>
+            <a:r>
+              <a:rPr lang="en-US" sz="1100" dirty="0">
+                <a:solidFill>
+                  <a:schemeClr val="tx1"/>
+                </a:solidFill>
+              </a:rPr>
+              <a:t>Data Structure:</a:t>
+            </a:r>
+          </a:p>
+          <a:p>
+            <a:pPr marL="171450" indent="-171450">
+              <a:buFont typeface="Arial" panose="020B0604020202020204" pitchFamily="34" charset="0"/>
+              <a:buChar char="•"/>
+            </a:pPr>
+            <a:r>
+              <a:rPr lang="en-US" sz="1100" dirty="0" err="1">
+                <a:solidFill>
+                  <a:schemeClr val="tx1"/>
+                </a:solidFill>
+              </a:rPr>
+              <a:t>ProgressLevel</a:t>
+            </a:r>
+            <a:r>
+              <a:rPr lang="en-US" sz="1100" dirty="0">
+                <a:solidFill>
+                  <a:schemeClr val="tx1"/>
+                </a:solidFill>
+              </a:rPr>
+              <a:t> – Thinking progress level</a:t>
+            </a:r>
+          </a:p>
+        </p:txBody>
+      </p:sp>
+      <p:cxnSp>
+        <p:nvCxnSpPr>
+          <p:cNvPr id="6" name="Straight Arrow Connector 5">
+            <a:extLst>
+              <a:ext uri="{FF2B5EF4-FFF2-40B4-BE49-F238E27FC236}">
+                <a16:creationId xmlns:a16="http://schemas.microsoft.com/office/drawing/2014/main" id="{2831C939-1860-C0A4-B496-BD61D54F25CE}"/>
+              </a:ext>
+            </a:extLst>
+          </p:cNvPr>
+          <p:cNvCxnSpPr>
+            <a:cxnSpLocks/>
+            <a:stCxn id="19" idx="3"/>
+            <a:endCxn id="5" idx="2"/>
+          </p:cNvCxnSpPr>
+          <p:nvPr/>
+        </p:nvCxnSpPr>
+        <p:spPr>
+          <a:xfrm flipV="1">
+            <a:off x="4350191" y="4290965"/>
+            <a:ext cx="904404" cy="1159049"/>
+          </a:xfrm>
+          <a:prstGeom prst="straightConnector1">
+            <a:avLst/>
+          </a:prstGeom>
+          <a:ln>
+            <a:tailEnd type="triangle"/>
+          </a:ln>
+        </p:spPr>
+        <p:style>
+          <a:lnRef idx="2">
+            <a:schemeClr val="accent1"/>
+          </a:lnRef>
+          <a:fillRef idx="0">
+            <a:schemeClr val="accent1"/>
+          </a:fillRef>
+          <a:effectRef idx="1">
+            <a:schemeClr val="accent1"/>
+          </a:effectRef>
+          <a:fontRef idx="minor">
+            <a:schemeClr val="tx1"/>
+          </a:fontRef>
+        </p:style>
+      </p:cxnSp>
+      <p:sp>
+        <p:nvSpPr>
+          <p:cNvPr id="7" name="Rectangle: Rounded Corners 6">
+            <a:extLst>
+              <a:ext uri="{FF2B5EF4-FFF2-40B4-BE49-F238E27FC236}">
+                <a16:creationId xmlns:a16="http://schemas.microsoft.com/office/drawing/2014/main" id="{7112625F-0F51-D8C5-A349-7DA32CD51C90}"/>
               </a:ext>
             </a:extLst>
           </p:cNvPr>
@@ -3491,10 +3601,10 @@
         </p:nvSpPr>
         <p:spPr>
           <a:xfrm>
-            <a:off x="3459933" y="3422211"/>
-            <a:ext cx="1252396" cy="488887"/>
-          </a:xfrm>
-          <a:prstGeom prst="rect">
+            <a:off x="7216241" y="2077392"/>
+            <a:ext cx="3835651" cy="1883121"/>
+          </a:xfrm>
+          <a:prstGeom prst="roundRect">
             <a:avLst/>
           </a:prstGeom>
           <a:solidFill>
@@ -3523,12 +3633,106 @@
           <a:p>
             <a:pPr algn="ctr"/>
             <a:r>
-              <a:rPr lang="en-US" sz="1200" dirty="0" err="1">
+              <a:rPr lang="en-US" sz="1600" b="1" dirty="0">
                 <a:solidFill>
                   <a:schemeClr val="tx1"/>
                 </a:solidFill>
               </a:rPr>
-              <a:t>ProgressLevel</a:t>
+              <a:t>Idle</a:t>
+            </a:r>
+          </a:p>
+          <a:p>
+            <a:pPr algn="ctr"/>
+            <a:r>
+              <a:rPr lang="en-US" sz="1100" b="1" dirty="0" err="1">
+                <a:solidFill>
+                  <a:schemeClr val="tx1"/>
+                </a:solidFill>
+              </a:rPr>
+              <a:t>SolutionFound</a:t>
+            </a:r>
+            <a:r>
+              <a:rPr lang="en-US" sz="1100" b="1" dirty="0">
+                <a:solidFill>
+                  <a:schemeClr val="tx1"/>
+                </a:solidFill>
+              </a:rPr>
+              <a:t> – </a:t>
+            </a:r>
+            <a:r>
+              <a:rPr lang="en-US" sz="1100" dirty="0">
+                <a:solidFill>
+                  <a:schemeClr val="tx1"/>
+                </a:solidFill>
+              </a:rPr>
+              <a:t>indicate it needs to move the ball. When ball movement is done, then it move to the next idle state.</a:t>
+            </a:r>
+          </a:p>
+          <a:p>
+            <a:pPr algn="ctr"/>
+            <a:endParaRPr lang="en-US" sz="1100" b="1" dirty="0">
+              <a:solidFill>
+                <a:schemeClr val="tx1"/>
+              </a:solidFill>
+            </a:endParaRPr>
+          </a:p>
+          <a:p>
+            <a:r>
+              <a:rPr lang="en-US" sz="1100" dirty="0">
+                <a:solidFill>
+                  <a:schemeClr val="tx1"/>
+                </a:solidFill>
+              </a:rPr>
+              <a:t>Data Structure:</a:t>
+            </a:r>
+          </a:p>
+          <a:p>
+            <a:pPr marL="171450" indent="-171450">
+              <a:buFont typeface="Arial" panose="020B0604020202020204" pitchFamily="34" charset="0"/>
+              <a:buChar char="•"/>
+            </a:pPr>
+            <a:r>
+              <a:rPr lang="en-US" sz="1100" dirty="0" err="1">
+                <a:solidFill>
+                  <a:schemeClr val="tx1"/>
+                </a:solidFill>
+              </a:rPr>
+              <a:t>WinningDirection</a:t>
+            </a:r>
+            <a:r>
+              <a:rPr lang="en-US" sz="1100" dirty="0">
+                <a:solidFill>
+                  <a:schemeClr val="tx1"/>
+                </a:solidFill>
+              </a:rPr>
+              <a:t> –Ball direction that lead to a win</a:t>
+            </a:r>
+            <a:endParaRPr lang="en-US" sz="1200" dirty="0">
+              <a:solidFill>
+                <a:schemeClr val="tx1"/>
+              </a:solidFill>
+            </a:endParaRPr>
+          </a:p>
+          <a:p>
+            <a:pPr marL="171450" indent="-171450">
+              <a:buFont typeface="Arial" panose="020B0604020202020204" pitchFamily="34" charset="0"/>
+              <a:buChar char="•"/>
+            </a:pPr>
+            <a:r>
+              <a:rPr lang="en-US" sz="1100" dirty="0" err="1">
+                <a:solidFill>
+                  <a:schemeClr val="tx1"/>
+                </a:solidFill>
+              </a:rPr>
+              <a:t>MovingChain</a:t>
+            </a:r>
+            <a:r>
+              <a:rPr lang="en-US" sz="1100" dirty="0">
+                <a:solidFill>
+                  <a:schemeClr val="tx1"/>
+                </a:solidFill>
+              </a:rPr>
+              <a:t> – Ball position to move from that lead to a win. It may contain multiple ball position if there are adjacent balls</a:t>
             </a:r>
             <a:endParaRPr lang="en-GB" sz="1200" dirty="0">
               <a:solidFill>
@@ -3538,29 +3742,202 @@
           </a:p>
         </p:txBody>
       </p:sp>
+      <p:sp>
+        <p:nvSpPr>
+          <p:cNvPr id="8" name="Rectangle: Rounded Corners 7">
+            <a:extLst>
+              <a:ext uri="{FF2B5EF4-FFF2-40B4-BE49-F238E27FC236}">
+                <a16:creationId xmlns:a16="http://schemas.microsoft.com/office/drawing/2014/main" id="{4CD27CF3-1BF6-65AD-33BD-6DDD25F3CB62}"/>
+              </a:ext>
+            </a:extLst>
+          </p:cNvPr>
+          <p:cNvSpPr/>
+          <p:nvPr/>
+        </p:nvSpPr>
+        <p:spPr>
+          <a:xfrm>
+            <a:off x="7292443" y="4290965"/>
+            <a:ext cx="3835651" cy="1545878"/>
+          </a:xfrm>
+          <a:prstGeom prst="roundRect">
+            <a:avLst/>
+          </a:prstGeom>
+          <a:solidFill>
+            <a:schemeClr val="bg1"/>
+          </a:solidFill>
+        </p:spPr>
+        <p:style>
+          <a:lnRef idx="2">
+            <a:schemeClr val="accent1">
+              <a:shade val="15000"/>
+            </a:schemeClr>
+          </a:lnRef>
+          <a:fillRef idx="1">
+            <a:schemeClr val="accent1"/>
+          </a:fillRef>
+          <a:effectRef idx="0">
+            <a:schemeClr val="accent1"/>
+          </a:effectRef>
+          <a:fontRef idx="minor">
+            <a:schemeClr val="lt1"/>
+          </a:fontRef>
+        </p:style>
+        <p:txBody>
+          <a:bodyPr rtlCol="0" anchor="ctr"/>
+          <a:lstStyle/>
+          <a:p>
+            <a:pPr algn="ctr"/>
+            <a:r>
+              <a:rPr lang="en-US" sz="1600" b="1" dirty="0">
+                <a:solidFill>
+                  <a:schemeClr val="tx1"/>
+                </a:solidFill>
+              </a:rPr>
+              <a:t>Idle</a:t>
+            </a:r>
+          </a:p>
+          <a:p>
+            <a:pPr algn="ctr"/>
+            <a:r>
+              <a:rPr lang="en-US" sz="1100" b="1" dirty="0" err="1">
+                <a:solidFill>
+                  <a:schemeClr val="tx1"/>
+                </a:solidFill>
+              </a:rPr>
+              <a:t>NoSolutionFound</a:t>
+            </a:r>
+            <a:r>
+              <a:rPr lang="en-US" sz="1100" b="1" dirty="0">
+                <a:solidFill>
+                  <a:schemeClr val="tx1"/>
+                </a:solidFill>
+              </a:rPr>
+              <a:t> – </a:t>
+            </a:r>
+            <a:r>
+              <a:rPr lang="en-US" sz="1100" dirty="0">
+                <a:solidFill>
+                  <a:schemeClr val="tx1"/>
+                </a:solidFill>
+              </a:rPr>
+              <a:t>Print there is no winnable move found. It then move to next idle state</a:t>
+            </a:r>
+          </a:p>
+          <a:p>
+            <a:pPr algn="ctr"/>
+            <a:endParaRPr lang="en-US" sz="1100" b="1" dirty="0">
+              <a:solidFill>
+                <a:schemeClr val="tx1"/>
+              </a:solidFill>
+            </a:endParaRPr>
+          </a:p>
+          <a:p>
+            <a:r>
+              <a:rPr lang="en-GB" sz="1100" dirty="0">
+                <a:solidFill>
+                  <a:schemeClr val="tx1"/>
+                </a:solidFill>
+              </a:rPr>
+              <a:t>Data </a:t>
+            </a:r>
+            <a:r>
+              <a:rPr lang="en-GB" sz="1100" dirty="0" err="1">
+                <a:solidFill>
+                  <a:schemeClr val="tx1"/>
+                </a:solidFill>
+              </a:rPr>
+              <a:t>Structue</a:t>
+            </a:r>
+            <a:r>
+              <a:rPr lang="en-GB" sz="1100" dirty="0">
+                <a:solidFill>
+                  <a:schemeClr val="tx1"/>
+                </a:solidFill>
+              </a:rPr>
+              <a:t>:</a:t>
+            </a:r>
+          </a:p>
+          <a:p>
+            <a:pPr marL="171450" indent="-171450">
+              <a:buFont typeface="Arial" panose="020B0604020202020204" pitchFamily="34" charset="0"/>
+              <a:buChar char="•"/>
+            </a:pPr>
+            <a:r>
+              <a:rPr lang="en-GB" sz="1100" dirty="0" err="1">
+                <a:solidFill>
+                  <a:schemeClr val="tx1"/>
+                </a:solidFill>
+              </a:rPr>
+              <a:t>WinningDirection</a:t>
+            </a:r>
+            <a:r>
+              <a:rPr lang="en-GB" sz="1100" dirty="0">
+                <a:solidFill>
+                  <a:schemeClr val="tx1"/>
+                </a:solidFill>
+              </a:rPr>
+              <a:t> – NO_WINNING_DIRECTION</a:t>
+            </a:r>
+          </a:p>
+          <a:p>
+            <a:pPr marL="171450" indent="-171450">
+              <a:buFont typeface="Arial" panose="020B0604020202020204" pitchFamily="34" charset="0"/>
+              <a:buChar char="•"/>
+            </a:pPr>
+            <a:r>
+              <a:rPr lang="en-GB" sz="1100" dirty="0" err="1">
+                <a:solidFill>
+                  <a:schemeClr val="tx1"/>
+                </a:solidFill>
+              </a:rPr>
+              <a:t>MovingChain</a:t>
+            </a:r>
+            <a:r>
+              <a:rPr lang="en-GB" sz="1100" dirty="0">
+                <a:solidFill>
+                  <a:schemeClr val="tx1"/>
+                </a:solidFill>
+              </a:rPr>
+              <a:t> – Empty list of moves</a:t>
+            </a:r>
+          </a:p>
+          <a:p>
+            <a:pPr algn="ctr"/>
+            <a:endParaRPr lang="en-GB" sz="1100" b="1" dirty="0">
+              <a:solidFill>
+                <a:schemeClr val="tx1"/>
+              </a:solidFill>
+            </a:endParaRPr>
+          </a:p>
+        </p:txBody>
+      </p:sp>
       <p:cxnSp>
         <p:nvCxnSpPr>
-          <p:cNvPr id="8" name="Straight Connector 7">
-            <a:extLst>
-              <a:ext uri="{FF2B5EF4-FFF2-40B4-BE49-F238E27FC236}">
-                <a16:creationId xmlns:a16="http://schemas.microsoft.com/office/drawing/2014/main" id="{A62481EB-F5EA-8463-E419-2ACB995BDC4A}"/>
+          <p:cNvPr id="9" name="Straight Arrow Connector 8">
+            <a:extLst>
+              <a:ext uri="{FF2B5EF4-FFF2-40B4-BE49-F238E27FC236}">
+                <a16:creationId xmlns:a16="http://schemas.microsoft.com/office/drawing/2014/main" id="{2E668543-002D-A3E6-478C-4B5D38C44682}"/>
               </a:ext>
             </a:extLst>
           </p:cNvPr>
           <p:cNvCxnSpPr>
-            <a:stCxn id="5" idx="2"/>
-            <a:endCxn id="6" idx="0"/>
+            <a:cxnSpLocks/>
+            <a:stCxn id="5" idx="3"/>
+            <a:endCxn id="7" idx="1"/>
           </p:cNvCxnSpPr>
           <p:nvPr/>
         </p:nvCxnSpPr>
         <p:spPr>
-          <a:xfrm flipH="1">
-            <a:off x="4086131" y="3060071"/>
-            <a:ext cx="1" cy="362140"/>
-          </a:xfrm>
-          <a:prstGeom prst="line">
+          <a:xfrm flipV="1">
+            <a:off x="6379760" y="3018953"/>
+            <a:ext cx="836481" cy="905347"/>
+          </a:xfrm>
+          <a:prstGeom prst="straightConnector1">
             <a:avLst/>
           </a:prstGeom>
+          <a:ln>
+            <a:tailEnd type="triangle"/>
+          </a:ln>
         </p:spPr>
         <p:style>
           <a:lnRef idx="2">
@@ -3582,20 +3959,21 @@
           <p:cNvPr id="10" name="Straight Arrow Connector 9">
             <a:extLst>
               <a:ext uri="{FF2B5EF4-FFF2-40B4-BE49-F238E27FC236}">
-                <a16:creationId xmlns:a16="http://schemas.microsoft.com/office/drawing/2014/main" id="{468B0F6F-6E06-0369-BF83-A6F65C758A32}"/>
+                <a16:creationId xmlns:a16="http://schemas.microsoft.com/office/drawing/2014/main" id="{FAD66ACD-E082-0D1A-F3EE-087CA63D55FD}"/>
               </a:ext>
             </a:extLst>
           </p:cNvPr>
           <p:cNvCxnSpPr>
-            <a:stCxn id="4" idx="3"/>
-            <a:endCxn id="5" idx="1"/>
+            <a:cxnSpLocks/>
+            <a:stCxn id="5" idx="3"/>
+            <a:endCxn id="8" idx="1"/>
           </p:cNvCxnSpPr>
           <p:nvPr/>
         </p:nvCxnSpPr>
         <p:spPr>
           <a:xfrm>
-            <a:off x="2643612" y="2693406"/>
-            <a:ext cx="677502" cy="0"/>
+            <a:off x="6379760" y="3924300"/>
+            <a:ext cx="912683" cy="1139604"/>
           </a:xfrm>
           <a:prstGeom prst="straightConnector1">
             <a:avLst/>
@@ -3619,12 +3997,103 @@
           </a:fontRef>
         </p:style>
       </p:cxnSp>
-      <p:sp>
-        <p:nvSpPr>
-          <p:cNvPr id="11" name="Rectangle: Rounded Corners 10">
-            <a:extLst>
-              <a:ext uri="{FF2B5EF4-FFF2-40B4-BE49-F238E27FC236}">
-                <a16:creationId xmlns:a16="http://schemas.microsoft.com/office/drawing/2014/main" id="{5E43E637-0F87-1672-FF2C-AAD789BDC317}"/>
+      <p:cxnSp>
+        <p:nvCxnSpPr>
+          <p:cNvPr id="11" name="Straight Arrow Connector 13">
+            <a:extLst>
+              <a:ext uri="{FF2B5EF4-FFF2-40B4-BE49-F238E27FC236}">
+                <a16:creationId xmlns:a16="http://schemas.microsoft.com/office/drawing/2014/main" id="{E7784092-2A23-4CF2-322A-AC095F23B19F}"/>
+              </a:ext>
+            </a:extLst>
+          </p:cNvPr>
+          <p:cNvCxnSpPr>
+            <a:cxnSpLocks/>
+            <a:stCxn id="8" idx="3"/>
+            <a:endCxn id="4" idx="2"/>
+          </p:cNvCxnSpPr>
+          <p:nvPr/>
+        </p:nvCxnSpPr>
+        <p:spPr>
+          <a:xfrm flipH="1" flipV="1">
+            <a:off x="2025337" y="4290965"/>
+            <a:ext cx="9102757" cy="772939"/>
+          </a:xfrm>
+          <a:prstGeom prst="bentConnector4">
+            <a:avLst>
+              <a:gd name="adj1" fmla="val -2511"/>
+              <a:gd name="adj2" fmla="val -129575"/>
+            </a:avLst>
+          </a:prstGeom>
+          <a:ln>
+            <a:tailEnd type="triangle"/>
+          </a:ln>
+        </p:spPr>
+        <p:style>
+          <a:lnRef idx="2">
+            <a:schemeClr val="accent1"/>
+          </a:lnRef>
+          <a:fillRef idx="0">
+            <a:schemeClr val="accent1"/>
+          </a:fillRef>
+          <a:effectRef idx="1">
+            <a:schemeClr val="accent1"/>
+          </a:effectRef>
+          <a:fontRef idx="minor">
+            <a:schemeClr val="tx1"/>
+          </a:fontRef>
+        </p:style>
+      </p:cxnSp>
+      <p:cxnSp>
+        <p:nvCxnSpPr>
+          <p:cNvPr id="12" name="Straight Arrow Connector 14">
+            <a:extLst>
+              <a:ext uri="{FF2B5EF4-FFF2-40B4-BE49-F238E27FC236}">
+                <a16:creationId xmlns:a16="http://schemas.microsoft.com/office/drawing/2014/main" id="{9C699EFC-1A01-4CB8-1CF3-395D1D0E6673}"/>
+              </a:ext>
+            </a:extLst>
+          </p:cNvPr>
+          <p:cNvCxnSpPr>
+            <a:cxnSpLocks/>
+            <a:stCxn id="7" idx="3"/>
+            <a:endCxn id="24" idx="3"/>
+          </p:cNvCxnSpPr>
+          <p:nvPr/>
+        </p:nvCxnSpPr>
+        <p:spPr>
+          <a:xfrm flipH="1" flipV="1">
+            <a:off x="5770160" y="1838668"/>
+            <a:ext cx="5281732" cy="1180285"/>
+          </a:xfrm>
+          <a:prstGeom prst="bentConnector3">
+            <a:avLst>
+              <a:gd name="adj1" fmla="val -4328"/>
+            </a:avLst>
+          </a:prstGeom>
+          <a:ln>
+            <a:tailEnd type="triangle"/>
+          </a:ln>
+        </p:spPr>
+        <p:style>
+          <a:lnRef idx="2">
+            <a:schemeClr val="accent1"/>
+          </a:lnRef>
+          <a:fillRef idx="0">
+            <a:schemeClr val="accent1"/>
+          </a:fillRef>
+          <a:effectRef idx="1">
+            <a:schemeClr val="accent1"/>
+          </a:effectRef>
+          <a:fontRef idx="minor">
+            <a:schemeClr val="tx1"/>
+          </a:fontRef>
+        </p:style>
+      </p:cxnSp>
+      <p:sp>
+        <p:nvSpPr>
+          <p:cNvPr id="13" name="Rectangle 12">
+            <a:extLst>
+              <a:ext uri="{FF2B5EF4-FFF2-40B4-BE49-F238E27FC236}">
+                <a16:creationId xmlns:a16="http://schemas.microsoft.com/office/drawing/2014/main" id="{2561800B-DE22-8498-3D4D-63C27BE0354E}"/>
               </a:ext>
             </a:extLst>
           </p:cNvPr>
@@ -3633,14 +4102,17 @@
         </p:nvSpPr>
         <p:spPr>
           <a:xfrm>
-            <a:off x="7793527" y="2335792"/>
-            <a:ext cx="1530035" cy="733331"/>
-          </a:xfrm>
-          <a:prstGeom prst="roundRect">
+            <a:off x="297517" y="3695700"/>
+            <a:ext cx="734830" cy="450850"/>
+          </a:xfrm>
+          <a:prstGeom prst="rect">
             <a:avLst/>
           </a:prstGeom>
           <a:solidFill>
-            <a:schemeClr val="bg1"/>
+            <a:schemeClr val="tx2">
+              <a:lumMod val="50000"/>
+              <a:lumOff val="50000"/>
+            </a:schemeClr>
           </a:solidFill>
         </p:spPr>
         <p:style>
@@ -3665,38 +4137,19 @@
           <a:p>
             <a:pPr algn="ctr"/>
             <a:r>
-              <a:rPr lang="en-US" b="1" dirty="0">
-                <a:solidFill>
-                  <a:schemeClr val="tx1"/>
-                </a:solidFill>
-              </a:rPr>
-              <a:t>Idle</a:t>
-            </a:r>
-          </a:p>
-          <a:p>
-            <a:pPr algn="ctr"/>
-            <a:r>
-              <a:rPr lang="en-US" sz="1400" dirty="0">
-                <a:solidFill>
-                  <a:schemeClr val="tx1"/>
-                </a:solidFill>
-              </a:rPr>
-              <a:t>Waiting for User</a:t>
-            </a:r>
-            <a:endParaRPr lang="en-GB" sz="1400" dirty="0">
-              <a:solidFill>
-                <a:schemeClr val="tx1"/>
-              </a:solidFill>
-            </a:endParaRPr>
-          </a:p>
-        </p:txBody>
-      </p:sp>
-      <p:sp>
-        <p:nvSpPr>
-          <p:cNvPr id="12" name="Rectangle: Rounded Corners 11">
-            <a:extLst>
-              <a:ext uri="{FF2B5EF4-FFF2-40B4-BE49-F238E27FC236}">
-                <a16:creationId xmlns:a16="http://schemas.microsoft.com/office/drawing/2014/main" id="{A3890468-9293-2334-7676-AAC35FFCB2BD}"/>
+              <a:rPr lang="en-US" sz="1100" dirty="0"/>
+              <a:t>Start Game</a:t>
+            </a:r>
+            <a:endParaRPr lang="en-GB" sz="1100" dirty="0"/>
+          </a:p>
+        </p:txBody>
+      </p:sp>
+      <p:sp>
+        <p:nvSpPr>
+          <p:cNvPr id="14" name="Rectangle 13">
+            <a:extLst>
+              <a:ext uri="{FF2B5EF4-FFF2-40B4-BE49-F238E27FC236}">
+                <a16:creationId xmlns:a16="http://schemas.microsoft.com/office/drawing/2014/main" id="{A708494C-0F52-59F8-864F-A006C2D88422}"/>
               </a:ext>
             </a:extLst>
           </p:cNvPr>
@@ -3705,14 +4158,17 @@
         </p:nvSpPr>
         <p:spPr>
           <a:xfrm>
-            <a:off x="5616166" y="1874066"/>
-            <a:ext cx="1530035" cy="733331"/>
-          </a:xfrm>
-          <a:prstGeom prst="roundRect">
+            <a:off x="2558117" y="2652288"/>
+            <a:ext cx="734830" cy="450850"/>
+          </a:xfrm>
+          <a:prstGeom prst="rect">
             <a:avLst/>
           </a:prstGeom>
           <a:solidFill>
-            <a:schemeClr val="bg1"/>
+            <a:schemeClr val="tx2">
+              <a:lumMod val="50000"/>
+              <a:lumOff val="50000"/>
+            </a:schemeClr>
           </a:solidFill>
         </p:spPr>
         <p:style>
@@ -3737,38 +4193,19 @@
           <a:p>
             <a:pPr algn="ctr"/>
             <a:r>
-              <a:rPr lang="en-US" b="1" dirty="0">
-                <a:solidFill>
-                  <a:schemeClr val="tx1"/>
-                </a:solidFill>
-              </a:rPr>
-              <a:t>Idle</a:t>
-            </a:r>
-          </a:p>
-          <a:p>
-            <a:pPr algn="ctr"/>
-            <a:r>
-              <a:rPr lang="en-US" sz="1400" dirty="0">
-                <a:solidFill>
-                  <a:schemeClr val="tx1"/>
-                </a:solidFill>
-              </a:rPr>
-              <a:t>Found Winnable move</a:t>
-            </a:r>
-            <a:endParaRPr lang="en-GB" sz="1400" dirty="0">
-              <a:solidFill>
-                <a:schemeClr val="tx1"/>
-              </a:solidFill>
-            </a:endParaRPr>
-          </a:p>
-        </p:txBody>
-      </p:sp>
-      <p:sp>
-        <p:nvSpPr>
-          <p:cNvPr id="13" name="Rectangle: Rounded Corners 12">
-            <a:extLst>
-              <a:ext uri="{FF2B5EF4-FFF2-40B4-BE49-F238E27FC236}">
-                <a16:creationId xmlns:a16="http://schemas.microsoft.com/office/drawing/2014/main" id="{2EA85D80-7DE9-3584-DBE5-9FBF26321863}"/>
+              <a:rPr lang="en-US" sz="1100" dirty="0"/>
+              <a:t>New Game</a:t>
+            </a:r>
+            <a:endParaRPr lang="en-GB" sz="1100" dirty="0"/>
+          </a:p>
+        </p:txBody>
+      </p:sp>
+      <p:sp>
+        <p:nvSpPr>
+          <p:cNvPr id="15" name="Rectangle 14">
+            <a:extLst>
+              <a:ext uri="{FF2B5EF4-FFF2-40B4-BE49-F238E27FC236}">
+                <a16:creationId xmlns:a16="http://schemas.microsoft.com/office/drawing/2014/main" id="{09AFFE01-56F3-4A0E-B501-E2E02338A229}"/>
               </a:ext>
             </a:extLst>
           </p:cNvPr>
@@ -3777,14 +4214,17 @@
         </p:nvSpPr>
         <p:spPr>
           <a:xfrm>
-            <a:off x="5650873" y="2976326"/>
-            <a:ext cx="1530035" cy="733331"/>
-          </a:xfrm>
-          <a:prstGeom prst="roundRect">
+            <a:off x="2353392" y="4624507"/>
+            <a:ext cx="734830" cy="450850"/>
+          </a:xfrm>
+          <a:prstGeom prst="rect">
             <a:avLst/>
           </a:prstGeom>
           <a:solidFill>
-            <a:schemeClr val="bg1"/>
+            <a:schemeClr val="tx2">
+              <a:lumMod val="50000"/>
+              <a:lumOff val="50000"/>
+            </a:schemeClr>
           </a:solidFill>
         </p:spPr>
         <p:style>
@@ -3809,51 +4249,33 @@
           <a:p>
             <a:pPr algn="ctr"/>
             <a:r>
-              <a:rPr lang="en-US" b="1" dirty="0">
-                <a:solidFill>
-                  <a:schemeClr val="tx1"/>
-                </a:solidFill>
-              </a:rPr>
-              <a:t>Idle</a:t>
-            </a:r>
-          </a:p>
-          <a:p>
-            <a:pPr algn="ctr"/>
-            <a:r>
-              <a:rPr lang="en-US" sz="1400" dirty="0">
-                <a:solidFill>
-                  <a:schemeClr val="tx1"/>
-                </a:solidFill>
-              </a:rPr>
-              <a:t>Found No Winnable move</a:t>
-            </a:r>
-            <a:endParaRPr lang="en-GB" sz="1400" dirty="0">
-              <a:solidFill>
-                <a:schemeClr val="tx1"/>
-              </a:solidFill>
-            </a:endParaRPr>
+              <a:rPr lang="en-US" sz="1100" dirty="0"/>
+              <a:t>Undo</a:t>
+            </a:r>
+            <a:endParaRPr lang="en-GB" sz="1100" dirty="0"/>
           </a:p>
         </p:txBody>
       </p:sp>
       <p:cxnSp>
         <p:nvCxnSpPr>
-          <p:cNvPr id="15" name="Straight Arrow Connector 14">
-            <a:extLst>
-              <a:ext uri="{FF2B5EF4-FFF2-40B4-BE49-F238E27FC236}">
-                <a16:creationId xmlns:a16="http://schemas.microsoft.com/office/drawing/2014/main" id="{BE19A233-5F55-3217-41FC-7322D47C7326}"/>
+          <p:cNvPr id="16" name="Straight Arrow Connector 15">
+            <a:extLst>
+              <a:ext uri="{FF2B5EF4-FFF2-40B4-BE49-F238E27FC236}">
+                <a16:creationId xmlns:a16="http://schemas.microsoft.com/office/drawing/2014/main" id="{56DAA58C-C5A4-2017-0DDF-7402C4415168}"/>
               </a:ext>
             </a:extLst>
           </p:cNvPr>
           <p:cNvCxnSpPr>
-            <a:stCxn id="5" idx="3"/>
-            <a:endCxn id="12" idx="1"/>
+            <a:cxnSpLocks/>
+            <a:stCxn id="13" idx="3"/>
+            <a:endCxn id="4" idx="1"/>
           </p:cNvCxnSpPr>
           <p:nvPr/>
         </p:nvCxnSpPr>
         <p:spPr>
-          <a:xfrm flipV="1">
-            <a:off x="4851149" y="2240732"/>
-            <a:ext cx="765017" cy="452674"/>
+          <a:xfrm>
+            <a:off x="1032347" y="3921125"/>
+            <a:ext cx="297519" cy="3175"/>
           </a:xfrm>
           <a:prstGeom prst="straightConnector1">
             <a:avLst/>
@@ -3882,26 +4304,26 @@
           <p:cNvPr id="17" name="Straight Arrow Connector 16">
             <a:extLst>
               <a:ext uri="{FF2B5EF4-FFF2-40B4-BE49-F238E27FC236}">
-                <a16:creationId xmlns:a16="http://schemas.microsoft.com/office/drawing/2014/main" id="{C08A748B-0923-EDCB-B711-FC71FBFC4BEA}"/>
+                <a16:creationId xmlns:a16="http://schemas.microsoft.com/office/drawing/2014/main" id="{EAE96A9E-D9F5-983D-6079-1B4268D40B49}"/>
               </a:ext>
             </a:extLst>
           </p:cNvPr>
           <p:cNvCxnSpPr>
             <a:cxnSpLocks/>
-            <a:stCxn id="5" idx="3"/>
-            <a:endCxn id="13" idx="1"/>
+            <a:endCxn id="14" idx="2"/>
           </p:cNvCxnSpPr>
           <p:nvPr/>
         </p:nvCxnSpPr>
         <p:spPr>
-          <a:xfrm>
-            <a:off x="4851149" y="2693406"/>
-            <a:ext cx="799724" cy="649586"/>
+          <a:xfrm flipV="1">
+            <a:off x="2481915" y="3103138"/>
+            <a:ext cx="443617" cy="439157"/>
           </a:xfrm>
           <a:prstGeom prst="straightConnector1">
             <a:avLst/>
           </a:prstGeom>
           <a:ln>
+            <a:headEnd type="triangle"/>
             <a:tailEnd type="triangle"/>
           </a:ln>
         </p:spPr>
@@ -3922,24 +4344,498 @@
       </p:cxnSp>
       <p:cxnSp>
         <p:nvCxnSpPr>
-          <p:cNvPr id="21" name="Straight Arrow Connector 20">
-            <a:extLst>
-              <a:ext uri="{FF2B5EF4-FFF2-40B4-BE49-F238E27FC236}">
-                <a16:creationId xmlns:a16="http://schemas.microsoft.com/office/drawing/2014/main" id="{1800CE25-0F26-B10E-6D10-77F732157B8D}"/>
+          <p:cNvPr id="18" name="Straight Arrow Connector 17">
+            <a:extLst>
+              <a:ext uri="{FF2B5EF4-FFF2-40B4-BE49-F238E27FC236}">
+                <a16:creationId xmlns:a16="http://schemas.microsoft.com/office/drawing/2014/main" id="{A711D10D-9176-B4DB-7FC4-E40380483297}"/>
               </a:ext>
             </a:extLst>
           </p:cNvPr>
           <p:cNvCxnSpPr>
             <a:cxnSpLocks/>
-            <a:stCxn id="13" idx="3"/>
-            <a:endCxn id="11" idx="1"/>
+            <a:endCxn id="15" idx="0"/>
           </p:cNvCxnSpPr>
           <p:nvPr/>
         </p:nvCxnSpPr>
         <p:spPr>
-          <a:xfrm flipV="1">
-            <a:off x="7180908" y="2702458"/>
-            <a:ext cx="612619" cy="640534"/>
+          <a:xfrm>
+            <a:off x="2419350" y="4306304"/>
+            <a:ext cx="301457" cy="318203"/>
+          </a:xfrm>
+          <a:prstGeom prst="straightConnector1">
+            <a:avLst/>
+          </a:prstGeom>
+          <a:ln>
+            <a:headEnd type="triangle"/>
+            <a:tailEnd type="triangle"/>
+          </a:ln>
+        </p:spPr>
+        <p:style>
+          <a:lnRef idx="2">
+            <a:schemeClr val="accent1"/>
+          </a:lnRef>
+          <a:fillRef idx="0">
+            <a:schemeClr val="accent1"/>
+          </a:fillRef>
+          <a:effectRef idx="1">
+            <a:schemeClr val="accent1"/>
+          </a:effectRef>
+          <a:fontRef idx="minor">
+            <a:schemeClr val="tx1"/>
+          </a:fontRef>
+        </p:style>
+      </p:cxnSp>
+      <p:sp>
+        <p:nvSpPr>
+          <p:cNvPr id="19" name="Rectangle 18">
+            <a:extLst>
+              <a:ext uri="{FF2B5EF4-FFF2-40B4-BE49-F238E27FC236}">
+                <a16:creationId xmlns:a16="http://schemas.microsoft.com/office/drawing/2014/main" id="{56AB791D-3608-7138-576C-43D0668D8560}"/>
+              </a:ext>
+            </a:extLst>
+          </p:cNvPr>
+          <p:cNvSpPr/>
+          <p:nvPr/>
+        </p:nvSpPr>
+        <p:spPr>
+          <a:xfrm>
+            <a:off x="3292947" y="5224589"/>
+            <a:ext cx="1057244" cy="450850"/>
+          </a:xfrm>
+          <a:prstGeom prst="rect">
+            <a:avLst/>
+          </a:prstGeom>
+          <a:solidFill>
+            <a:schemeClr val="tx2">
+              <a:lumMod val="50000"/>
+              <a:lumOff val="50000"/>
+            </a:schemeClr>
+          </a:solidFill>
+        </p:spPr>
+        <p:style>
+          <a:lnRef idx="2">
+            <a:schemeClr val="accent1">
+              <a:shade val="15000"/>
+            </a:schemeClr>
+          </a:lnRef>
+          <a:fillRef idx="1">
+            <a:schemeClr val="accent1"/>
+          </a:fillRef>
+          <a:effectRef idx="0">
+            <a:schemeClr val="accent1"/>
+          </a:effectRef>
+          <a:fontRef idx="minor">
+            <a:schemeClr val="lt1"/>
+          </a:fontRef>
+        </p:style>
+        <p:txBody>
+          <a:bodyPr rtlCol="0" anchor="ctr"/>
+          <a:lstStyle/>
+          <a:p>
+            <a:pPr algn="ctr"/>
+            <a:r>
+              <a:rPr lang="en-US" sz="1100" dirty="0"/>
+              <a:t>Find winning move</a:t>
+            </a:r>
+            <a:endParaRPr lang="en-GB" sz="1100" dirty="0"/>
+          </a:p>
+        </p:txBody>
+      </p:sp>
+      <p:cxnSp>
+        <p:nvCxnSpPr>
+          <p:cNvPr id="20" name="Straight Arrow Connector 19">
+            <a:extLst>
+              <a:ext uri="{FF2B5EF4-FFF2-40B4-BE49-F238E27FC236}">
+                <a16:creationId xmlns:a16="http://schemas.microsoft.com/office/drawing/2014/main" id="{0C5866C8-40EE-D875-6A4D-25C8BEB5836B}"/>
+              </a:ext>
+            </a:extLst>
+          </p:cNvPr>
+          <p:cNvCxnSpPr>
+            <a:cxnSpLocks/>
+          </p:cNvCxnSpPr>
+          <p:nvPr/>
+        </p:nvCxnSpPr>
+        <p:spPr>
+          <a:xfrm>
+            <a:off x="2720807" y="3925840"/>
+            <a:ext cx="175689" cy="5161"/>
+          </a:xfrm>
+          <a:prstGeom prst="straightConnector1">
+            <a:avLst/>
+          </a:prstGeom>
+          <a:ln>
+            <a:tailEnd type="triangle"/>
+          </a:ln>
+        </p:spPr>
+        <p:style>
+          <a:lnRef idx="2">
+            <a:schemeClr val="accent1"/>
+          </a:lnRef>
+          <a:fillRef idx="0">
+            <a:schemeClr val="accent1"/>
+          </a:fillRef>
+          <a:effectRef idx="1">
+            <a:schemeClr val="accent1"/>
+          </a:effectRef>
+          <a:fontRef idx="minor">
+            <a:schemeClr val="tx1"/>
+          </a:fontRef>
+        </p:style>
+      </p:cxnSp>
+      <p:sp>
+        <p:nvSpPr>
+          <p:cNvPr id="21" name="Rectangle 20">
+            <a:extLst>
+              <a:ext uri="{FF2B5EF4-FFF2-40B4-BE49-F238E27FC236}">
+                <a16:creationId xmlns:a16="http://schemas.microsoft.com/office/drawing/2014/main" id="{AD0C5A2B-438D-6E02-E9C1-BDFB73C550C0}"/>
+              </a:ext>
+            </a:extLst>
+          </p:cNvPr>
+          <p:cNvSpPr/>
+          <p:nvPr/>
+        </p:nvSpPr>
+        <p:spPr>
+          <a:xfrm>
+            <a:off x="526626" y="4956834"/>
+            <a:ext cx="1011442" cy="450850"/>
+          </a:xfrm>
+          <a:prstGeom prst="rect">
+            <a:avLst/>
+          </a:prstGeom>
+          <a:solidFill>
+            <a:schemeClr val="tx2">
+              <a:lumMod val="50000"/>
+              <a:lumOff val="50000"/>
+            </a:schemeClr>
+          </a:solidFill>
+        </p:spPr>
+        <p:style>
+          <a:lnRef idx="2">
+            <a:schemeClr val="accent1">
+              <a:shade val="15000"/>
+            </a:schemeClr>
+          </a:lnRef>
+          <a:fillRef idx="1">
+            <a:schemeClr val="accent1"/>
+          </a:fillRef>
+          <a:effectRef idx="0">
+            <a:schemeClr val="accent1"/>
+          </a:effectRef>
+          <a:fontRef idx="minor">
+            <a:schemeClr val="lt1"/>
+          </a:fontRef>
+        </p:style>
+        <p:txBody>
+          <a:bodyPr rtlCol="0" anchor="ctr"/>
+          <a:lstStyle/>
+          <a:p>
+            <a:pPr algn="ctr"/>
+            <a:r>
+              <a:rPr lang="en-US" sz="1100" dirty="0"/>
+              <a:t>Exit / </a:t>
+            </a:r>
+            <a:r>
+              <a:rPr lang="en-US" sz="1100" dirty="0" err="1"/>
+              <a:t>Backpressed</a:t>
+            </a:r>
+            <a:endParaRPr lang="en-GB" sz="1100" dirty="0"/>
+          </a:p>
+        </p:txBody>
+      </p:sp>
+      <p:cxnSp>
+        <p:nvCxnSpPr>
+          <p:cNvPr id="22" name="Straight Arrow Connector 21">
+            <a:extLst>
+              <a:ext uri="{FF2B5EF4-FFF2-40B4-BE49-F238E27FC236}">
+                <a16:creationId xmlns:a16="http://schemas.microsoft.com/office/drawing/2014/main" id="{28F570CB-3DC5-2EB0-B624-EB1833F53C88}"/>
+              </a:ext>
+            </a:extLst>
+          </p:cNvPr>
+          <p:cNvCxnSpPr>
+            <a:cxnSpLocks/>
+            <a:endCxn id="21" idx="0"/>
+          </p:cNvCxnSpPr>
+          <p:nvPr/>
+        </p:nvCxnSpPr>
+        <p:spPr>
+          <a:xfrm flipH="1">
+            <a:off x="1032347" y="4284104"/>
+            <a:ext cx="625575" cy="672730"/>
+          </a:xfrm>
+          <a:prstGeom prst="straightConnector1">
+            <a:avLst/>
+          </a:prstGeom>
+          <a:ln>
+            <a:tailEnd type="triangle"/>
+          </a:ln>
+        </p:spPr>
+        <p:style>
+          <a:lnRef idx="2">
+            <a:schemeClr val="accent1"/>
+          </a:lnRef>
+          <a:fillRef idx="0">
+            <a:schemeClr val="accent1"/>
+          </a:fillRef>
+          <a:effectRef idx="1">
+            <a:schemeClr val="accent1"/>
+          </a:effectRef>
+          <a:fontRef idx="minor">
+            <a:schemeClr val="tx1"/>
+          </a:fontRef>
+        </p:style>
+      </p:cxnSp>
+      <p:sp>
+        <p:nvSpPr>
+          <p:cNvPr id="23" name="Rectangle 22">
+            <a:extLst>
+              <a:ext uri="{FF2B5EF4-FFF2-40B4-BE49-F238E27FC236}">
+                <a16:creationId xmlns:a16="http://schemas.microsoft.com/office/drawing/2014/main" id="{BE59E9BD-7918-2A38-B2F7-2BD7A1B28CAD}"/>
+              </a:ext>
+            </a:extLst>
+          </p:cNvPr>
+          <p:cNvSpPr/>
+          <p:nvPr/>
+        </p:nvSpPr>
+        <p:spPr>
+          <a:xfrm>
+            <a:off x="4493143" y="2404091"/>
+            <a:ext cx="1520974" cy="450850"/>
+          </a:xfrm>
+          <a:prstGeom prst="rect">
+            <a:avLst/>
+          </a:prstGeom>
+          <a:solidFill>
+            <a:schemeClr val="tx2">
+              <a:lumMod val="50000"/>
+              <a:lumOff val="50000"/>
+            </a:schemeClr>
+          </a:solidFill>
+        </p:spPr>
+        <p:style>
+          <a:lnRef idx="2">
+            <a:schemeClr val="accent1">
+              <a:shade val="15000"/>
+            </a:schemeClr>
+          </a:lnRef>
+          <a:fillRef idx="1">
+            <a:schemeClr val="accent1"/>
+          </a:fillRef>
+          <a:effectRef idx="0">
+            <a:schemeClr val="accent1"/>
+          </a:effectRef>
+          <a:fontRef idx="minor">
+            <a:schemeClr val="lt1"/>
+          </a:fontRef>
+        </p:style>
+        <p:txBody>
+          <a:bodyPr rtlCol="0" anchor="ctr"/>
+          <a:lstStyle/>
+          <a:p>
+            <a:pPr algn="ctr"/>
+            <a:r>
+              <a:rPr lang="en-US" sz="1100" dirty="0"/>
+              <a:t>Make move and find next winning move</a:t>
+            </a:r>
+            <a:endParaRPr lang="en-GB" sz="1100" dirty="0"/>
+          </a:p>
+        </p:txBody>
+      </p:sp>
+      <p:sp>
+        <p:nvSpPr>
+          <p:cNvPr id="24" name="Diamond 23">
+            <a:extLst>
+              <a:ext uri="{FF2B5EF4-FFF2-40B4-BE49-F238E27FC236}">
+                <a16:creationId xmlns:a16="http://schemas.microsoft.com/office/drawing/2014/main" id="{2977276D-B456-C457-6D83-29F7FBAC6690}"/>
+              </a:ext>
+            </a:extLst>
+          </p:cNvPr>
+          <p:cNvSpPr/>
+          <p:nvPr/>
+        </p:nvSpPr>
+        <p:spPr>
+          <a:xfrm>
+            <a:off x="4737100" y="1476361"/>
+            <a:ext cx="1033060" cy="724614"/>
+          </a:xfrm>
+          <a:prstGeom prst="diamond">
+            <a:avLst/>
+          </a:prstGeom>
+          <a:solidFill>
+            <a:srgbClr val="FFFF00"/>
+          </a:solidFill>
+        </p:spPr>
+        <p:style>
+          <a:lnRef idx="2">
+            <a:schemeClr val="accent1">
+              <a:shade val="15000"/>
+            </a:schemeClr>
+          </a:lnRef>
+          <a:fillRef idx="1">
+            <a:schemeClr val="accent1"/>
+          </a:fillRef>
+          <a:effectRef idx="0">
+            <a:schemeClr val="accent1"/>
+          </a:effectRef>
+          <a:fontRef idx="minor">
+            <a:schemeClr val="lt1"/>
+          </a:fontRef>
+        </p:style>
+        <p:txBody>
+          <a:bodyPr rtlCol="0" anchor="ctr"/>
+          <a:lstStyle/>
+          <a:p>
+            <a:pPr algn="ctr"/>
+            <a:r>
+              <a:rPr lang="en-US" sz="1050" dirty="0">
+                <a:solidFill>
+                  <a:schemeClr val="tx1"/>
+                </a:solidFill>
+              </a:rPr>
+              <a:t>One ball left?</a:t>
+            </a:r>
+            <a:endParaRPr lang="en-GB" sz="1050" dirty="0">
+              <a:solidFill>
+                <a:schemeClr val="tx1"/>
+              </a:solidFill>
+            </a:endParaRPr>
+          </a:p>
+        </p:txBody>
+      </p:sp>
+      <p:cxnSp>
+        <p:nvCxnSpPr>
+          <p:cNvPr id="25" name="Straight Arrow Connector 14">
+            <a:extLst>
+              <a:ext uri="{FF2B5EF4-FFF2-40B4-BE49-F238E27FC236}">
+                <a16:creationId xmlns:a16="http://schemas.microsoft.com/office/drawing/2014/main" id="{59D6407A-061C-A9D8-4F1A-6AAA320F0911}"/>
+              </a:ext>
+            </a:extLst>
+          </p:cNvPr>
+          <p:cNvCxnSpPr>
+            <a:cxnSpLocks/>
+            <a:stCxn id="30" idx="1"/>
+            <a:endCxn id="4" idx="0"/>
+          </p:cNvCxnSpPr>
+          <p:nvPr/>
+        </p:nvCxnSpPr>
+        <p:spPr>
+          <a:xfrm rot="10800000" flipV="1">
+            <a:off x="2025337" y="1829794"/>
+            <a:ext cx="695470" cy="1727839"/>
+          </a:xfrm>
+          <a:prstGeom prst="bentConnector2">
+            <a:avLst/>
+          </a:prstGeom>
+          <a:ln>
+            <a:tailEnd type="triangle"/>
+          </a:ln>
+        </p:spPr>
+        <p:style>
+          <a:lnRef idx="2">
+            <a:schemeClr val="accent1"/>
+          </a:lnRef>
+          <a:fillRef idx="0">
+            <a:schemeClr val="accent1"/>
+          </a:fillRef>
+          <a:effectRef idx="1">
+            <a:schemeClr val="accent1"/>
+          </a:effectRef>
+          <a:fontRef idx="minor">
+            <a:schemeClr val="tx1"/>
+          </a:fontRef>
+        </p:style>
+      </p:cxnSp>
+      <p:sp>
+        <p:nvSpPr>
+          <p:cNvPr id="26" name="TextBox 25">
+            <a:extLst>
+              <a:ext uri="{FF2B5EF4-FFF2-40B4-BE49-F238E27FC236}">
+                <a16:creationId xmlns:a16="http://schemas.microsoft.com/office/drawing/2014/main" id="{ED308264-A10D-75EE-9342-A8E5369556DF}"/>
+              </a:ext>
+            </a:extLst>
+          </p:cNvPr>
+          <p:cNvSpPr txBox="1"/>
+          <p:nvPr/>
+        </p:nvSpPr>
+        <p:spPr>
+          <a:xfrm>
+            <a:off x="4457104" y="1567377"/>
+            <a:ext cx="264752" cy="215444"/>
+          </a:xfrm>
+          <a:prstGeom prst="rect">
+            <a:avLst/>
+          </a:prstGeom>
+          <a:noFill/>
+        </p:spPr>
+        <p:txBody>
+          <a:bodyPr wrap="none" lIns="0" tIns="0" rIns="0" bIns="0" rtlCol="0">
+            <a:spAutoFit/>
+          </a:bodyPr>
+          <a:lstStyle/>
+          <a:p>
+            <a:r>
+              <a:rPr lang="en-US" sz="1400" dirty="0"/>
+              <a:t>Yes</a:t>
+            </a:r>
+            <a:endParaRPr lang="en-GB" sz="1400" dirty="0"/>
+          </a:p>
+        </p:txBody>
+      </p:sp>
+      <p:sp>
+        <p:nvSpPr>
+          <p:cNvPr id="27" name="TextBox 26">
+            <a:extLst>
+              <a:ext uri="{FF2B5EF4-FFF2-40B4-BE49-F238E27FC236}">
+                <a16:creationId xmlns:a16="http://schemas.microsoft.com/office/drawing/2014/main" id="{FF5A1EAF-023E-9012-1C1D-3583A99C9799}"/>
+              </a:ext>
+            </a:extLst>
+          </p:cNvPr>
+          <p:cNvSpPr txBox="1"/>
+          <p:nvPr/>
+        </p:nvSpPr>
+        <p:spPr>
+          <a:xfrm>
+            <a:off x="5398883" y="2144157"/>
+            <a:ext cx="226024" cy="215444"/>
+          </a:xfrm>
+          <a:prstGeom prst="rect">
+            <a:avLst/>
+          </a:prstGeom>
+          <a:noFill/>
+        </p:spPr>
+        <p:txBody>
+          <a:bodyPr wrap="none" lIns="0" tIns="0" rIns="0" bIns="0" rtlCol="0">
+            <a:spAutoFit/>
+          </a:bodyPr>
+          <a:lstStyle/>
+          <a:p>
+            <a:r>
+              <a:rPr lang="en-US" sz="1400" dirty="0"/>
+              <a:t>No</a:t>
+            </a:r>
+            <a:endParaRPr lang="en-GB" sz="1400" dirty="0"/>
+          </a:p>
+        </p:txBody>
+      </p:sp>
+      <p:cxnSp>
+        <p:nvCxnSpPr>
+          <p:cNvPr id="28" name="Straight Arrow Connector 27">
+            <a:extLst>
+              <a:ext uri="{FF2B5EF4-FFF2-40B4-BE49-F238E27FC236}">
+                <a16:creationId xmlns:a16="http://schemas.microsoft.com/office/drawing/2014/main" id="{3414EB19-7A95-17E4-FFEE-4E07B75C1A74}"/>
+              </a:ext>
+            </a:extLst>
+          </p:cNvPr>
+          <p:cNvCxnSpPr>
+            <a:cxnSpLocks/>
+            <a:stCxn id="24" idx="2"/>
+            <a:endCxn id="4" idx="0"/>
+          </p:cNvCxnSpPr>
+          <p:nvPr/>
+        </p:nvCxnSpPr>
+        <p:spPr>
+          <a:xfrm flipH="1">
+            <a:off x="2025337" y="2200975"/>
+            <a:ext cx="3228293" cy="1356659"/>
           </a:xfrm>
           <a:prstGeom prst="straightConnector1">
             <a:avLst/>
@@ -3965,24 +4861,24 @@
       </p:cxnSp>
       <p:cxnSp>
         <p:nvCxnSpPr>
-          <p:cNvPr id="24" name="Straight Arrow Connector 23">
-            <a:extLst>
-              <a:ext uri="{FF2B5EF4-FFF2-40B4-BE49-F238E27FC236}">
-                <a16:creationId xmlns:a16="http://schemas.microsoft.com/office/drawing/2014/main" id="{20351596-FF26-F6FA-8B05-51044893B063}"/>
+          <p:cNvPr id="29" name="Straight Arrow Connector 28">
+            <a:extLst>
+              <a:ext uri="{FF2B5EF4-FFF2-40B4-BE49-F238E27FC236}">
+                <a16:creationId xmlns:a16="http://schemas.microsoft.com/office/drawing/2014/main" id="{598310B8-695D-8589-01B2-D6FA29F92B03}"/>
               </a:ext>
             </a:extLst>
           </p:cNvPr>
           <p:cNvCxnSpPr>
             <a:cxnSpLocks/>
-            <a:stCxn id="12" idx="3"/>
-            <a:endCxn id="11" idx="1"/>
+            <a:stCxn id="23" idx="2"/>
+            <a:endCxn id="32" idx="0"/>
           </p:cNvCxnSpPr>
           <p:nvPr/>
         </p:nvCxnSpPr>
         <p:spPr>
-          <a:xfrm>
-            <a:off x="7146201" y="2240732"/>
-            <a:ext cx="647326" cy="461726"/>
+          <a:xfrm flipH="1">
+            <a:off x="5251370" y="2854941"/>
+            <a:ext cx="2260" cy="154208"/>
           </a:xfrm>
           <a:prstGeom prst="straightConnector1">
             <a:avLst/>
@@ -4006,10 +4902,323 @@
           </a:fontRef>
         </p:style>
       </p:cxnSp>
+      <p:sp>
+        <p:nvSpPr>
+          <p:cNvPr id="30" name="Rectangle: Rounded Corners 29">
+            <a:extLst>
+              <a:ext uri="{FF2B5EF4-FFF2-40B4-BE49-F238E27FC236}">
+                <a16:creationId xmlns:a16="http://schemas.microsoft.com/office/drawing/2014/main" id="{3EB48E9E-307E-1F30-A7A6-12EA2D79A466}"/>
+              </a:ext>
+            </a:extLst>
+          </p:cNvPr>
+          <p:cNvSpPr/>
+          <p:nvPr/>
+        </p:nvSpPr>
+        <p:spPr>
+          <a:xfrm>
+            <a:off x="2720807" y="1633411"/>
+            <a:ext cx="834742" cy="392768"/>
+          </a:xfrm>
+          <a:prstGeom prst="roundRect">
+            <a:avLst/>
+          </a:prstGeom>
+          <a:solidFill>
+            <a:schemeClr val="accent2"/>
+          </a:solidFill>
+        </p:spPr>
+        <p:style>
+          <a:lnRef idx="2">
+            <a:schemeClr val="accent1">
+              <a:shade val="15000"/>
+            </a:schemeClr>
+          </a:lnRef>
+          <a:fillRef idx="1">
+            <a:schemeClr val="accent1"/>
+          </a:fillRef>
+          <a:effectRef idx="0">
+            <a:schemeClr val="accent1"/>
+          </a:effectRef>
+          <a:fontRef idx="minor">
+            <a:schemeClr val="lt1"/>
+          </a:fontRef>
+        </p:style>
+        <p:txBody>
+          <a:bodyPr rtlCol="0" anchor="ctr"/>
+          <a:lstStyle/>
+          <a:p>
+            <a:pPr algn="ctr"/>
+            <a:r>
+              <a:rPr lang="en-US" sz="1100" dirty="0">
+                <a:solidFill>
+                  <a:schemeClr val="tx1"/>
+                </a:solidFill>
+              </a:rPr>
+              <a:t>Victory Message</a:t>
+            </a:r>
+            <a:endParaRPr lang="en-GB" sz="1100" dirty="0">
+              <a:solidFill>
+                <a:schemeClr val="tx1"/>
+              </a:solidFill>
+            </a:endParaRPr>
+          </a:p>
+        </p:txBody>
+      </p:sp>
+      <p:cxnSp>
+        <p:nvCxnSpPr>
+          <p:cNvPr id="31" name="Straight Arrow Connector 30">
+            <a:extLst>
+              <a:ext uri="{FF2B5EF4-FFF2-40B4-BE49-F238E27FC236}">
+                <a16:creationId xmlns:a16="http://schemas.microsoft.com/office/drawing/2014/main" id="{B66DEB61-36CD-335E-7F28-61A880AC98BE}"/>
+              </a:ext>
+            </a:extLst>
+          </p:cNvPr>
+          <p:cNvCxnSpPr>
+            <a:cxnSpLocks/>
+            <a:stCxn id="24" idx="1"/>
+            <a:endCxn id="30" idx="3"/>
+          </p:cNvCxnSpPr>
+          <p:nvPr/>
+        </p:nvCxnSpPr>
+        <p:spPr>
+          <a:xfrm flipH="1" flipV="1">
+            <a:off x="3555549" y="1829795"/>
+            <a:ext cx="1181551" cy="8873"/>
+          </a:xfrm>
+          <a:prstGeom prst="straightConnector1">
+            <a:avLst/>
+          </a:prstGeom>
+          <a:ln>
+            <a:tailEnd type="triangle"/>
+          </a:ln>
+        </p:spPr>
+        <p:style>
+          <a:lnRef idx="2">
+            <a:schemeClr val="accent1"/>
+          </a:lnRef>
+          <a:fillRef idx="0">
+            <a:schemeClr val="accent1"/>
+          </a:fillRef>
+          <a:effectRef idx="1">
+            <a:schemeClr val="accent1"/>
+          </a:effectRef>
+          <a:fontRef idx="minor">
+            <a:schemeClr val="tx1"/>
+          </a:fontRef>
+        </p:style>
+      </p:cxnSp>
+      <p:sp>
+        <p:nvSpPr>
+          <p:cNvPr id="32" name="Rectangle: Rounded Corners 31">
+            <a:extLst>
+              <a:ext uri="{FF2B5EF4-FFF2-40B4-BE49-F238E27FC236}">
+                <a16:creationId xmlns:a16="http://schemas.microsoft.com/office/drawing/2014/main" id="{9D8912B4-380A-D277-E6C2-C799CF873842}"/>
+              </a:ext>
+            </a:extLst>
+          </p:cNvPr>
+          <p:cNvSpPr/>
+          <p:nvPr/>
+        </p:nvSpPr>
+        <p:spPr>
+          <a:xfrm>
+            <a:off x="4721856" y="3009149"/>
+            <a:ext cx="1059027" cy="253861"/>
+          </a:xfrm>
+          <a:prstGeom prst="roundRect">
+            <a:avLst/>
+          </a:prstGeom>
+          <a:solidFill>
+            <a:schemeClr val="accent2"/>
+          </a:solidFill>
+        </p:spPr>
+        <p:style>
+          <a:lnRef idx="2">
+            <a:schemeClr val="accent1">
+              <a:shade val="15000"/>
+            </a:schemeClr>
+          </a:lnRef>
+          <a:fillRef idx="1">
+            <a:schemeClr val="accent1"/>
+          </a:fillRef>
+          <a:effectRef idx="0">
+            <a:schemeClr val="accent1"/>
+          </a:effectRef>
+          <a:fontRef idx="minor">
+            <a:schemeClr val="lt1"/>
+          </a:fontRef>
+        </p:style>
+        <p:txBody>
+          <a:bodyPr rtlCol="0" anchor="ctr"/>
+          <a:lstStyle/>
+          <a:p>
+            <a:pPr algn="ctr"/>
+            <a:r>
+              <a:rPr lang="en-US" sz="1100" dirty="0">
+                <a:solidFill>
+                  <a:schemeClr val="tx1"/>
+                </a:solidFill>
+              </a:rPr>
+              <a:t>Move the ball</a:t>
+            </a:r>
+            <a:endParaRPr lang="en-GB" sz="1100" dirty="0">
+              <a:solidFill>
+                <a:schemeClr val="tx1"/>
+              </a:solidFill>
+            </a:endParaRPr>
+          </a:p>
+        </p:txBody>
+      </p:sp>
+      <p:sp>
+        <p:nvSpPr>
+          <p:cNvPr id="34" name="TextBox 33">
+            <a:extLst>
+              <a:ext uri="{FF2B5EF4-FFF2-40B4-BE49-F238E27FC236}">
+                <a16:creationId xmlns:a16="http://schemas.microsoft.com/office/drawing/2014/main" id="{2CA30F19-34B1-5E73-A3A0-1505A41F40A5}"/>
+              </a:ext>
+            </a:extLst>
+          </p:cNvPr>
+          <p:cNvSpPr txBox="1"/>
+          <p:nvPr/>
+        </p:nvSpPr>
+        <p:spPr>
+          <a:xfrm>
+            <a:off x="3667820" y="5075357"/>
+            <a:ext cx="557845" cy="92333"/>
+          </a:xfrm>
+          <a:prstGeom prst="rect">
+            <a:avLst/>
+          </a:prstGeom>
+          <a:noFill/>
+        </p:spPr>
+        <p:txBody>
+          <a:bodyPr wrap="none" lIns="0" tIns="0" rIns="0" bIns="0" rtlCol="0">
+            <a:spAutoFit/>
+          </a:bodyPr>
+          <a:lstStyle/>
+          <a:p>
+            <a:r>
+              <a:rPr lang="en-US" sz="600" dirty="0"/>
+              <a:t>Computer driven</a:t>
+            </a:r>
+            <a:endParaRPr lang="en-GB" sz="600" dirty="0"/>
+          </a:p>
+        </p:txBody>
+      </p:sp>
+      <p:sp>
+        <p:nvSpPr>
+          <p:cNvPr id="35" name="Rectangle 34">
+            <a:extLst>
+              <a:ext uri="{FF2B5EF4-FFF2-40B4-BE49-F238E27FC236}">
+                <a16:creationId xmlns:a16="http://schemas.microsoft.com/office/drawing/2014/main" id="{E4F202B4-6F3F-CB58-EB99-E39447E83410}"/>
+              </a:ext>
+            </a:extLst>
+          </p:cNvPr>
+          <p:cNvSpPr/>
+          <p:nvPr/>
+        </p:nvSpPr>
+        <p:spPr>
+          <a:xfrm>
+            <a:off x="2336308" y="5224589"/>
+            <a:ext cx="734830" cy="450850"/>
+          </a:xfrm>
+          <a:prstGeom prst="rect">
+            <a:avLst/>
+          </a:prstGeom>
+          <a:solidFill>
+            <a:schemeClr val="tx2">
+              <a:lumMod val="50000"/>
+              <a:lumOff val="50000"/>
+            </a:schemeClr>
+          </a:solidFill>
+        </p:spPr>
+        <p:style>
+          <a:lnRef idx="2">
+            <a:schemeClr val="accent1">
+              <a:shade val="15000"/>
+            </a:schemeClr>
+          </a:lnRef>
+          <a:fillRef idx="1">
+            <a:schemeClr val="accent1"/>
+          </a:fillRef>
+          <a:effectRef idx="0">
+            <a:schemeClr val="accent1"/>
+          </a:effectRef>
+          <a:fontRef idx="minor">
+            <a:schemeClr val="lt1"/>
+          </a:fontRef>
+        </p:style>
+        <p:txBody>
+          <a:bodyPr rtlCol="0" anchor="ctr"/>
+          <a:lstStyle/>
+          <a:p>
+            <a:pPr algn="ctr"/>
+            <a:r>
+              <a:rPr lang="en-US" sz="1100" dirty="0"/>
+              <a:t>Hint</a:t>
+            </a:r>
+            <a:endParaRPr lang="en-GB" sz="1100" dirty="0"/>
+          </a:p>
+        </p:txBody>
+      </p:sp>
+      <p:sp>
+        <p:nvSpPr>
+          <p:cNvPr id="40" name="Rectangle 39">
+            <a:extLst>
+              <a:ext uri="{FF2B5EF4-FFF2-40B4-BE49-F238E27FC236}">
+                <a16:creationId xmlns:a16="http://schemas.microsoft.com/office/drawing/2014/main" id="{91B35079-30D3-9D25-C4AD-4A9182B55B8D}"/>
+              </a:ext>
+            </a:extLst>
+          </p:cNvPr>
+          <p:cNvSpPr/>
+          <p:nvPr/>
+        </p:nvSpPr>
+        <p:spPr>
+          <a:xfrm>
+            <a:off x="3138178" y="3431358"/>
+            <a:ext cx="815562" cy="450850"/>
+          </a:xfrm>
+          <a:prstGeom prst="rect">
+            <a:avLst/>
+          </a:prstGeom>
+          <a:solidFill>
+            <a:schemeClr val="tx2">
+              <a:lumMod val="50000"/>
+              <a:lumOff val="50000"/>
+            </a:schemeClr>
+          </a:solidFill>
+        </p:spPr>
+        <p:style>
+          <a:lnRef idx="2">
+            <a:schemeClr val="accent1">
+              <a:shade val="15000"/>
+            </a:schemeClr>
+          </a:lnRef>
+          <a:fillRef idx="1">
+            <a:schemeClr val="accent1"/>
+          </a:fillRef>
+          <a:effectRef idx="0">
+            <a:schemeClr val="accent1"/>
+          </a:effectRef>
+          <a:fontRef idx="minor">
+            <a:schemeClr val="lt1"/>
+          </a:fontRef>
+        </p:style>
+        <p:txBody>
+          <a:bodyPr rtlCol="0" anchor="ctr"/>
+          <a:lstStyle/>
+          <a:p>
+            <a:pPr algn="ctr"/>
+            <a:r>
+              <a:rPr lang="en-US" sz="1100" dirty="0"/>
+              <a:t>Swipe to move ball</a:t>
+            </a:r>
+            <a:endParaRPr lang="en-GB" sz="1100" dirty="0"/>
+          </a:p>
+        </p:txBody>
+      </p:sp>
     </p:spTree>
     <p:extLst>
       <p:ext uri="{BB962C8B-B14F-4D97-AF65-F5344CB8AC3E}">
-        <p14:creationId xmlns:p14="http://schemas.microsoft.com/office/powerpoint/2010/main" val="2272521462"/>
+        <p14:creationId xmlns:p14="http://schemas.microsoft.com/office/powerpoint/2010/main" val="3840805201"/>
       </p:ext>
     </p:extLst>
   </p:cSld>
@@ -4052,90 +5261,6 @@
             <p:ph type="title"/>
           </p:nvPr>
         </p:nvSpPr>
-        <p:spPr/>
-        <p:txBody>
-          <a:bodyPr/>
-          <a:lstStyle/>
-          <a:p>
-            <a:r>
-              <a:rPr lang="en-US" dirty="0"/>
-              <a:t>Game View Model</a:t>
-            </a:r>
-            <a:endParaRPr lang="en-GB" dirty="0"/>
-          </a:p>
-        </p:txBody>
-      </p:sp>
-      <p:sp>
-        <p:nvSpPr>
-          <p:cNvPr id="3" name="Content Placeholder 2">
-            <a:extLst>
-              <a:ext uri="{FF2B5EF4-FFF2-40B4-BE49-F238E27FC236}">
-                <a16:creationId xmlns:a16="http://schemas.microsoft.com/office/drawing/2014/main" id="{69820825-6A81-EE53-9E4B-6EB918CA0E4D}"/>
-              </a:ext>
-            </a:extLst>
-          </p:cNvPr>
-          <p:cNvSpPr>
-            <a:spLocks noGrp="1"/>
-          </p:cNvSpPr>
-          <p:nvPr>
-            <p:ph idx="1"/>
-          </p:nvPr>
-        </p:nvSpPr>
-        <p:spPr/>
-        <p:txBody>
-          <a:bodyPr/>
-          <a:lstStyle/>
-          <a:p>
-            <a:endParaRPr lang="en-GB"/>
-          </a:p>
-        </p:txBody>
-      </p:sp>
-    </p:spTree>
-    <p:extLst>
-      <p:ext uri="{BB962C8B-B14F-4D97-AF65-F5344CB8AC3E}">
-        <p14:creationId xmlns:p14="http://schemas.microsoft.com/office/powerpoint/2010/main" val="3840805201"/>
-      </p:ext>
-    </p:extLst>
-  </p:cSld>
-  <p:clrMapOvr>
-    <a:masterClrMapping/>
-  </p:clrMapOvr>
-</p:sld>
-</file>
-
-<file path=ppt/slides/slide3.xml><?xml version="1.0" encoding="utf-8"?>
-<p:sld xmlns:a="http://schemas.openxmlformats.org/drawingml/2006/main" xmlns:r="http://schemas.openxmlformats.org/officeDocument/2006/relationships" xmlns:p="http://schemas.openxmlformats.org/presentationml/2006/main">
-  <p:cSld>
-    <p:spTree>
-      <p:nvGrpSpPr>
-        <p:cNvPr id="1" name=""/>
-        <p:cNvGrpSpPr/>
-        <p:nvPr/>
-      </p:nvGrpSpPr>
-      <p:grpSpPr>
-        <a:xfrm>
-          <a:off x="0" y="0"/>
-          <a:ext cx="0" cy="0"/>
-          <a:chOff x="0" y="0"/>
-          <a:chExt cx="0" cy="0"/>
-        </a:xfrm>
-      </p:grpSpPr>
-      <p:sp>
-        <p:nvSpPr>
-          <p:cNvPr id="2" name="Title 1">
-            <a:extLst>
-              <a:ext uri="{FF2B5EF4-FFF2-40B4-BE49-F238E27FC236}">
-                <a16:creationId xmlns:a16="http://schemas.microsoft.com/office/drawing/2014/main" id="{6CA72EF5-EF86-98ED-7F8E-A760D68F9F51}"/>
-              </a:ext>
-            </a:extLst>
-          </p:cNvPr>
-          <p:cNvSpPr>
-            <a:spLocks noGrp="1"/>
-          </p:cNvSpPr>
-          <p:nvPr>
-            <p:ph type="title"/>
-          </p:nvPr>
-        </p:nvSpPr>
         <p:spPr>
           <a:xfrm>
             <a:off x="213510" y="303313"/>
@@ -5884,6 +7009,42 @@
           </a:fontRef>
         </p:style>
       </p:cxnSp>
+      <p:sp>
+        <p:nvSpPr>
+          <p:cNvPr id="3" name="TextBox 2">
+            <a:extLst>
+              <a:ext uri="{FF2B5EF4-FFF2-40B4-BE49-F238E27FC236}">
+                <a16:creationId xmlns:a16="http://schemas.microsoft.com/office/drawing/2014/main" id="{10751F81-CEEB-F95D-8F35-12378B7E1B6A}"/>
+              </a:ext>
+            </a:extLst>
+          </p:cNvPr>
+          <p:cNvSpPr txBox="1"/>
+          <p:nvPr/>
+        </p:nvSpPr>
+        <p:spPr>
+          <a:xfrm>
+            <a:off x="2981887" y="4187179"/>
+            <a:ext cx="886461" cy="92333"/>
+          </a:xfrm>
+          <a:prstGeom prst="rect">
+            <a:avLst/>
+          </a:prstGeom>
+          <a:noFill/>
+        </p:spPr>
+        <p:txBody>
+          <a:bodyPr wrap="none" lIns="0" tIns="0" rIns="0" bIns="0" rtlCol="0">
+            <a:spAutoFit/>
+          </a:bodyPr>
+          <a:lstStyle/>
+          <a:p>
+            <a:r>
+              <a:rPr lang="en-US" sz="600" dirty="0"/>
+              <a:t>Human &amp; Computer driven</a:t>
+            </a:r>
+            <a:endParaRPr lang="en-GB" sz="600" dirty="0"/>
+          </a:p>
+        </p:txBody>
+      </p:sp>
     </p:spTree>
     <p:extLst>
       <p:ext uri="{BB962C8B-B14F-4D97-AF65-F5344CB8AC3E}">

--- a/Flicker.pptx
+++ b/Flicker.pptx
@@ -262,7 +262,7 @@
           <a:p>
             <a:fld id="{9BA82EC9-1B27-4AE6-A228-67888B3E2E79}" type="datetimeFigureOut">
               <a:rPr lang="en-GB" smtClean="0"/>
-              <a:t>15/07/2024</a:t>
+              <a:t>16/07/2024</a:t>
             </a:fld>
             <a:endParaRPr lang="en-GB"/>
           </a:p>
@@ -462,7 +462,7 @@
           <a:p>
             <a:fld id="{9BA82EC9-1B27-4AE6-A228-67888B3E2E79}" type="datetimeFigureOut">
               <a:rPr lang="en-GB" smtClean="0"/>
-              <a:t>15/07/2024</a:t>
+              <a:t>16/07/2024</a:t>
             </a:fld>
             <a:endParaRPr lang="en-GB"/>
           </a:p>
@@ -672,7 +672,7 @@
           <a:p>
             <a:fld id="{9BA82EC9-1B27-4AE6-A228-67888B3E2E79}" type="datetimeFigureOut">
               <a:rPr lang="en-GB" smtClean="0"/>
-              <a:t>15/07/2024</a:t>
+              <a:t>16/07/2024</a:t>
             </a:fld>
             <a:endParaRPr lang="en-GB"/>
           </a:p>
@@ -872,7 +872,7 @@
           <a:p>
             <a:fld id="{9BA82EC9-1B27-4AE6-A228-67888B3E2E79}" type="datetimeFigureOut">
               <a:rPr lang="en-GB" smtClean="0"/>
-              <a:t>15/07/2024</a:t>
+              <a:t>16/07/2024</a:t>
             </a:fld>
             <a:endParaRPr lang="en-GB"/>
           </a:p>
@@ -1148,7 +1148,7 @@
           <a:p>
             <a:fld id="{9BA82EC9-1B27-4AE6-A228-67888B3E2E79}" type="datetimeFigureOut">
               <a:rPr lang="en-GB" smtClean="0"/>
-              <a:t>15/07/2024</a:t>
+              <a:t>16/07/2024</a:t>
             </a:fld>
             <a:endParaRPr lang="en-GB"/>
           </a:p>
@@ -1416,7 +1416,7 @@
           <a:p>
             <a:fld id="{9BA82EC9-1B27-4AE6-A228-67888B3E2E79}" type="datetimeFigureOut">
               <a:rPr lang="en-GB" smtClean="0"/>
-              <a:t>15/07/2024</a:t>
+              <a:t>16/07/2024</a:t>
             </a:fld>
             <a:endParaRPr lang="en-GB"/>
           </a:p>
@@ -1831,7 +1831,7 @@
           <a:p>
             <a:fld id="{9BA82EC9-1B27-4AE6-A228-67888B3E2E79}" type="datetimeFigureOut">
               <a:rPr lang="en-GB" smtClean="0"/>
-              <a:t>15/07/2024</a:t>
+              <a:t>16/07/2024</a:t>
             </a:fld>
             <a:endParaRPr lang="en-GB"/>
           </a:p>
@@ -1973,7 +1973,7 @@
           <a:p>
             <a:fld id="{9BA82EC9-1B27-4AE6-A228-67888B3E2E79}" type="datetimeFigureOut">
               <a:rPr lang="en-GB" smtClean="0"/>
-              <a:t>15/07/2024</a:t>
+              <a:t>16/07/2024</a:t>
             </a:fld>
             <a:endParaRPr lang="en-GB"/>
           </a:p>
@@ -2086,7 +2086,7 @@
           <a:p>
             <a:fld id="{9BA82EC9-1B27-4AE6-A228-67888B3E2E79}" type="datetimeFigureOut">
               <a:rPr lang="en-GB" smtClean="0"/>
-              <a:t>15/07/2024</a:t>
+              <a:t>16/07/2024</a:t>
             </a:fld>
             <a:endParaRPr lang="en-GB"/>
           </a:p>
@@ -2399,7 +2399,7 @@
           <a:p>
             <a:fld id="{9BA82EC9-1B27-4AE6-A228-67888B3E2E79}" type="datetimeFigureOut">
               <a:rPr lang="en-GB" smtClean="0"/>
-              <a:t>15/07/2024</a:t>
+              <a:t>16/07/2024</a:t>
             </a:fld>
             <a:endParaRPr lang="en-GB"/>
           </a:p>
@@ -2688,7 +2688,7 @@
           <a:p>
             <a:fld id="{9BA82EC9-1B27-4AE6-A228-67888B3E2E79}" type="datetimeFigureOut">
               <a:rPr lang="en-GB" smtClean="0"/>
-              <a:t>15/07/2024</a:t>
+              <a:t>16/07/2024</a:t>
             </a:fld>
             <a:endParaRPr lang="en-GB"/>
           </a:p>
@@ -2931,7 +2931,7 @@
           <a:p>
             <a:fld id="{9BA82EC9-1B27-4AE6-A228-67888B3E2E79}" type="datetimeFigureOut">
               <a:rPr lang="en-GB" smtClean="0"/>
-              <a:t>15/07/2024</a:t>
+              <a:t>16/07/2024</a:t>
             </a:fld>
             <a:endParaRPr lang="en-GB"/>
           </a:p>
@@ -5263,21 +5263,21 @@
         </p:nvSpPr>
         <p:spPr>
           <a:xfrm>
-            <a:off x="213510" y="303313"/>
-            <a:ext cx="7545309" cy="733331"/>
+            <a:off x="187042" y="62635"/>
+            <a:ext cx="7545309" cy="640788"/>
           </a:xfrm>
         </p:spPr>
         <p:txBody>
           <a:bodyPr>
-            <a:normAutofit fontScale="90000"/>
+            <a:normAutofit/>
           </a:bodyPr>
           <a:lstStyle/>
           <a:p>
             <a:r>
-              <a:rPr lang="en-US" dirty="0"/>
+              <a:rPr lang="en-US" sz="3600" dirty="0"/>
               <a:t>Solver View Model State Machine</a:t>
             </a:r>
-            <a:endParaRPr lang="en-GB" dirty="0"/>
+            <a:endParaRPr lang="en-GB" sz="3600" dirty="0"/>
           </a:p>
         </p:txBody>
       </p:sp>
@@ -5295,7 +5295,7 @@
         </p:nvSpPr>
         <p:spPr>
           <a:xfrm>
-            <a:off x="1329866" y="3557634"/>
+            <a:off x="2042320" y="2784696"/>
             <a:ext cx="1390941" cy="733331"/>
           </a:xfrm>
           <a:prstGeom prst="roundRect">
@@ -5327,7 +5327,7 @@
           <a:p>
             <a:pPr algn="ctr"/>
             <a:r>
-              <a:rPr lang="en-US" sz="1600" b="1" dirty="0">
+              <a:rPr lang="en-US" sz="1100" b="1" dirty="0">
                 <a:solidFill>
                   <a:schemeClr val="tx1"/>
                 </a:solidFill>
@@ -5338,14 +5338,14 @@
           <a:p>
             <a:pPr algn="ctr"/>
             <a:r>
-              <a:rPr lang="en-US" sz="1100" b="1" dirty="0">
+              <a:rPr lang="en-US" sz="900" b="1" dirty="0">
                 <a:solidFill>
                   <a:schemeClr val="tx1"/>
                 </a:solidFill>
               </a:rPr>
               <a:t>Waiting for User</a:t>
             </a:r>
-            <a:endParaRPr lang="en-GB" sz="1100" b="1" dirty="0">
+            <a:endParaRPr lang="en-GB" sz="900" b="1" dirty="0">
               <a:solidFill>
                 <a:schemeClr val="tx1"/>
               </a:solidFill>
@@ -5367,7 +5367,7 @@
         </p:nvSpPr>
         <p:spPr>
           <a:xfrm>
-            <a:off x="4129429" y="3557634"/>
+            <a:off x="4841883" y="2784696"/>
             <a:ext cx="2250331" cy="733331"/>
           </a:xfrm>
           <a:prstGeom prst="roundRect">
@@ -5399,7 +5399,7 @@
           <a:p>
             <a:pPr algn="ctr"/>
             <a:r>
-              <a:rPr lang="en-US" sz="1600" b="1" dirty="0">
+              <a:rPr lang="en-US" sz="1100" b="1" dirty="0">
                 <a:solidFill>
                   <a:schemeClr val="tx1"/>
                 </a:solidFill>
@@ -5409,7 +5409,7 @@
           </a:p>
           <a:p>
             <a:r>
-              <a:rPr lang="en-US" sz="1100" dirty="0">
+              <a:rPr lang="en-US" sz="900" dirty="0">
                 <a:solidFill>
                   <a:schemeClr val="tx1"/>
                 </a:solidFill>
@@ -5423,7 +5423,7 @@
               <a:buChar char="•"/>
             </a:pPr>
             <a:r>
-              <a:rPr lang="en-US" sz="1100" dirty="0" err="1">
+              <a:rPr lang="en-US" sz="900" dirty="0" err="1">
                 <a:solidFill>
                   <a:schemeClr val="tx1"/>
                 </a:solidFill>
@@ -5431,7 +5431,7 @@
               <a:t>ProgressLevel</a:t>
             </a:r>
             <a:r>
-              <a:rPr lang="en-US" sz="1100" dirty="0">
+              <a:rPr lang="en-US" sz="900" dirty="0">
                 <a:solidFill>
                   <a:schemeClr val="tx1"/>
                 </a:solidFill>
@@ -5459,7 +5459,7 @@
         </p:nvCxnSpPr>
         <p:spPr>
           <a:xfrm>
-            <a:off x="3953740" y="3919139"/>
+            <a:off x="4666194" y="3146201"/>
             <a:ext cx="175689" cy="5161"/>
           </a:xfrm>
           <a:prstGeom prst="straightConnector1">
@@ -5498,7 +5498,7 @@
         </p:nvSpPr>
         <p:spPr>
           <a:xfrm>
-            <a:off x="7216241" y="2077392"/>
+            <a:off x="7928695" y="1304454"/>
             <a:ext cx="3835651" cy="1883121"/>
           </a:xfrm>
           <a:prstGeom prst="roundRect">
@@ -5530,7 +5530,7 @@
           <a:p>
             <a:pPr algn="ctr"/>
             <a:r>
-              <a:rPr lang="en-US" sz="1600" b="1" dirty="0">
+              <a:rPr lang="en-US" sz="1100" b="1" dirty="0">
                 <a:solidFill>
                   <a:schemeClr val="tx1"/>
                 </a:solidFill>
@@ -5541,7 +5541,7 @@
           <a:p>
             <a:pPr algn="ctr"/>
             <a:r>
-              <a:rPr lang="en-US" sz="1100" b="1" dirty="0" err="1">
+              <a:rPr lang="en-US" sz="900" b="1" dirty="0" err="1">
                 <a:solidFill>
                   <a:schemeClr val="tx1"/>
                 </a:solidFill>
@@ -5549,7 +5549,7 @@
               <a:t>SolutionFound</a:t>
             </a:r>
             <a:r>
-              <a:rPr lang="en-US" sz="1100" b="1" dirty="0">
+              <a:rPr lang="en-US" sz="900" b="1" dirty="0">
                 <a:solidFill>
                   <a:schemeClr val="tx1"/>
                 </a:solidFill>
@@ -5557,7 +5557,7 @@
               <a:t> – </a:t>
             </a:r>
             <a:r>
-              <a:rPr lang="en-US" sz="1100" dirty="0">
+              <a:rPr lang="en-US" sz="900" dirty="0">
                 <a:solidFill>
                   <a:schemeClr val="tx1"/>
                 </a:solidFill>
@@ -5567,7 +5567,7 @@
           </a:p>
           <a:p>
             <a:pPr algn="ctr"/>
-            <a:endParaRPr lang="en-US" sz="1100" b="1" dirty="0">
+            <a:endParaRPr lang="en-US" sz="900" b="1" dirty="0">
               <a:solidFill>
                 <a:schemeClr val="tx1"/>
               </a:solidFill>
@@ -5575,7 +5575,7 @@
           </a:p>
           <a:p>
             <a:r>
-              <a:rPr lang="en-US" sz="1100" dirty="0">
+              <a:rPr lang="en-US" sz="900" dirty="0">
                 <a:solidFill>
                   <a:schemeClr val="tx1"/>
                 </a:solidFill>
@@ -5589,7 +5589,7 @@
               <a:buChar char="•"/>
             </a:pPr>
             <a:r>
-              <a:rPr lang="en-US" sz="1100" dirty="0" err="1">
+              <a:rPr lang="en-US" sz="900" dirty="0" err="1">
                 <a:solidFill>
                   <a:schemeClr val="tx1"/>
                 </a:solidFill>
@@ -5597,14 +5597,14 @@
               <a:t>WinningDirection</a:t>
             </a:r>
             <a:r>
-              <a:rPr lang="en-US" sz="1100" dirty="0">
+              <a:rPr lang="en-US" sz="900" dirty="0">
                 <a:solidFill>
                   <a:schemeClr val="tx1"/>
                 </a:solidFill>
               </a:rPr>
               <a:t> –Ball direction that lead to a win</a:t>
             </a:r>
-            <a:endParaRPr lang="en-US" sz="1200" dirty="0">
+            <a:endParaRPr lang="en-US" sz="1000" dirty="0">
               <a:solidFill>
                 <a:schemeClr val="tx1"/>
               </a:solidFill>
@@ -5616,7 +5616,7 @@
               <a:buChar char="•"/>
             </a:pPr>
             <a:r>
-              <a:rPr lang="en-US" sz="1100" dirty="0" err="1">
+              <a:rPr lang="en-US" sz="900" dirty="0" err="1">
                 <a:solidFill>
                   <a:schemeClr val="tx1"/>
                 </a:solidFill>
@@ -5624,14 +5624,14 @@
               <a:t>MovingChain</a:t>
             </a:r>
             <a:r>
-              <a:rPr lang="en-US" sz="1100" dirty="0">
+              <a:rPr lang="en-US" sz="900" dirty="0">
                 <a:solidFill>
                   <a:schemeClr val="tx1"/>
                 </a:solidFill>
               </a:rPr>
               <a:t> – Ball position to move from that lead to a win. It may contain multiple ball position if there are adjacent balls</a:t>
             </a:r>
-            <a:endParaRPr lang="en-GB" sz="1200" dirty="0">
+            <a:endParaRPr lang="en-GB" sz="1000" dirty="0">
               <a:solidFill>
                 <a:schemeClr val="tx1"/>
               </a:solidFill>
@@ -5653,7 +5653,7 @@
         </p:nvSpPr>
         <p:spPr>
           <a:xfrm>
-            <a:off x="7292443" y="4290965"/>
+            <a:off x="8004897" y="3518027"/>
             <a:ext cx="3835651" cy="1545878"/>
           </a:xfrm>
           <a:prstGeom prst="roundRect">
@@ -5685,7 +5685,7 @@
           <a:p>
             <a:pPr algn="ctr"/>
             <a:r>
-              <a:rPr lang="en-US" sz="1600" b="1" dirty="0">
+              <a:rPr lang="en-US" sz="1100" b="1" dirty="0">
                 <a:solidFill>
                   <a:schemeClr val="tx1"/>
                 </a:solidFill>
@@ -5696,7 +5696,7 @@
           <a:p>
             <a:pPr algn="ctr"/>
             <a:r>
-              <a:rPr lang="en-US" sz="1100" b="1" dirty="0" err="1">
+              <a:rPr lang="en-US" sz="900" b="1" dirty="0" err="1">
                 <a:solidFill>
                   <a:schemeClr val="tx1"/>
                 </a:solidFill>
@@ -5704,7 +5704,7 @@
               <a:t>NoSolutionFound</a:t>
             </a:r>
             <a:r>
-              <a:rPr lang="en-US" sz="1100" b="1" dirty="0">
+              <a:rPr lang="en-US" sz="900" b="1" dirty="0">
                 <a:solidFill>
                   <a:schemeClr val="tx1"/>
                 </a:solidFill>
@@ -5712,7 +5712,7 @@
               <a:t> – </a:t>
             </a:r>
             <a:r>
-              <a:rPr lang="en-US" sz="1100" dirty="0">
+              <a:rPr lang="en-US" sz="900" dirty="0">
                 <a:solidFill>
                   <a:schemeClr val="tx1"/>
                 </a:solidFill>
@@ -5722,7 +5722,7 @@
           </a:p>
           <a:p>
             <a:pPr algn="ctr"/>
-            <a:endParaRPr lang="en-US" sz="1100" b="1" dirty="0">
+            <a:endParaRPr lang="en-US" sz="900" b="1" dirty="0">
               <a:solidFill>
                 <a:schemeClr val="tx1"/>
               </a:solidFill>
@@ -5730,7 +5730,7 @@
           </a:p>
           <a:p>
             <a:r>
-              <a:rPr lang="en-GB" sz="1100" dirty="0">
+              <a:rPr lang="en-GB" sz="900" dirty="0">
                 <a:solidFill>
                   <a:schemeClr val="tx1"/>
                 </a:solidFill>
@@ -5738,7 +5738,7 @@
               <a:t>Data </a:t>
             </a:r>
             <a:r>
-              <a:rPr lang="en-GB" sz="1100" dirty="0" err="1">
+              <a:rPr lang="en-GB" sz="900" dirty="0" err="1">
                 <a:solidFill>
                   <a:schemeClr val="tx1"/>
                 </a:solidFill>
@@ -5746,7 +5746,7 @@
               <a:t>Structue</a:t>
             </a:r>
             <a:r>
-              <a:rPr lang="en-GB" sz="1100" dirty="0">
+              <a:rPr lang="en-GB" sz="900" dirty="0">
                 <a:solidFill>
                   <a:schemeClr val="tx1"/>
                 </a:solidFill>
@@ -5760,7 +5760,7 @@
               <a:buChar char="•"/>
             </a:pPr>
             <a:r>
-              <a:rPr lang="en-GB" sz="1100" dirty="0" err="1">
+              <a:rPr lang="en-GB" sz="900" dirty="0" err="1">
                 <a:solidFill>
                   <a:schemeClr val="tx1"/>
                 </a:solidFill>
@@ -5768,7 +5768,7 @@
               <a:t>WinningDirection</a:t>
             </a:r>
             <a:r>
-              <a:rPr lang="en-GB" sz="1100" dirty="0">
+              <a:rPr lang="en-GB" sz="900" dirty="0">
                 <a:solidFill>
                   <a:schemeClr val="tx1"/>
                 </a:solidFill>
@@ -5782,7 +5782,7 @@
               <a:buChar char="•"/>
             </a:pPr>
             <a:r>
-              <a:rPr lang="en-GB" sz="1100" dirty="0" err="1">
+              <a:rPr lang="en-GB" sz="900" dirty="0" err="1">
                 <a:solidFill>
                   <a:schemeClr val="tx1"/>
                 </a:solidFill>
@@ -5790,7 +5790,7 @@
               <a:t>MovingChain</a:t>
             </a:r>
             <a:r>
-              <a:rPr lang="en-GB" sz="1100" dirty="0">
+              <a:rPr lang="en-GB" sz="900" dirty="0">
                 <a:solidFill>
                   <a:schemeClr val="tx1"/>
                 </a:solidFill>
@@ -5800,7 +5800,7 @@
           </a:p>
           <a:p>
             <a:pPr algn="ctr"/>
-            <a:endParaRPr lang="en-GB" sz="1100" b="1" dirty="0">
+            <a:endParaRPr lang="en-GB" sz="900" b="1" dirty="0">
               <a:solidFill>
                 <a:schemeClr val="tx1"/>
               </a:solidFill>
@@ -5826,7 +5826,7 @@
         </p:nvCxnSpPr>
         <p:spPr>
           <a:xfrm flipV="1">
-            <a:off x="6379760" y="3018953"/>
+            <a:off x="7092214" y="2246015"/>
             <a:ext cx="836481" cy="905347"/>
           </a:xfrm>
           <a:prstGeom prst="straightConnector1">
@@ -5869,7 +5869,7 @@
         </p:nvCxnSpPr>
         <p:spPr>
           <a:xfrm>
-            <a:off x="6379760" y="3924300"/>
+            <a:off x="7092214" y="3151362"/>
             <a:ext cx="912683" cy="1139604"/>
           </a:xfrm>
           <a:prstGeom prst="straightConnector1">
@@ -5912,7 +5912,7 @@
         </p:nvCxnSpPr>
         <p:spPr>
           <a:xfrm flipH="1" flipV="1">
-            <a:off x="2025337" y="4290965"/>
+            <a:off x="2737791" y="3518027"/>
             <a:ext cx="9102757" cy="772939"/>
           </a:xfrm>
           <a:prstGeom prst="bentConnector4">
@@ -5958,7 +5958,7 @@
         </p:nvCxnSpPr>
         <p:spPr>
           <a:xfrm flipH="1" flipV="1">
-            <a:off x="5770160" y="1838668"/>
+            <a:off x="6482614" y="1065730"/>
             <a:ext cx="5281732" cy="1180285"/>
           </a:xfrm>
           <a:prstGeom prst="bentConnector3">
@@ -5987,10 +5987,10 @@
       </p:cxnSp>
       <p:sp>
         <p:nvSpPr>
-          <p:cNvPr id="7" name="Rectangle 6">
-            <a:extLst>
-              <a:ext uri="{FF2B5EF4-FFF2-40B4-BE49-F238E27FC236}">
-                <a16:creationId xmlns:a16="http://schemas.microsoft.com/office/drawing/2014/main" id="{A783A18B-4AAA-11EE-997B-EF0CD4647CF8}"/>
+          <p:cNvPr id="9" name="Rectangle 8">
+            <a:extLst>
+              <a:ext uri="{FF2B5EF4-FFF2-40B4-BE49-F238E27FC236}">
+                <a16:creationId xmlns:a16="http://schemas.microsoft.com/office/drawing/2014/main" id="{32D6E5FA-83F4-4A8D-7346-34DDAA2DB2FC}"/>
               </a:ext>
             </a:extLst>
           </p:cNvPr>
@@ -5999,7 +5999,7 @@
         </p:nvSpPr>
         <p:spPr>
           <a:xfrm>
-            <a:off x="297517" y="3695700"/>
+            <a:off x="3270571" y="1879350"/>
             <a:ext cx="734830" cy="450850"/>
           </a:xfrm>
           <a:prstGeom prst="rect">
@@ -6034,19 +6034,19 @@
           <a:p>
             <a:pPr algn="ctr"/>
             <a:r>
-              <a:rPr lang="en-US" sz="1100" dirty="0"/>
-              <a:t>Start Game</a:t>
-            </a:r>
-            <a:endParaRPr lang="en-GB" sz="1100" dirty="0"/>
-          </a:p>
-        </p:txBody>
-      </p:sp>
-      <p:sp>
-        <p:nvSpPr>
-          <p:cNvPr id="9" name="Rectangle 8">
-            <a:extLst>
-              <a:ext uri="{FF2B5EF4-FFF2-40B4-BE49-F238E27FC236}">
-                <a16:creationId xmlns:a16="http://schemas.microsoft.com/office/drawing/2014/main" id="{32D6E5FA-83F4-4A8D-7346-34DDAA2DB2FC}"/>
+              <a:rPr lang="en-US" sz="900" dirty="0"/>
+              <a:t>Toggle Ball</a:t>
+            </a:r>
+            <a:endParaRPr lang="en-GB" sz="900" dirty="0"/>
+          </a:p>
+        </p:txBody>
+      </p:sp>
+      <p:sp>
+        <p:nvSpPr>
+          <p:cNvPr id="16" name="Rectangle 15">
+            <a:extLst>
+              <a:ext uri="{FF2B5EF4-FFF2-40B4-BE49-F238E27FC236}">
+                <a16:creationId xmlns:a16="http://schemas.microsoft.com/office/drawing/2014/main" id="{9CA18DFB-E3D5-8E9A-09D1-992FB8BDA6A6}"/>
               </a:ext>
             </a:extLst>
           </p:cNvPr>
@@ -6055,7 +6055,7 @@
         </p:nvSpPr>
         <p:spPr>
           <a:xfrm>
-            <a:off x="2558117" y="2652288"/>
+            <a:off x="3065846" y="3851569"/>
             <a:ext cx="734830" cy="450850"/>
           </a:xfrm>
           <a:prstGeom prst="rect">
@@ -6090,19 +6090,148 @@
           <a:p>
             <a:pPr algn="ctr"/>
             <a:r>
-              <a:rPr lang="en-US" sz="1100" dirty="0"/>
-              <a:t>Toggle Ball</a:t>
-            </a:r>
-            <a:endParaRPr lang="en-GB" sz="1100" dirty="0"/>
-          </a:p>
-        </p:txBody>
-      </p:sp>
-      <p:sp>
-        <p:nvSpPr>
-          <p:cNvPr id="16" name="Rectangle 15">
-            <a:extLst>
-              <a:ext uri="{FF2B5EF4-FFF2-40B4-BE49-F238E27FC236}">
-                <a16:creationId xmlns:a16="http://schemas.microsoft.com/office/drawing/2014/main" id="{9CA18DFB-E3D5-8E9A-09D1-992FB8BDA6A6}"/>
+              <a:rPr lang="en-US" sz="900" dirty="0"/>
+              <a:t>Reset</a:t>
+            </a:r>
+            <a:endParaRPr lang="en-GB" sz="900" dirty="0"/>
+          </a:p>
+        </p:txBody>
+      </p:sp>
+      <p:cxnSp>
+        <p:nvCxnSpPr>
+          <p:cNvPr id="17" name="Straight Arrow Connector 16">
+            <a:extLst>
+              <a:ext uri="{FF2B5EF4-FFF2-40B4-BE49-F238E27FC236}">
+                <a16:creationId xmlns:a16="http://schemas.microsoft.com/office/drawing/2014/main" id="{E8308163-BDEB-8CC7-C64D-7C553108F250}"/>
+              </a:ext>
+            </a:extLst>
+          </p:cNvPr>
+          <p:cNvCxnSpPr>
+            <a:cxnSpLocks/>
+            <a:stCxn id="7" idx="3"/>
+            <a:endCxn id="4" idx="1"/>
+          </p:cNvCxnSpPr>
+          <p:nvPr/>
+        </p:nvCxnSpPr>
+        <p:spPr>
+          <a:xfrm>
+            <a:off x="1781533" y="3146201"/>
+            <a:ext cx="260787" cy="5161"/>
+          </a:xfrm>
+          <a:prstGeom prst="straightConnector1">
+            <a:avLst/>
+          </a:prstGeom>
+          <a:ln>
+            <a:tailEnd type="triangle"/>
+          </a:ln>
+        </p:spPr>
+        <p:style>
+          <a:lnRef idx="2">
+            <a:schemeClr val="accent1"/>
+          </a:lnRef>
+          <a:fillRef idx="0">
+            <a:schemeClr val="accent1"/>
+          </a:fillRef>
+          <a:effectRef idx="1">
+            <a:schemeClr val="accent1"/>
+          </a:effectRef>
+          <a:fontRef idx="minor">
+            <a:schemeClr val="tx1"/>
+          </a:fontRef>
+        </p:style>
+      </p:cxnSp>
+      <p:cxnSp>
+        <p:nvCxnSpPr>
+          <p:cNvPr id="20" name="Straight Arrow Connector 19">
+            <a:extLst>
+              <a:ext uri="{FF2B5EF4-FFF2-40B4-BE49-F238E27FC236}">
+                <a16:creationId xmlns:a16="http://schemas.microsoft.com/office/drawing/2014/main" id="{29720F0E-A38C-11DD-1505-B4567F829E0A}"/>
+              </a:ext>
+            </a:extLst>
+          </p:cNvPr>
+          <p:cNvCxnSpPr>
+            <a:cxnSpLocks/>
+            <a:endCxn id="9" idx="2"/>
+          </p:cNvCxnSpPr>
+          <p:nvPr/>
+        </p:nvCxnSpPr>
+        <p:spPr>
+          <a:xfrm flipV="1">
+            <a:off x="3194369" y="2330200"/>
+            <a:ext cx="443617" cy="439157"/>
+          </a:xfrm>
+          <a:prstGeom prst="straightConnector1">
+            <a:avLst/>
+          </a:prstGeom>
+          <a:ln>
+            <a:headEnd type="triangle"/>
+            <a:tailEnd type="triangle"/>
+          </a:ln>
+        </p:spPr>
+        <p:style>
+          <a:lnRef idx="2">
+            <a:schemeClr val="accent1"/>
+          </a:lnRef>
+          <a:fillRef idx="0">
+            <a:schemeClr val="accent1"/>
+          </a:fillRef>
+          <a:effectRef idx="1">
+            <a:schemeClr val="accent1"/>
+          </a:effectRef>
+          <a:fontRef idx="minor">
+            <a:schemeClr val="tx1"/>
+          </a:fontRef>
+        </p:style>
+      </p:cxnSp>
+      <p:cxnSp>
+        <p:nvCxnSpPr>
+          <p:cNvPr id="25" name="Straight Arrow Connector 24">
+            <a:extLst>
+              <a:ext uri="{FF2B5EF4-FFF2-40B4-BE49-F238E27FC236}">
+                <a16:creationId xmlns:a16="http://schemas.microsoft.com/office/drawing/2014/main" id="{B6D028EE-EDCA-ED98-DBEC-56404DC788DB}"/>
+              </a:ext>
+            </a:extLst>
+          </p:cNvPr>
+          <p:cNvCxnSpPr>
+            <a:cxnSpLocks/>
+            <a:endCxn id="16" idx="0"/>
+          </p:cNvCxnSpPr>
+          <p:nvPr/>
+        </p:nvCxnSpPr>
+        <p:spPr>
+          <a:xfrm>
+            <a:off x="3131804" y="3533366"/>
+            <a:ext cx="301457" cy="318203"/>
+          </a:xfrm>
+          <a:prstGeom prst="straightConnector1">
+            <a:avLst/>
+          </a:prstGeom>
+          <a:ln>
+            <a:headEnd type="triangle"/>
+            <a:tailEnd type="triangle"/>
+          </a:ln>
+        </p:spPr>
+        <p:style>
+          <a:lnRef idx="2">
+            <a:schemeClr val="accent1"/>
+          </a:lnRef>
+          <a:fillRef idx="0">
+            <a:schemeClr val="accent1"/>
+          </a:fillRef>
+          <a:effectRef idx="1">
+            <a:schemeClr val="accent1"/>
+          </a:effectRef>
+          <a:fontRef idx="minor">
+            <a:schemeClr val="tx1"/>
+          </a:fontRef>
+        </p:style>
+      </p:cxnSp>
+      <p:sp>
+        <p:nvSpPr>
+          <p:cNvPr id="28" name="Rectangle 27">
+            <a:extLst>
+              <a:ext uri="{FF2B5EF4-FFF2-40B4-BE49-F238E27FC236}">
+                <a16:creationId xmlns:a16="http://schemas.microsoft.com/office/drawing/2014/main" id="{0FC80B8D-8D6C-F419-9956-FF87B79737EB}"/>
               </a:ext>
             </a:extLst>
           </p:cNvPr>
@@ -6111,8 +6240,8 @@
         </p:nvSpPr>
         <p:spPr>
           <a:xfrm>
-            <a:off x="2353392" y="4624507"/>
-            <a:ext cx="734830" cy="450850"/>
+            <a:off x="3608950" y="2920776"/>
+            <a:ext cx="1057244" cy="450850"/>
           </a:xfrm>
           <a:prstGeom prst="rect">
             <a:avLst/>
@@ -6146,33 +6275,31 @@
           <a:p>
             <a:pPr algn="ctr"/>
             <a:r>
-              <a:rPr lang="en-US" sz="1100" dirty="0"/>
-              <a:t>Reset</a:t>
-            </a:r>
-            <a:endParaRPr lang="en-GB" sz="1100" dirty="0"/>
+              <a:rPr lang="en-US" sz="900" dirty="0"/>
+              <a:t>Find winning move</a:t>
+            </a:r>
+            <a:endParaRPr lang="en-GB" sz="900" dirty="0"/>
           </a:p>
         </p:txBody>
       </p:sp>
       <p:cxnSp>
         <p:nvCxnSpPr>
-          <p:cNvPr id="17" name="Straight Arrow Connector 16">
-            <a:extLst>
-              <a:ext uri="{FF2B5EF4-FFF2-40B4-BE49-F238E27FC236}">
-                <a16:creationId xmlns:a16="http://schemas.microsoft.com/office/drawing/2014/main" id="{E8308163-BDEB-8CC7-C64D-7C553108F250}"/>
+          <p:cNvPr id="33" name="Straight Arrow Connector 32">
+            <a:extLst>
+              <a:ext uri="{FF2B5EF4-FFF2-40B4-BE49-F238E27FC236}">
+                <a16:creationId xmlns:a16="http://schemas.microsoft.com/office/drawing/2014/main" id="{AA5DFA95-D7B1-EF10-D778-C3D5A09EB32D}"/>
               </a:ext>
             </a:extLst>
           </p:cNvPr>
           <p:cNvCxnSpPr>
             <a:cxnSpLocks/>
-            <a:stCxn id="7" idx="3"/>
-            <a:endCxn id="4" idx="1"/>
           </p:cNvCxnSpPr>
           <p:nvPr/>
         </p:nvCxnSpPr>
         <p:spPr>
           <a:xfrm>
-            <a:off x="1032347" y="3921125"/>
-            <a:ext cx="297519" cy="3175"/>
+            <a:off x="3433261" y="3152902"/>
+            <a:ext cx="175689" cy="5161"/>
           </a:xfrm>
           <a:prstGeom prst="straightConnector1">
             <a:avLst/>
@@ -6198,29 +6325,28 @@
       </p:cxnSp>
       <p:cxnSp>
         <p:nvCxnSpPr>
-          <p:cNvPr id="20" name="Straight Arrow Connector 19">
-            <a:extLst>
-              <a:ext uri="{FF2B5EF4-FFF2-40B4-BE49-F238E27FC236}">
-                <a16:creationId xmlns:a16="http://schemas.microsoft.com/office/drawing/2014/main" id="{29720F0E-A38C-11DD-1505-B4567F829E0A}"/>
+          <p:cNvPr id="35" name="Straight Arrow Connector 34">
+            <a:extLst>
+              <a:ext uri="{FF2B5EF4-FFF2-40B4-BE49-F238E27FC236}">
+                <a16:creationId xmlns:a16="http://schemas.microsoft.com/office/drawing/2014/main" id="{4352139A-EC59-A98A-C8FC-55DC4FF44395}"/>
               </a:ext>
             </a:extLst>
           </p:cNvPr>
           <p:cNvCxnSpPr>
             <a:cxnSpLocks/>
-            <a:endCxn id="9" idx="2"/>
+            <a:endCxn id="32" idx="2"/>
           </p:cNvCxnSpPr>
           <p:nvPr/>
         </p:nvCxnSpPr>
         <p:spPr>
-          <a:xfrm flipV="1">
-            <a:off x="2481915" y="3103138"/>
-            <a:ext cx="443617" cy="439157"/>
+          <a:xfrm flipH="1" flipV="1">
+            <a:off x="1732231" y="2028476"/>
+            <a:ext cx="869358" cy="823045"/>
           </a:xfrm>
           <a:prstGeom prst="straightConnector1">
             <a:avLst/>
           </a:prstGeom>
           <a:ln>
-            <a:headEnd type="triangle"/>
             <a:tailEnd type="triangle"/>
           </a:ln>
         </p:spPr>
@@ -6239,55 +6365,12 @@
           </a:fontRef>
         </p:style>
       </p:cxnSp>
-      <p:cxnSp>
-        <p:nvCxnSpPr>
-          <p:cNvPr id="25" name="Straight Arrow Connector 24">
-            <a:extLst>
-              <a:ext uri="{FF2B5EF4-FFF2-40B4-BE49-F238E27FC236}">
-                <a16:creationId xmlns:a16="http://schemas.microsoft.com/office/drawing/2014/main" id="{B6D028EE-EDCA-ED98-DBEC-56404DC788DB}"/>
-              </a:ext>
-            </a:extLst>
-          </p:cNvPr>
-          <p:cNvCxnSpPr>
-            <a:cxnSpLocks/>
-            <a:endCxn id="16" idx="0"/>
-          </p:cNvCxnSpPr>
-          <p:nvPr/>
-        </p:nvCxnSpPr>
-        <p:spPr>
-          <a:xfrm>
-            <a:off x="2419350" y="4306304"/>
-            <a:ext cx="301457" cy="318203"/>
-          </a:xfrm>
-          <a:prstGeom prst="straightConnector1">
-            <a:avLst/>
-          </a:prstGeom>
-          <a:ln>
-            <a:headEnd type="triangle"/>
-            <a:tailEnd type="triangle"/>
-          </a:ln>
-        </p:spPr>
-        <p:style>
-          <a:lnRef idx="2">
-            <a:schemeClr val="accent1"/>
-          </a:lnRef>
-          <a:fillRef idx="0">
-            <a:schemeClr val="accent1"/>
-          </a:fillRef>
-          <a:effectRef idx="1">
-            <a:schemeClr val="accent1"/>
-          </a:effectRef>
-          <a:fontRef idx="minor">
-            <a:schemeClr val="tx1"/>
-          </a:fontRef>
-        </p:style>
-      </p:cxnSp>
-      <p:sp>
-        <p:nvSpPr>
-          <p:cNvPr id="28" name="Rectangle 27">
-            <a:extLst>
-              <a:ext uri="{FF2B5EF4-FFF2-40B4-BE49-F238E27FC236}">
-                <a16:creationId xmlns:a16="http://schemas.microsoft.com/office/drawing/2014/main" id="{0FC80B8D-8D6C-F419-9956-FF87B79737EB}"/>
+      <p:sp>
+        <p:nvSpPr>
+          <p:cNvPr id="39" name="Rectangle 38">
+            <a:extLst>
+              <a:ext uri="{FF2B5EF4-FFF2-40B4-BE49-F238E27FC236}">
+                <a16:creationId xmlns:a16="http://schemas.microsoft.com/office/drawing/2014/main" id="{A488A4E3-E4C7-26AC-CBCE-BA603022E177}"/>
               </a:ext>
             </a:extLst>
           </p:cNvPr>
@@ -6296,8 +6379,8 @@
         </p:nvSpPr>
         <p:spPr>
           <a:xfrm>
-            <a:off x="2896496" y="3693714"/>
-            <a:ext cx="1057244" cy="450850"/>
+            <a:off x="5205597" y="1631153"/>
+            <a:ext cx="1520974" cy="450850"/>
           </a:xfrm>
           <a:prstGeom prst="rect">
             <a:avLst/>
@@ -6331,60 +6414,19 @@
           <a:p>
             <a:pPr algn="ctr"/>
             <a:r>
-              <a:rPr lang="en-US" sz="1100" dirty="0"/>
-              <a:t>Find winning move</a:t>
-            </a:r>
-            <a:endParaRPr lang="en-GB" sz="1100" dirty="0"/>
-          </a:p>
-        </p:txBody>
-      </p:sp>
-      <p:cxnSp>
-        <p:nvCxnSpPr>
-          <p:cNvPr id="33" name="Straight Arrow Connector 32">
-            <a:extLst>
-              <a:ext uri="{FF2B5EF4-FFF2-40B4-BE49-F238E27FC236}">
-                <a16:creationId xmlns:a16="http://schemas.microsoft.com/office/drawing/2014/main" id="{AA5DFA95-D7B1-EF10-D778-C3D5A09EB32D}"/>
-              </a:ext>
-            </a:extLst>
-          </p:cNvPr>
-          <p:cNvCxnSpPr>
-            <a:cxnSpLocks/>
-          </p:cNvCxnSpPr>
-          <p:nvPr/>
-        </p:nvCxnSpPr>
-        <p:spPr>
-          <a:xfrm>
-            <a:off x="2720807" y="3925840"/>
-            <a:ext cx="175689" cy="5161"/>
-          </a:xfrm>
-          <a:prstGeom prst="straightConnector1">
-            <a:avLst/>
-          </a:prstGeom>
-          <a:ln>
-            <a:tailEnd type="triangle"/>
-          </a:ln>
-        </p:spPr>
-        <p:style>
-          <a:lnRef idx="2">
-            <a:schemeClr val="accent1"/>
-          </a:lnRef>
-          <a:fillRef idx="0">
-            <a:schemeClr val="accent1"/>
-          </a:fillRef>
-          <a:effectRef idx="1">
-            <a:schemeClr val="accent1"/>
-          </a:effectRef>
-          <a:fontRef idx="minor">
-            <a:schemeClr val="tx1"/>
-          </a:fontRef>
-        </p:style>
-      </p:cxnSp>
-      <p:sp>
-        <p:nvSpPr>
-          <p:cNvPr id="34" name="Rectangle 33">
-            <a:extLst>
-              <a:ext uri="{FF2B5EF4-FFF2-40B4-BE49-F238E27FC236}">
-                <a16:creationId xmlns:a16="http://schemas.microsoft.com/office/drawing/2014/main" id="{BE69C9C8-217B-7AB5-687A-24B6A4B4F27F}"/>
+              <a:rPr lang="en-US" sz="900" dirty="0"/>
+              <a:t>Make move and find next winning move</a:t>
+            </a:r>
+            <a:endParaRPr lang="en-GB" sz="900" dirty="0"/>
+          </a:p>
+        </p:txBody>
+      </p:sp>
+      <p:sp>
+        <p:nvSpPr>
+          <p:cNvPr id="40" name="Diamond 39">
+            <a:extLst>
+              <a:ext uri="{FF2B5EF4-FFF2-40B4-BE49-F238E27FC236}">
+                <a16:creationId xmlns:a16="http://schemas.microsoft.com/office/drawing/2014/main" id="{2D3850C9-F49A-10A8-9423-C6318A8CC51F}"/>
               </a:ext>
             </a:extLst>
           </p:cNvPr>
@@ -6393,17 +6435,14 @@
         </p:nvSpPr>
         <p:spPr>
           <a:xfrm>
-            <a:off x="526626" y="4956834"/>
-            <a:ext cx="1011442" cy="450850"/>
-          </a:xfrm>
-          <a:prstGeom prst="rect">
+            <a:off x="5449554" y="703423"/>
+            <a:ext cx="1033060" cy="724614"/>
+          </a:xfrm>
+          <a:prstGeom prst="diamond">
             <a:avLst/>
           </a:prstGeom>
           <a:solidFill>
-            <a:schemeClr val="tx2">
-              <a:lumMod val="50000"/>
-              <a:lumOff val="50000"/>
-            </a:schemeClr>
+            <a:srgbClr val="FFFF00"/>
           </a:solidFill>
         </p:spPr>
         <p:style>
@@ -6428,169 +6467,14 @@
           <a:p>
             <a:pPr algn="ctr"/>
             <a:r>
-              <a:rPr lang="en-US" sz="1100" dirty="0"/>
-              <a:t>Exit / </a:t>
-            </a:r>
-            <a:r>
-              <a:rPr lang="en-US" sz="1100" dirty="0" err="1"/>
-              <a:t>Backpressed</a:t>
-            </a:r>
-            <a:endParaRPr lang="en-GB" sz="1100" dirty="0"/>
-          </a:p>
-        </p:txBody>
-      </p:sp>
-      <p:cxnSp>
-        <p:nvCxnSpPr>
-          <p:cNvPr id="35" name="Straight Arrow Connector 34">
-            <a:extLst>
-              <a:ext uri="{FF2B5EF4-FFF2-40B4-BE49-F238E27FC236}">
-                <a16:creationId xmlns:a16="http://schemas.microsoft.com/office/drawing/2014/main" id="{4352139A-EC59-A98A-C8FC-55DC4FF44395}"/>
-              </a:ext>
-            </a:extLst>
-          </p:cNvPr>
-          <p:cNvCxnSpPr>
-            <a:cxnSpLocks/>
-            <a:endCxn id="34" idx="0"/>
-          </p:cNvCxnSpPr>
-          <p:nvPr/>
-        </p:nvCxnSpPr>
-        <p:spPr>
-          <a:xfrm flipH="1">
-            <a:off x="1032347" y="4284104"/>
-            <a:ext cx="625575" cy="672730"/>
-          </a:xfrm>
-          <a:prstGeom prst="straightConnector1">
-            <a:avLst/>
-          </a:prstGeom>
-          <a:ln>
-            <a:tailEnd type="triangle"/>
-          </a:ln>
-        </p:spPr>
-        <p:style>
-          <a:lnRef idx="2">
-            <a:schemeClr val="accent1"/>
-          </a:lnRef>
-          <a:fillRef idx="0">
-            <a:schemeClr val="accent1"/>
-          </a:fillRef>
-          <a:effectRef idx="1">
-            <a:schemeClr val="accent1"/>
-          </a:effectRef>
-          <a:fontRef idx="minor">
-            <a:schemeClr val="tx1"/>
-          </a:fontRef>
-        </p:style>
-      </p:cxnSp>
-      <p:sp>
-        <p:nvSpPr>
-          <p:cNvPr id="39" name="Rectangle 38">
-            <a:extLst>
-              <a:ext uri="{FF2B5EF4-FFF2-40B4-BE49-F238E27FC236}">
-                <a16:creationId xmlns:a16="http://schemas.microsoft.com/office/drawing/2014/main" id="{A488A4E3-E4C7-26AC-CBCE-BA603022E177}"/>
-              </a:ext>
-            </a:extLst>
-          </p:cNvPr>
-          <p:cNvSpPr/>
-          <p:nvPr/>
-        </p:nvSpPr>
-        <p:spPr>
-          <a:xfrm>
-            <a:off x="4493143" y="2404091"/>
-            <a:ext cx="1520974" cy="450850"/>
-          </a:xfrm>
-          <a:prstGeom prst="rect">
-            <a:avLst/>
-          </a:prstGeom>
-          <a:solidFill>
-            <a:schemeClr val="tx2">
-              <a:lumMod val="50000"/>
-              <a:lumOff val="50000"/>
-            </a:schemeClr>
-          </a:solidFill>
-        </p:spPr>
-        <p:style>
-          <a:lnRef idx="2">
-            <a:schemeClr val="accent1">
-              <a:shade val="15000"/>
-            </a:schemeClr>
-          </a:lnRef>
-          <a:fillRef idx="1">
-            <a:schemeClr val="accent1"/>
-          </a:fillRef>
-          <a:effectRef idx="0">
-            <a:schemeClr val="accent1"/>
-          </a:effectRef>
-          <a:fontRef idx="minor">
-            <a:schemeClr val="lt1"/>
-          </a:fontRef>
-        </p:style>
-        <p:txBody>
-          <a:bodyPr rtlCol="0" anchor="ctr"/>
-          <a:lstStyle/>
-          <a:p>
-            <a:pPr algn="ctr"/>
-            <a:r>
-              <a:rPr lang="en-US" sz="1100" dirty="0"/>
-              <a:t>Make move and find next winning move</a:t>
-            </a:r>
-            <a:endParaRPr lang="en-GB" sz="1100" dirty="0"/>
-          </a:p>
-        </p:txBody>
-      </p:sp>
-      <p:sp>
-        <p:nvSpPr>
-          <p:cNvPr id="40" name="Diamond 39">
-            <a:extLst>
-              <a:ext uri="{FF2B5EF4-FFF2-40B4-BE49-F238E27FC236}">
-                <a16:creationId xmlns:a16="http://schemas.microsoft.com/office/drawing/2014/main" id="{2D3850C9-F49A-10A8-9423-C6318A8CC51F}"/>
-              </a:ext>
-            </a:extLst>
-          </p:cNvPr>
-          <p:cNvSpPr/>
-          <p:nvPr/>
-        </p:nvSpPr>
-        <p:spPr>
-          <a:xfrm>
-            <a:off x="4737100" y="1476361"/>
-            <a:ext cx="1033060" cy="724614"/>
-          </a:xfrm>
-          <a:prstGeom prst="diamond">
-            <a:avLst/>
-          </a:prstGeom>
-          <a:solidFill>
-            <a:srgbClr val="FFFF00"/>
-          </a:solidFill>
-        </p:spPr>
-        <p:style>
-          <a:lnRef idx="2">
-            <a:schemeClr val="accent1">
-              <a:shade val="15000"/>
-            </a:schemeClr>
-          </a:lnRef>
-          <a:fillRef idx="1">
-            <a:schemeClr val="accent1"/>
-          </a:fillRef>
-          <a:effectRef idx="0">
-            <a:schemeClr val="accent1"/>
-          </a:effectRef>
-          <a:fontRef idx="minor">
-            <a:schemeClr val="lt1"/>
-          </a:fontRef>
-        </p:style>
-        <p:txBody>
-          <a:bodyPr rtlCol="0" anchor="ctr"/>
-          <a:lstStyle/>
-          <a:p>
-            <a:pPr algn="ctr"/>
-            <a:r>
-              <a:rPr lang="en-US" sz="1050" dirty="0">
+              <a:rPr lang="en-US" sz="800" dirty="0">
                 <a:solidFill>
                   <a:schemeClr val="tx1"/>
                 </a:solidFill>
               </a:rPr>
               <a:t>One ball left?</a:t>
             </a:r>
-            <a:endParaRPr lang="en-GB" sz="1050" dirty="0">
+            <a:endParaRPr lang="en-GB" sz="800" dirty="0">
               <a:solidFill>
                 <a:schemeClr val="tx1"/>
               </a:solidFill>
@@ -6616,7 +6500,7 @@
         </p:nvCxnSpPr>
         <p:spPr>
           <a:xfrm rot="10800000" flipV="1">
-            <a:off x="2025337" y="1829794"/>
+            <a:off x="2737791" y="1056856"/>
             <a:ext cx="695470" cy="1727839"/>
           </a:xfrm>
           <a:prstGeom prst="bentConnector2">
@@ -6655,8 +6539,8 @@
         </p:nvSpPr>
         <p:spPr>
           <a:xfrm>
-            <a:off x="4457104" y="1567377"/>
-            <a:ext cx="264752" cy="215444"/>
+            <a:off x="5169558" y="794439"/>
+            <a:ext cx="208390" cy="161583"/>
           </a:xfrm>
           <a:prstGeom prst="rect">
             <a:avLst/>
@@ -6670,10 +6554,10 @@
           <a:lstStyle/>
           <a:p>
             <a:r>
-              <a:rPr lang="en-US" sz="1400" dirty="0"/>
+              <a:rPr lang="en-US" sz="1050" dirty="0"/>
               <a:t>Yes</a:t>
             </a:r>
-            <a:endParaRPr lang="en-GB" sz="1400" dirty="0"/>
+            <a:endParaRPr lang="en-GB" sz="1050" dirty="0"/>
           </a:p>
         </p:txBody>
       </p:sp>
@@ -6691,8 +6575,8 @@
         </p:nvSpPr>
         <p:spPr>
           <a:xfrm>
-            <a:off x="5398883" y="2144157"/>
-            <a:ext cx="226024" cy="215444"/>
+            <a:off x="6111337" y="1371219"/>
+            <a:ext cx="168316" cy="161583"/>
           </a:xfrm>
           <a:prstGeom prst="rect">
             <a:avLst/>
@@ -6706,10 +6590,10 @@
           <a:lstStyle/>
           <a:p>
             <a:r>
-              <a:rPr lang="en-US" sz="1400" dirty="0"/>
+              <a:rPr lang="en-US" sz="1050" dirty="0"/>
               <a:t>No</a:t>
             </a:r>
-            <a:endParaRPr lang="en-GB" sz="1400" dirty="0"/>
+            <a:endParaRPr lang="en-GB" sz="1050" dirty="0"/>
           </a:p>
         </p:txBody>
       </p:sp>
@@ -6731,7 +6615,7 @@
         </p:nvCxnSpPr>
         <p:spPr>
           <a:xfrm>
-            <a:off x="5253630" y="2200975"/>
+            <a:off x="5966084" y="1428037"/>
             <a:ext cx="0" cy="203116"/>
           </a:xfrm>
           <a:prstGeom prst="straightConnector1">
@@ -6774,7 +6658,7 @@
         </p:nvCxnSpPr>
         <p:spPr>
           <a:xfrm flipH="1">
-            <a:off x="5251370" y="2854941"/>
+            <a:off x="5963824" y="2082003"/>
             <a:ext cx="2260" cy="154208"/>
           </a:xfrm>
           <a:prstGeom prst="straightConnector1">
@@ -6813,7 +6697,7 @@
         </p:nvSpPr>
         <p:spPr>
           <a:xfrm>
-            <a:off x="2720807" y="1633411"/>
+            <a:off x="3433261" y="860473"/>
             <a:ext cx="834742" cy="392768"/>
           </a:xfrm>
           <a:prstGeom prst="roundRect">
@@ -6845,14 +6729,14 @@
           <a:p>
             <a:pPr algn="ctr"/>
             <a:r>
-              <a:rPr lang="en-US" sz="1100" dirty="0">
+              <a:rPr lang="en-US" sz="900" dirty="0">
                 <a:solidFill>
                   <a:schemeClr val="tx1"/>
                 </a:solidFill>
               </a:rPr>
               <a:t>Victory Message</a:t>
             </a:r>
-            <a:endParaRPr lang="en-GB" sz="1100" dirty="0">
+            <a:endParaRPr lang="en-GB" sz="900" dirty="0">
               <a:solidFill>
                 <a:schemeClr val="tx1"/>
               </a:solidFill>
@@ -6878,7 +6762,7 @@
         </p:nvCxnSpPr>
         <p:spPr>
           <a:xfrm flipH="1" flipV="1">
-            <a:off x="3555549" y="1829795"/>
+            <a:off x="4268003" y="1056857"/>
             <a:ext cx="1181551" cy="8873"/>
           </a:xfrm>
           <a:prstGeom prst="straightConnector1">
@@ -6917,7 +6801,7 @@
         </p:nvSpPr>
         <p:spPr>
           <a:xfrm>
-            <a:off x="4721856" y="3009149"/>
+            <a:off x="5434310" y="2236211"/>
             <a:ext cx="1059027" cy="253861"/>
           </a:xfrm>
           <a:prstGeom prst="roundRect">
@@ -6949,14 +6833,14 @@
           <a:p>
             <a:pPr algn="ctr"/>
             <a:r>
-              <a:rPr lang="en-US" sz="1100" dirty="0">
+              <a:rPr lang="en-US" sz="900" dirty="0">
                 <a:solidFill>
                   <a:schemeClr val="tx1"/>
                 </a:solidFill>
               </a:rPr>
               <a:t>Move the ball</a:t>
             </a:r>
-            <a:endParaRPr lang="en-GB" sz="1100" dirty="0">
+            <a:endParaRPr lang="en-GB" sz="900" dirty="0">
               <a:solidFill>
                 <a:schemeClr val="tx1"/>
               </a:solidFill>
@@ -6982,7 +6866,7 @@
         </p:nvCxnSpPr>
         <p:spPr>
           <a:xfrm rot="5400000">
-            <a:off x="4122892" y="2565236"/>
+            <a:off x="4835346" y="1792298"/>
             <a:ext cx="430704" cy="1826252"/>
           </a:xfrm>
           <a:prstGeom prst="bentConnector3">
@@ -7023,8 +6907,8 @@
         </p:nvSpPr>
         <p:spPr>
           <a:xfrm>
-            <a:off x="2981887" y="4187179"/>
-            <a:ext cx="886461" cy="92333"/>
+            <a:off x="3694341" y="3414241"/>
+            <a:ext cx="440826" cy="46166"/>
           </a:xfrm>
           <a:prstGeom prst="rect">
             <a:avLst/>
@@ -7038,13 +6922,772 @@
           <a:lstStyle/>
           <a:p>
             <a:r>
-              <a:rPr lang="en-US" sz="600" dirty="0"/>
+              <a:rPr lang="en-US" sz="300" dirty="0"/>
               <a:t>Human &amp; Computer driven</a:t>
             </a:r>
-            <a:endParaRPr lang="en-GB" sz="600" dirty="0"/>
-          </a:p>
-        </p:txBody>
-      </p:sp>
+            <a:endParaRPr lang="en-GB" sz="300" dirty="0"/>
+          </a:p>
+        </p:txBody>
+      </p:sp>
+      <p:sp>
+        <p:nvSpPr>
+          <p:cNvPr id="6" name="Rectangle: Rounded Corners 5">
+            <a:extLst>
+              <a:ext uri="{FF2B5EF4-FFF2-40B4-BE49-F238E27FC236}">
+                <a16:creationId xmlns:a16="http://schemas.microsoft.com/office/drawing/2014/main" id="{A2A8601D-DCF1-A300-B55C-FABD1E96FEFC}"/>
+              </a:ext>
+            </a:extLst>
+          </p:cNvPr>
+          <p:cNvSpPr/>
+          <p:nvPr/>
+        </p:nvSpPr>
+        <p:spPr>
+          <a:xfrm>
+            <a:off x="187042" y="2948096"/>
+            <a:ext cx="724013" cy="392768"/>
+          </a:xfrm>
+          <a:prstGeom prst="roundRect">
+            <a:avLst/>
+          </a:prstGeom>
+          <a:solidFill>
+            <a:schemeClr val="accent2"/>
+          </a:solidFill>
+        </p:spPr>
+        <p:style>
+          <a:lnRef idx="2">
+            <a:schemeClr val="accent1">
+              <a:shade val="15000"/>
+            </a:schemeClr>
+          </a:lnRef>
+          <a:fillRef idx="1">
+            <a:schemeClr val="accent1"/>
+          </a:fillRef>
+          <a:effectRef idx="0">
+            <a:schemeClr val="accent1"/>
+          </a:effectRef>
+          <a:fontRef idx="minor">
+            <a:schemeClr val="lt1"/>
+          </a:fontRef>
+        </p:style>
+        <p:txBody>
+          <a:bodyPr rtlCol="0" anchor="ctr"/>
+          <a:lstStyle/>
+          <a:p>
+            <a:pPr algn="ctr"/>
+            <a:r>
+              <a:rPr lang="en-US" sz="900" dirty="0">
+                <a:solidFill>
+                  <a:schemeClr val="tx1"/>
+                </a:solidFill>
+              </a:rPr>
+              <a:t>Navigate to Solver Screen</a:t>
+            </a:r>
+            <a:endParaRPr lang="en-GB" sz="900" dirty="0">
+              <a:solidFill>
+                <a:schemeClr val="tx1"/>
+              </a:solidFill>
+            </a:endParaRPr>
+          </a:p>
+        </p:txBody>
+      </p:sp>
+      <p:grpSp>
+        <p:nvGrpSpPr>
+          <p:cNvPr id="23" name="Group 22">
+            <a:extLst>
+              <a:ext uri="{FF2B5EF4-FFF2-40B4-BE49-F238E27FC236}">
+                <a16:creationId xmlns:a16="http://schemas.microsoft.com/office/drawing/2014/main" id="{DA83835D-FF08-8D48-4FB6-0D4CBC0580E6}"/>
+              </a:ext>
+            </a:extLst>
+          </p:cNvPr>
+          <p:cNvGrpSpPr/>
+          <p:nvPr/>
+        </p:nvGrpSpPr>
+        <p:grpSpPr>
+          <a:xfrm>
+            <a:off x="1110424" y="2959899"/>
+            <a:ext cx="671109" cy="372604"/>
+            <a:chOff x="975820" y="3732837"/>
+            <a:chExt cx="671109" cy="372604"/>
+          </a:xfrm>
+        </p:grpSpPr>
+        <p:sp>
+          <p:nvSpPr>
+            <p:cNvPr id="7" name="Rectangle 6">
+              <a:extLst>
+                <a:ext uri="{FF2B5EF4-FFF2-40B4-BE49-F238E27FC236}">
+                  <a16:creationId xmlns:a16="http://schemas.microsoft.com/office/drawing/2014/main" id="{A783A18B-4AAA-11EE-997B-EF0CD4647CF8}"/>
+                </a:ext>
+              </a:extLst>
+            </p:cNvPr>
+            <p:cNvSpPr/>
+            <p:nvPr/>
+          </p:nvSpPr>
+          <p:spPr>
+            <a:xfrm>
+              <a:off x="978902" y="3732837"/>
+              <a:ext cx="668027" cy="372604"/>
+            </a:xfrm>
+            <a:prstGeom prst="rect">
+              <a:avLst/>
+            </a:prstGeom>
+            <a:solidFill>
+              <a:schemeClr val="tx2">
+                <a:lumMod val="50000"/>
+                <a:lumOff val="50000"/>
+              </a:schemeClr>
+            </a:solidFill>
+          </p:spPr>
+          <p:style>
+            <a:lnRef idx="2">
+              <a:schemeClr val="accent1">
+                <a:shade val="15000"/>
+              </a:schemeClr>
+            </a:lnRef>
+            <a:fillRef idx="1">
+              <a:schemeClr val="accent1"/>
+            </a:fillRef>
+            <a:effectRef idx="0">
+              <a:schemeClr val="accent1"/>
+            </a:effectRef>
+            <a:fontRef idx="minor">
+              <a:schemeClr val="lt1"/>
+            </a:fontRef>
+          </p:style>
+          <p:txBody>
+            <a:bodyPr lIns="182880" tIns="0" rIns="0" bIns="0" rtlCol="0" anchor="ctr"/>
+            <a:lstStyle/>
+            <a:p>
+              <a:pPr algn="ctr"/>
+              <a:r>
+                <a:rPr lang="en-US" sz="900" dirty="0">
+                  <a:solidFill>
+                    <a:schemeClr val="tx1"/>
+                  </a:solidFill>
+                </a:rPr>
+                <a:t>Start Game</a:t>
+              </a:r>
+              <a:endParaRPr lang="en-GB" sz="900" dirty="0">
+                <a:solidFill>
+                  <a:schemeClr val="tx1"/>
+                </a:solidFill>
+              </a:endParaRPr>
+            </a:p>
+          </p:txBody>
+        </p:sp>
+        <p:pic>
+          <p:nvPicPr>
+            <p:cNvPr id="19" name="Graphic 18" descr="User with solid fill">
+              <a:extLst>
+                <a:ext uri="{FF2B5EF4-FFF2-40B4-BE49-F238E27FC236}">
+                  <a16:creationId xmlns:a16="http://schemas.microsoft.com/office/drawing/2014/main" id="{E32B821F-00DB-78C6-E33A-04E5C12B7166}"/>
+                </a:ext>
+              </a:extLst>
+            </p:cNvPr>
+            <p:cNvPicPr>
+              <a:picLocks noChangeAspect="1"/>
+            </p:cNvPicPr>
+            <p:nvPr/>
+          </p:nvPicPr>
+          <p:blipFill>
+            <a:blip r:embed="rId2">
+              <a:extLst>
+                <a:ext uri="{96DAC541-7B7A-43D3-8B79-37D633B846F1}">
+                  <asvg:svgBlip xmlns:asvg="http://schemas.microsoft.com/office/drawing/2016/SVG/main" r:embed="rId3"/>
+                </a:ext>
+              </a:extLst>
+            </a:blip>
+            <a:stretch>
+              <a:fillRect/>
+            </a:stretch>
+          </p:blipFill>
+          <p:spPr>
+            <a:xfrm>
+              <a:off x="975820" y="3773461"/>
+              <a:ext cx="291356" cy="291356"/>
+            </a:xfrm>
+            <a:prstGeom prst="rect">
+              <a:avLst/>
+            </a:prstGeom>
+          </p:spPr>
+        </p:pic>
+      </p:grpSp>
+      <p:cxnSp>
+        <p:nvCxnSpPr>
+          <p:cNvPr id="24" name="Straight Arrow Connector 23">
+            <a:extLst>
+              <a:ext uri="{FF2B5EF4-FFF2-40B4-BE49-F238E27FC236}">
+                <a16:creationId xmlns:a16="http://schemas.microsoft.com/office/drawing/2014/main" id="{48AE6D95-771A-CF12-9214-343ACBB9B610}"/>
+              </a:ext>
+            </a:extLst>
+          </p:cNvPr>
+          <p:cNvCxnSpPr>
+            <a:cxnSpLocks/>
+            <a:stCxn id="6" idx="3"/>
+            <a:endCxn id="7" idx="1"/>
+          </p:cNvCxnSpPr>
+          <p:nvPr/>
+        </p:nvCxnSpPr>
+        <p:spPr>
+          <a:xfrm>
+            <a:off x="911055" y="3144480"/>
+            <a:ext cx="202451" cy="1721"/>
+          </a:xfrm>
+          <a:prstGeom prst="straightConnector1">
+            <a:avLst/>
+          </a:prstGeom>
+          <a:ln>
+            <a:tailEnd type="triangle"/>
+          </a:ln>
+        </p:spPr>
+        <p:style>
+          <a:lnRef idx="2">
+            <a:schemeClr val="accent1"/>
+          </a:lnRef>
+          <a:fillRef idx="0">
+            <a:schemeClr val="accent1"/>
+          </a:fillRef>
+          <a:effectRef idx="1">
+            <a:schemeClr val="accent1"/>
+          </a:effectRef>
+          <a:fontRef idx="minor">
+            <a:schemeClr val="tx1"/>
+          </a:fontRef>
+        </p:style>
+      </p:cxnSp>
+      <p:grpSp>
+        <p:nvGrpSpPr>
+          <p:cNvPr id="37" name="Group 36">
+            <a:extLst>
+              <a:ext uri="{FF2B5EF4-FFF2-40B4-BE49-F238E27FC236}">
+                <a16:creationId xmlns:a16="http://schemas.microsoft.com/office/drawing/2014/main" id="{CCBF82CF-8FF9-0834-EC6A-BB3A6F434365}"/>
+              </a:ext>
+            </a:extLst>
+          </p:cNvPr>
+          <p:cNvGrpSpPr/>
+          <p:nvPr/>
+        </p:nvGrpSpPr>
+        <p:grpSpPr>
+          <a:xfrm>
+            <a:off x="1242736" y="1655872"/>
+            <a:ext cx="978524" cy="372604"/>
+            <a:chOff x="441412" y="4877603"/>
+            <a:chExt cx="978524" cy="372604"/>
+          </a:xfrm>
+        </p:grpSpPr>
+        <p:sp>
+          <p:nvSpPr>
+            <p:cNvPr id="32" name="Rectangle 31">
+              <a:extLst>
+                <a:ext uri="{FF2B5EF4-FFF2-40B4-BE49-F238E27FC236}">
+                  <a16:creationId xmlns:a16="http://schemas.microsoft.com/office/drawing/2014/main" id="{C6E25DEC-B9A2-6139-01FE-F9176DD6FF7D}"/>
+                </a:ext>
+              </a:extLst>
+            </p:cNvPr>
+            <p:cNvSpPr/>
+            <p:nvPr/>
+          </p:nvSpPr>
+          <p:spPr>
+            <a:xfrm>
+              <a:off x="441878" y="4877603"/>
+              <a:ext cx="978058" cy="372604"/>
+            </a:xfrm>
+            <a:prstGeom prst="rect">
+              <a:avLst/>
+            </a:prstGeom>
+            <a:solidFill>
+              <a:schemeClr val="tx2">
+                <a:lumMod val="50000"/>
+                <a:lumOff val="50000"/>
+              </a:schemeClr>
+            </a:solidFill>
+          </p:spPr>
+          <p:style>
+            <a:lnRef idx="2">
+              <a:schemeClr val="accent1">
+                <a:shade val="15000"/>
+              </a:schemeClr>
+            </a:lnRef>
+            <a:fillRef idx="1">
+              <a:schemeClr val="accent1"/>
+            </a:fillRef>
+            <a:effectRef idx="0">
+              <a:schemeClr val="accent1"/>
+            </a:effectRef>
+            <a:fontRef idx="minor">
+              <a:schemeClr val="lt1"/>
+            </a:fontRef>
+          </p:style>
+          <p:txBody>
+            <a:bodyPr lIns="182880" tIns="0" rIns="0" bIns="0" rtlCol="0" anchor="ctr"/>
+            <a:lstStyle/>
+            <a:p>
+              <a:pPr algn="ctr"/>
+              <a:r>
+                <a:rPr lang="en-US" sz="900" dirty="0">
+                  <a:solidFill>
+                    <a:schemeClr val="tx1"/>
+                  </a:solidFill>
+                </a:rPr>
+                <a:t>Exit Screen / </a:t>
+              </a:r>
+              <a:r>
+                <a:rPr lang="en-US" sz="900" dirty="0" err="1">
+                  <a:solidFill>
+                    <a:schemeClr val="tx1"/>
+                  </a:solidFill>
+                </a:rPr>
+                <a:t>BackPressed</a:t>
+              </a:r>
+              <a:endParaRPr lang="en-GB" sz="900" dirty="0">
+                <a:solidFill>
+                  <a:schemeClr val="tx1"/>
+                </a:solidFill>
+              </a:endParaRPr>
+            </a:p>
+          </p:txBody>
+        </p:sp>
+        <p:pic>
+          <p:nvPicPr>
+            <p:cNvPr id="36" name="Graphic 35" descr="User with solid fill">
+              <a:extLst>
+                <a:ext uri="{FF2B5EF4-FFF2-40B4-BE49-F238E27FC236}">
+                  <a16:creationId xmlns:a16="http://schemas.microsoft.com/office/drawing/2014/main" id="{54314D59-3DDC-1058-1D2A-9127B133FA35}"/>
+                </a:ext>
+              </a:extLst>
+            </p:cNvPr>
+            <p:cNvPicPr>
+              <a:picLocks noChangeAspect="1"/>
+            </p:cNvPicPr>
+            <p:nvPr/>
+          </p:nvPicPr>
+          <p:blipFill>
+            <a:blip r:embed="rId2">
+              <a:extLst>
+                <a:ext uri="{96DAC541-7B7A-43D3-8B79-37D633B846F1}">
+                  <asvg:svgBlip xmlns:asvg="http://schemas.microsoft.com/office/drawing/2016/SVG/main" r:embed="rId3"/>
+                </a:ext>
+              </a:extLst>
+            </a:blip>
+            <a:stretch>
+              <a:fillRect/>
+            </a:stretch>
+          </p:blipFill>
+          <p:spPr>
+            <a:xfrm>
+              <a:off x="441412" y="4918227"/>
+              <a:ext cx="291356" cy="291356"/>
+            </a:xfrm>
+            <a:prstGeom prst="rect">
+              <a:avLst/>
+            </a:prstGeom>
+          </p:spPr>
+        </p:pic>
+      </p:grpSp>
+      <p:sp>
+        <p:nvSpPr>
+          <p:cNvPr id="41" name="Rectangle: Rounded Corners 40">
+            <a:extLst>
+              <a:ext uri="{FF2B5EF4-FFF2-40B4-BE49-F238E27FC236}">
+                <a16:creationId xmlns:a16="http://schemas.microsoft.com/office/drawing/2014/main" id="{53BF12A6-5055-019C-FFA7-6FA26FF3D368}"/>
+              </a:ext>
+            </a:extLst>
+          </p:cNvPr>
+          <p:cNvSpPr/>
+          <p:nvPr/>
+        </p:nvSpPr>
+        <p:spPr>
+          <a:xfrm>
+            <a:off x="218900" y="1642075"/>
+            <a:ext cx="724013" cy="392768"/>
+          </a:xfrm>
+          <a:prstGeom prst="roundRect">
+            <a:avLst/>
+          </a:prstGeom>
+          <a:solidFill>
+            <a:schemeClr val="accent2"/>
+          </a:solidFill>
+        </p:spPr>
+        <p:style>
+          <a:lnRef idx="2">
+            <a:schemeClr val="accent1">
+              <a:shade val="15000"/>
+            </a:schemeClr>
+          </a:lnRef>
+          <a:fillRef idx="1">
+            <a:schemeClr val="accent1"/>
+          </a:fillRef>
+          <a:effectRef idx="0">
+            <a:schemeClr val="accent1"/>
+          </a:effectRef>
+          <a:fontRef idx="minor">
+            <a:schemeClr val="lt1"/>
+          </a:fontRef>
+        </p:style>
+        <p:txBody>
+          <a:bodyPr rtlCol="0" anchor="ctr"/>
+          <a:lstStyle/>
+          <a:p>
+            <a:pPr algn="ctr"/>
+            <a:r>
+              <a:rPr lang="en-US" sz="900" dirty="0">
+                <a:solidFill>
+                  <a:schemeClr val="tx1"/>
+                </a:solidFill>
+              </a:rPr>
+              <a:t>Navigate to Home Screen</a:t>
+            </a:r>
+            <a:endParaRPr lang="en-GB" sz="900" dirty="0">
+              <a:solidFill>
+                <a:schemeClr val="tx1"/>
+              </a:solidFill>
+            </a:endParaRPr>
+          </a:p>
+        </p:txBody>
+      </p:sp>
+      <p:cxnSp>
+        <p:nvCxnSpPr>
+          <p:cNvPr id="43" name="Straight Arrow Connector 42">
+            <a:extLst>
+              <a:ext uri="{FF2B5EF4-FFF2-40B4-BE49-F238E27FC236}">
+                <a16:creationId xmlns:a16="http://schemas.microsoft.com/office/drawing/2014/main" id="{FF981641-96CA-57F1-70A0-7BDA8220B2D9}"/>
+              </a:ext>
+            </a:extLst>
+          </p:cNvPr>
+          <p:cNvCxnSpPr>
+            <a:cxnSpLocks/>
+            <a:stCxn id="32" idx="1"/>
+            <a:endCxn id="41" idx="3"/>
+          </p:cNvCxnSpPr>
+          <p:nvPr/>
+        </p:nvCxnSpPr>
+        <p:spPr>
+          <a:xfrm flipH="1" flipV="1">
+            <a:off x="942913" y="1838459"/>
+            <a:ext cx="300289" cy="3715"/>
+          </a:xfrm>
+          <a:prstGeom prst="straightConnector1">
+            <a:avLst/>
+          </a:prstGeom>
+          <a:ln>
+            <a:tailEnd type="triangle"/>
+          </a:ln>
+        </p:spPr>
+        <p:style>
+          <a:lnRef idx="2">
+            <a:schemeClr val="accent1"/>
+          </a:lnRef>
+          <a:fillRef idx="0">
+            <a:schemeClr val="accent1"/>
+          </a:fillRef>
+          <a:effectRef idx="1">
+            <a:schemeClr val="accent1"/>
+          </a:effectRef>
+          <a:fontRef idx="minor">
+            <a:schemeClr val="tx1"/>
+          </a:fontRef>
+        </p:style>
+      </p:cxnSp>
+      <p:sp>
+        <p:nvSpPr>
+          <p:cNvPr id="49" name="TextBox 48">
+            <a:extLst>
+              <a:ext uri="{FF2B5EF4-FFF2-40B4-BE49-F238E27FC236}">
+                <a16:creationId xmlns:a16="http://schemas.microsoft.com/office/drawing/2014/main" id="{6C1D2156-FA09-1420-41C3-6D6CE4F578B5}"/>
+              </a:ext>
+            </a:extLst>
+          </p:cNvPr>
+          <p:cNvSpPr txBox="1"/>
+          <p:nvPr/>
+        </p:nvSpPr>
+        <p:spPr>
+          <a:xfrm>
+            <a:off x="540855" y="4780638"/>
+            <a:ext cx="552202" cy="184666"/>
+          </a:xfrm>
+          <a:prstGeom prst="rect">
+            <a:avLst/>
+          </a:prstGeom>
+          <a:noFill/>
+        </p:spPr>
+        <p:txBody>
+          <a:bodyPr wrap="none" lIns="0" tIns="0" rIns="0" bIns="0" rtlCol="0">
+            <a:spAutoFit/>
+          </a:bodyPr>
+          <a:lstStyle/>
+          <a:p>
+            <a:r>
+              <a:rPr lang="en-US" sz="1200" b="1" dirty="0"/>
+              <a:t>Legend:</a:t>
+            </a:r>
+            <a:endParaRPr lang="en-GB" sz="1200" b="1" dirty="0"/>
+          </a:p>
+        </p:txBody>
+      </p:sp>
+      <p:sp>
+        <p:nvSpPr>
+          <p:cNvPr id="55" name="Rectangle: Rounded Corners 54">
+            <a:extLst>
+              <a:ext uri="{FF2B5EF4-FFF2-40B4-BE49-F238E27FC236}">
+                <a16:creationId xmlns:a16="http://schemas.microsoft.com/office/drawing/2014/main" id="{4C812CD3-5280-B192-25D9-AAAE8A86FC6A}"/>
+              </a:ext>
+            </a:extLst>
+          </p:cNvPr>
+          <p:cNvSpPr/>
+          <p:nvPr/>
+        </p:nvSpPr>
+        <p:spPr>
+          <a:xfrm>
+            <a:off x="751490" y="5261810"/>
+            <a:ext cx="876055" cy="151429"/>
+          </a:xfrm>
+          <a:prstGeom prst="roundRect">
+            <a:avLst/>
+          </a:prstGeom>
+          <a:solidFill>
+            <a:schemeClr val="accent2"/>
+          </a:solidFill>
+        </p:spPr>
+        <p:style>
+          <a:lnRef idx="2">
+            <a:schemeClr val="accent1">
+              <a:shade val="15000"/>
+            </a:schemeClr>
+          </a:lnRef>
+          <a:fillRef idx="1">
+            <a:schemeClr val="accent1"/>
+          </a:fillRef>
+          <a:effectRef idx="0">
+            <a:schemeClr val="accent1"/>
+          </a:effectRef>
+          <a:fontRef idx="minor">
+            <a:schemeClr val="lt1"/>
+          </a:fontRef>
+        </p:style>
+        <p:txBody>
+          <a:bodyPr lIns="0" tIns="0" rIns="0" bIns="0" rtlCol="0" anchor="ctr"/>
+          <a:lstStyle/>
+          <a:p>
+            <a:pPr algn="ctr"/>
+            <a:r>
+              <a:rPr lang="en-US" sz="700" dirty="0">
+                <a:solidFill>
+                  <a:schemeClr val="tx1"/>
+                </a:solidFill>
+              </a:rPr>
+              <a:t>Computer Action</a:t>
+            </a:r>
+            <a:endParaRPr lang="en-GB" sz="700" dirty="0">
+              <a:solidFill>
+                <a:schemeClr val="tx1"/>
+              </a:solidFill>
+            </a:endParaRPr>
+          </a:p>
+        </p:txBody>
+      </p:sp>
+      <p:sp>
+        <p:nvSpPr>
+          <p:cNvPr id="57" name="Rectangle: Rounded Corners 56">
+            <a:extLst>
+              <a:ext uri="{FF2B5EF4-FFF2-40B4-BE49-F238E27FC236}">
+                <a16:creationId xmlns:a16="http://schemas.microsoft.com/office/drawing/2014/main" id="{F08D1ACB-0A0B-193F-F36F-DA6D88E0FDCB}"/>
+              </a:ext>
+            </a:extLst>
+          </p:cNvPr>
+          <p:cNvSpPr/>
+          <p:nvPr/>
+        </p:nvSpPr>
+        <p:spPr>
+          <a:xfrm>
+            <a:off x="751490" y="5482578"/>
+            <a:ext cx="863665" cy="376316"/>
+          </a:xfrm>
+          <a:prstGeom prst="roundRect">
+            <a:avLst/>
+          </a:prstGeom>
+          <a:solidFill>
+            <a:schemeClr val="bg1"/>
+          </a:solidFill>
+        </p:spPr>
+        <p:style>
+          <a:lnRef idx="2">
+            <a:schemeClr val="accent1">
+              <a:shade val="15000"/>
+            </a:schemeClr>
+          </a:lnRef>
+          <a:fillRef idx="1">
+            <a:schemeClr val="accent1"/>
+          </a:fillRef>
+          <a:effectRef idx="0">
+            <a:schemeClr val="accent1"/>
+          </a:effectRef>
+          <a:fontRef idx="minor">
+            <a:schemeClr val="lt1"/>
+          </a:fontRef>
+        </p:style>
+        <p:txBody>
+          <a:bodyPr lIns="0" tIns="0" rIns="0" bIns="0" rtlCol="0" anchor="ctr"/>
+          <a:lstStyle/>
+          <a:p>
+            <a:pPr algn="ctr"/>
+            <a:r>
+              <a:rPr lang="en-US" sz="1000" b="1" dirty="0">
+                <a:solidFill>
+                  <a:schemeClr val="tx1"/>
+                </a:solidFill>
+              </a:rPr>
+              <a:t>State</a:t>
+            </a:r>
+          </a:p>
+          <a:p>
+            <a:pPr algn="ctr"/>
+            <a:r>
+              <a:rPr lang="en-US" sz="700" b="1" dirty="0">
+                <a:solidFill>
+                  <a:schemeClr val="tx1"/>
+                </a:solidFill>
+              </a:rPr>
+              <a:t>Sub-state</a:t>
+            </a:r>
+          </a:p>
+          <a:p>
+            <a:pPr algn="ctr"/>
+            <a:r>
+              <a:rPr lang="en-US" sz="700" dirty="0">
+                <a:solidFill>
+                  <a:schemeClr val="tx1"/>
+                </a:solidFill>
+              </a:rPr>
+              <a:t>Data Structure Info</a:t>
+            </a:r>
+            <a:endParaRPr lang="en-GB" sz="700" dirty="0">
+              <a:solidFill>
+                <a:schemeClr val="tx1"/>
+              </a:solidFill>
+            </a:endParaRPr>
+          </a:p>
+        </p:txBody>
+      </p:sp>
+      <p:grpSp>
+        <p:nvGrpSpPr>
+          <p:cNvPr id="63" name="Group 62">
+            <a:extLst>
+              <a:ext uri="{FF2B5EF4-FFF2-40B4-BE49-F238E27FC236}">
+                <a16:creationId xmlns:a16="http://schemas.microsoft.com/office/drawing/2014/main" id="{1506699D-AB78-C4AA-2204-D81FE8B2B750}"/>
+              </a:ext>
+            </a:extLst>
+          </p:cNvPr>
+          <p:cNvGrpSpPr/>
+          <p:nvPr/>
+        </p:nvGrpSpPr>
+        <p:grpSpPr>
+          <a:xfrm>
+            <a:off x="764190" y="5018649"/>
+            <a:ext cx="808313" cy="173823"/>
+            <a:chOff x="805980" y="5018649"/>
+            <a:chExt cx="808313" cy="173823"/>
+          </a:xfrm>
+        </p:grpSpPr>
+        <p:sp>
+          <p:nvSpPr>
+            <p:cNvPr id="52" name="Rectangle 51">
+              <a:extLst>
+                <a:ext uri="{FF2B5EF4-FFF2-40B4-BE49-F238E27FC236}">
+                  <a16:creationId xmlns:a16="http://schemas.microsoft.com/office/drawing/2014/main" id="{FA9691DC-D90E-D52C-A9AA-0955DD1B46E2}"/>
+                </a:ext>
+              </a:extLst>
+            </p:cNvPr>
+            <p:cNvSpPr/>
+            <p:nvPr/>
+          </p:nvSpPr>
+          <p:spPr>
+            <a:xfrm>
+              <a:off x="805980" y="5018649"/>
+              <a:ext cx="808313" cy="173823"/>
+            </a:xfrm>
+            <a:prstGeom prst="rect">
+              <a:avLst/>
+            </a:prstGeom>
+            <a:solidFill>
+              <a:schemeClr val="tx2">
+                <a:lumMod val="50000"/>
+                <a:lumOff val="50000"/>
+              </a:schemeClr>
+            </a:solidFill>
+          </p:spPr>
+          <p:style>
+            <a:lnRef idx="2">
+              <a:schemeClr val="accent1">
+                <a:shade val="15000"/>
+              </a:schemeClr>
+            </a:lnRef>
+            <a:fillRef idx="1">
+              <a:schemeClr val="accent1"/>
+            </a:fillRef>
+            <a:effectRef idx="0">
+              <a:schemeClr val="accent1"/>
+            </a:effectRef>
+            <a:fontRef idx="minor">
+              <a:schemeClr val="lt1"/>
+            </a:fontRef>
+          </p:style>
+          <p:txBody>
+            <a:bodyPr lIns="182880" tIns="0" rIns="0" bIns="0" rtlCol="0" anchor="ctr"/>
+            <a:lstStyle/>
+            <a:p>
+              <a:pPr algn="ctr"/>
+              <a:r>
+                <a:rPr lang="en-US" sz="700" dirty="0">
+                  <a:solidFill>
+                    <a:schemeClr val="tx1"/>
+                  </a:solidFill>
+                </a:rPr>
+                <a:t>User Action</a:t>
+              </a:r>
+              <a:endParaRPr lang="en-GB" sz="700" dirty="0">
+                <a:solidFill>
+                  <a:schemeClr val="tx1"/>
+                </a:solidFill>
+              </a:endParaRPr>
+            </a:p>
+          </p:txBody>
+        </p:sp>
+        <p:pic>
+          <p:nvPicPr>
+            <p:cNvPr id="61" name="Graphic 60" descr="User with solid fill">
+              <a:extLst>
+                <a:ext uri="{FF2B5EF4-FFF2-40B4-BE49-F238E27FC236}">
+                  <a16:creationId xmlns:a16="http://schemas.microsoft.com/office/drawing/2014/main" id="{E8547AC2-C3F9-150E-8391-8E4EA9FE3BD6}"/>
+                </a:ext>
+              </a:extLst>
+            </p:cNvPr>
+            <p:cNvPicPr>
+              <a:picLocks noChangeAspect="1"/>
+            </p:cNvPicPr>
+            <p:nvPr/>
+          </p:nvPicPr>
+          <p:blipFill>
+            <a:blip r:embed="rId2">
+              <a:extLst>
+                <a:ext uri="{96DAC541-7B7A-43D3-8B79-37D633B846F1}">
+                  <asvg:svgBlip xmlns:asvg="http://schemas.microsoft.com/office/drawing/2016/SVG/main" r:embed="rId3"/>
+                </a:ext>
+              </a:extLst>
+            </a:blip>
+            <a:stretch>
+              <a:fillRect/>
+            </a:stretch>
+          </p:blipFill>
+          <p:spPr>
+            <a:xfrm>
+              <a:off x="883805" y="5030804"/>
+              <a:ext cx="149512" cy="149512"/>
+            </a:xfrm>
+            <a:prstGeom prst="rect">
+              <a:avLst/>
+            </a:prstGeom>
+          </p:spPr>
+        </p:pic>
+      </p:grpSp>
     </p:spTree>
     <p:extLst>
       <p:ext uri="{BB962C8B-B14F-4D97-AF65-F5344CB8AC3E}">

--- a/Flicker.pptx
+++ b/Flicker.pptx
@@ -262,7 +262,7 @@
           <a:p>
             <a:fld id="{9BA82EC9-1B27-4AE6-A228-67888B3E2E79}" type="datetimeFigureOut">
               <a:rPr lang="en-GB" smtClean="0"/>
-              <a:t>16/07/2024</a:t>
+              <a:t>18/07/2024</a:t>
             </a:fld>
             <a:endParaRPr lang="en-GB"/>
           </a:p>
@@ -462,7 +462,7 @@
           <a:p>
             <a:fld id="{9BA82EC9-1B27-4AE6-A228-67888B3E2E79}" type="datetimeFigureOut">
               <a:rPr lang="en-GB" smtClean="0"/>
-              <a:t>16/07/2024</a:t>
+              <a:t>18/07/2024</a:t>
             </a:fld>
             <a:endParaRPr lang="en-GB"/>
           </a:p>
@@ -672,7 +672,7 @@
           <a:p>
             <a:fld id="{9BA82EC9-1B27-4AE6-A228-67888B3E2E79}" type="datetimeFigureOut">
               <a:rPr lang="en-GB" smtClean="0"/>
-              <a:t>16/07/2024</a:t>
+              <a:t>18/07/2024</a:t>
             </a:fld>
             <a:endParaRPr lang="en-GB"/>
           </a:p>
@@ -872,7 +872,7 @@
           <a:p>
             <a:fld id="{9BA82EC9-1B27-4AE6-A228-67888B3E2E79}" type="datetimeFigureOut">
               <a:rPr lang="en-GB" smtClean="0"/>
-              <a:t>16/07/2024</a:t>
+              <a:t>18/07/2024</a:t>
             </a:fld>
             <a:endParaRPr lang="en-GB"/>
           </a:p>
@@ -1148,7 +1148,7 @@
           <a:p>
             <a:fld id="{9BA82EC9-1B27-4AE6-A228-67888B3E2E79}" type="datetimeFigureOut">
               <a:rPr lang="en-GB" smtClean="0"/>
-              <a:t>16/07/2024</a:t>
+              <a:t>18/07/2024</a:t>
             </a:fld>
             <a:endParaRPr lang="en-GB"/>
           </a:p>
@@ -1416,7 +1416,7 @@
           <a:p>
             <a:fld id="{9BA82EC9-1B27-4AE6-A228-67888B3E2E79}" type="datetimeFigureOut">
               <a:rPr lang="en-GB" smtClean="0"/>
-              <a:t>16/07/2024</a:t>
+              <a:t>18/07/2024</a:t>
             </a:fld>
             <a:endParaRPr lang="en-GB"/>
           </a:p>
@@ -1831,7 +1831,7 @@
           <a:p>
             <a:fld id="{9BA82EC9-1B27-4AE6-A228-67888B3E2E79}" type="datetimeFigureOut">
               <a:rPr lang="en-GB" smtClean="0"/>
-              <a:t>16/07/2024</a:t>
+              <a:t>18/07/2024</a:t>
             </a:fld>
             <a:endParaRPr lang="en-GB"/>
           </a:p>
@@ -1973,7 +1973,7 @@
           <a:p>
             <a:fld id="{9BA82EC9-1B27-4AE6-A228-67888B3E2E79}" type="datetimeFigureOut">
               <a:rPr lang="en-GB" smtClean="0"/>
-              <a:t>16/07/2024</a:t>
+              <a:t>18/07/2024</a:t>
             </a:fld>
             <a:endParaRPr lang="en-GB"/>
           </a:p>
@@ -2086,7 +2086,7 @@
           <a:p>
             <a:fld id="{9BA82EC9-1B27-4AE6-A228-67888B3E2E79}" type="datetimeFigureOut">
               <a:rPr lang="en-GB" smtClean="0"/>
-              <a:t>16/07/2024</a:t>
+              <a:t>18/07/2024</a:t>
             </a:fld>
             <a:endParaRPr lang="en-GB"/>
           </a:p>
@@ -2399,7 +2399,7 @@
           <a:p>
             <a:fld id="{9BA82EC9-1B27-4AE6-A228-67888B3E2E79}" type="datetimeFigureOut">
               <a:rPr lang="en-GB" smtClean="0"/>
-              <a:t>16/07/2024</a:t>
+              <a:t>18/07/2024</a:t>
             </a:fld>
             <a:endParaRPr lang="en-GB"/>
           </a:p>
@@ -2688,7 +2688,7 @@
           <a:p>
             <a:fld id="{9BA82EC9-1B27-4AE6-A228-67888B3E2E79}" type="datetimeFigureOut">
               <a:rPr lang="en-GB" smtClean="0"/>
-              <a:t>16/07/2024</a:t>
+              <a:t>18/07/2024</a:t>
             </a:fld>
             <a:endParaRPr lang="en-GB"/>
           </a:p>
@@ -2931,7 +2931,7 @@
           <a:p>
             <a:fld id="{9BA82EC9-1B27-4AE6-A228-67888B3E2E79}" type="datetimeFigureOut">
               <a:rPr lang="en-GB" smtClean="0"/>
-              <a:t>16/07/2024</a:t>
+              <a:t>18/07/2024</a:t>
             </a:fld>
             <a:endParaRPr lang="en-GB"/>
           </a:p>
@@ -5295,8 +5295,8 @@
         </p:nvSpPr>
         <p:spPr>
           <a:xfrm>
-            <a:off x="2042320" y="2784696"/>
-            <a:ext cx="1390941" cy="733331"/>
+            <a:off x="2163021" y="3024839"/>
+            <a:ext cx="1149538" cy="733331"/>
           </a:xfrm>
           <a:prstGeom prst="roundRect">
             <a:avLst/>
@@ -5335,22 +5335,6 @@
               <a:t>Idle</a:t>
             </a:r>
           </a:p>
-          <a:p>
-            <a:pPr algn="ctr"/>
-            <a:r>
-              <a:rPr lang="en-US" sz="900" b="1" dirty="0">
-                <a:solidFill>
-                  <a:schemeClr val="tx1"/>
-                </a:solidFill>
-              </a:rPr>
-              <a:t>Waiting for User</a:t>
-            </a:r>
-            <a:endParaRPr lang="en-GB" sz="900" b="1" dirty="0">
-              <a:solidFill>
-                <a:schemeClr val="tx1"/>
-              </a:solidFill>
-            </a:endParaRPr>
-          </a:p>
         </p:txBody>
       </p:sp>
       <p:sp>
@@ -5367,8 +5351,8 @@
         </p:nvSpPr>
         <p:spPr>
           <a:xfrm>
-            <a:off x="4841883" y="2784696"/>
-            <a:ext cx="2250331" cy="733331"/>
+            <a:off x="6313294" y="3024839"/>
+            <a:ext cx="1154775" cy="733331"/>
           </a:xfrm>
           <a:prstGeom prst="roundRect">
             <a:avLst/>
@@ -5404,39 +5388,7 @@
                   <a:schemeClr val="tx1"/>
                 </a:solidFill>
               </a:rPr>
-              <a:t>Active</a:t>
-            </a:r>
-          </a:p>
-          <a:p>
-            <a:r>
-              <a:rPr lang="en-US" sz="900" dirty="0">
-                <a:solidFill>
-                  <a:schemeClr val="tx1"/>
-                </a:solidFill>
-              </a:rPr>
-              <a:t>Data Structure:</a:t>
-            </a:r>
-          </a:p>
-          <a:p>
-            <a:pPr marL="171450" indent="-171450">
-              <a:buFont typeface="Arial" panose="020B0604020202020204" pitchFamily="34" charset="0"/>
-              <a:buChar char="•"/>
-            </a:pPr>
-            <a:r>
-              <a:rPr lang="en-US" sz="900" dirty="0" err="1">
-                <a:solidFill>
-                  <a:schemeClr val="tx1"/>
-                </a:solidFill>
-              </a:rPr>
-              <a:t>ProgressLevel</a:t>
-            </a:r>
-            <a:r>
-              <a:rPr lang="en-US" sz="900" dirty="0">
-                <a:solidFill>
-                  <a:schemeClr val="tx1"/>
-                </a:solidFill>
-              </a:rPr>
-              <a:t> – Thinking progress level</a:t>
+              <a:t>Thinking</a:t>
             </a:r>
           </a:p>
         </p:txBody>
@@ -5452,15 +5404,15 @@
           </p:cNvPr>
           <p:cNvCxnSpPr>
             <a:cxnSpLocks/>
-            <a:stCxn id="28" idx="3"/>
+            <a:stCxn id="71" idx="3"/>
             <a:endCxn id="5" idx="1"/>
           </p:cNvCxnSpPr>
           <p:nvPr/>
         </p:nvCxnSpPr>
         <p:spPr>
           <a:xfrm>
-            <a:off x="4666194" y="3146201"/>
-            <a:ext cx="175689" cy="5161"/>
+            <a:off x="5968874" y="3389543"/>
+            <a:ext cx="344420" cy="1962"/>
           </a:xfrm>
           <a:prstGeom prst="straightConnector1">
             <a:avLst/>
@@ -5498,8 +5450,8 @@
         </p:nvSpPr>
         <p:spPr>
           <a:xfrm>
-            <a:off x="7928695" y="1304454"/>
-            <a:ext cx="3835651" cy="1883121"/>
+            <a:off x="7928695" y="1778749"/>
+            <a:ext cx="3835651" cy="1414816"/>
           </a:xfrm>
           <a:prstGeom prst="roundRect">
             <a:avLst/>
@@ -5535,7 +5487,7 @@
                   <a:schemeClr val="tx1"/>
                 </a:solidFill>
               </a:rPr>
-              <a:t>Idle</a:t>
+              <a:t>Idle Found Solution</a:t>
             </a:r>
           </a:p>
           <a:p>
@@ -5653,8 +5605,8 @@
         </p:nvSpPr>
         <p:spPr>
           <a:xfrm>
-            <a:off x="8004897" y="3518027"/>
-            <a:ext cx="3835651" cy="1545878"/>
+            <a:off x="8004897" y="3950389"/>
+            <a:ext cx="3835651" cy="1161441"/>
           </a:xfrm>
           <a:prstGeom prst="roundRect">
             <a:avLst/>
@@ -5690,26 +5642,18 @@
                   <a:schemeClr val="tx1"/>
                 </a:solidFill>
               </a:rPr>
-              <a:t>Idle</a:t>
+              <a:t>Idle No Solution</a:t>
             </a:r>
           </a:p>
           <a:p>
             <a:pPr algn="ctr"/>
-            <a:r>
-              <a:rPr lang="en-US" sz="900" b="1" dirty="0" err="1">
-                <a:solidFill>
-                  <a:schemeClr val="tx1"/>
-                </a:solidFill>
-              </a:rPr>
-              <a:t>NoSolutionFound</a:t>
-            </a:r>
             <a:r>
               <a:rPr lang="en-US" sz="900" b="1" dirty="0">
                 <a:solidFill>
                   <a:schemeClr val="tx1"/>
                 </a:solidFill>
               </a:rPr>
-              <a:t> – </a:t>
+              <a:t> </a:t>
             </a:r>
             <a:r>
               <a:rPr lang="en-US" sz="900" dirty="0">
@@ -5826,8 +5770,8 @@
         </p:nvCxnSpPr>
         <p:spPr>
           <a:xfrm flipV="1">
-            <a:off x="7092214" y="2246015"/>
-            <a:ext cx="836481" cy="905347"/>
+            <a:off x="7468069" y="2486157"/>
+            <a:ext cx="460626" cy="905348"/>
           </a:xfrm>
           <a:prstGeom prst="straightConnector1">
             <a:avLst/>
@@ -5869,8 +5813,8 @@
         </p:nvCxnSpPr>
         <p:spPr>
           <a:xfrm>
-            <a:off x="7092214" y="3151362"/>
-            <a:ext cx="912683" cy="1139604"/>
+            <a:off x="7468069" y="3391505"/>
+            <a:ext cx="536828" cy="1139605"/>
           </a:xfrm>
           <a:prstGeom prst="straightConnector1">
             <a:avLst/>
@@ -5912,13 +5856,13 @@
         </p:nvCxnSpPr>
         <p:spPr>
           <a:xfrm flipH="1" flipV="1">
-            <a:off x="2737791" y="3518027"/>
-            <a:ext cx="9102757" cy="772939"/>
+            <a:off x="2737790" y="3758170"/>
+            <a:ext cx="9102758" cy="772940"/>
           </a:xfrm>
           <a:prstGeom prst="bentConnector4">
             <a:avLst>
               <a:gd name="adj1" fmla="val -2511"/>
-              <a:gd name="adj2" fmla="val -129575"/>
+              <a:gd name="adj2" fmla="val -107213"/>
             </a:avLst>
           </a:prstGeom>
           <a:ln>
@@ -5952,18 +5896,18 @@
           <p:cNvCxnSpPr>
             <a:cxnSpLocks/>
             <a:stCxn id="10" idx="3"/>
-            <a:endCxn id="40" idx="3"/>
+            <a:endCxn id="18" idx="3"/>
           </p:cNvCxnSpPr>
           <p:nvPr/>
         </p:nvCxnSpPr>
         <p:spPr>
           <a:xfrm flipH="1" flipV="1">
-            <a:off x="6482614" y="1065730"/>
-            <a:ext cx="5281732" cy="1180285"/>
+            <a:off x="11184282" y="1255256"/>
+            <a:ext cx="580064" cy="1230901"/>
           </a:xfrm>
           <a:prstGeom prst="bentConnector3">
             <a:avLst>
-              <a:gd name="adj1" fmla="val -4328"/>
+              <a:gd name="adj1" fmla="val -39409"/>
             </a:avLst>
           </a:prstGeom>
           <a:ln>
@@ -5985,118 +5929,6 @@
           </a:fontRef>
         </p:style>
       </p:cxnSp>
-      <p:sp>
-        <p:nvSpPr>
-          <p:cNvPr id="9" name="Rectangle 8">
-            <a:extLst>
-              <a:ext uri="{FF2B5EF4-FFF2-40B4-BE49-F238E27FC236}">
-                <a16:creationId xmlns:a16="http://schemas.microsoft.com/office/drawing/2014/main" id="{32D6E5FA-83F4-4A8D-7346-34DDAA2DB2FC}"/>
-              </a:ext>
-            </a:extLst>
-          </p:cNvPr>
-          <p:cNvSpPr/>
-          <p:nvPr/>
-        </p:nvSpPr>
-        <p:spPr>
-          <a:xfrm>
-            <a:off x="3270571" y="1879350"/>
-            <a:ext cx="734830" cy="450850"/>
-          </a:xfrm>
-          <a:prstGeom prst="rect">
-            <a:avLst/>
-          </a:prstGeom>
-          <a:solidFill>
-            <a:schemeClr val="tx2">
-              <a:lumMod val="50000"/>
-              <a:lumOff val="50000"/>
-            </a:schemeClr>
-          </a:solidFill>
-        </p:spPr>
-        <p:style>
-          <a:lnRef idx="2">
-            <a:schemeClr val="accent1">
-              <a:shade val="15000"/>
-            </a:schemeClr>
-          </a:lnRef>
-          <a:fillRef idx="1">
-            <a:schemeClr val="accent1"/>
-          </a:fillRef>
-          <a:effectRef idx="0">
-            <a:schemeClr val="accent1"/>
-          </a:effectRef>
-          <a:fontRef idx="minor">
-            <a:schemeClr val="lt1"/>
-          </a:fontRef>
-        </p:style>
-        <p:txBody>
-          <a:bodyPr rtlCol="0" anchor="ctr"/>
-          <a:lstStyle/>
-          <a:p>
-            <a:pPr algn="ctr"/>
-            <a:r>
-              <a:rPr lang="en-US" sz="900" dirty="0"/>
-              <a:t>Toggle Ball</a:t>
-            </a:r>
-            <a:endParaRPr lang="en-GB" sz="900" dirty="0"/>
-          </a:p>
-        </p:txBody>
-      </p:sp>
-      <p:sp>
-        <p:nvSpPr>
-          <p:cNvPr id="16" name="Rectangle 15">
-            <a:extLst>
-              <a:ext uri="{FF2B5EF4-FFF2-40B4-BE49-F238E27FC236}">
-                <a16:creationId xmlns:a16="http://schemas.microsoft.com/office/drawing/2014/main" id="{9CA18DFB-E3D5-8E9A-09D1-992FB8BDA6A6}"/>
-              </a:ext>
-            </a:extLst>
-          </p:cNvPr>
-          <p:cNvSpPr/>
-          <p:nvPr/>
-        </p:nvSpPr>
-        <p:spPr>
-          <a:xfrm>
-            <a:off x="3065846" y="3851569"/>
-            <a:ext cx="734830" cy="450850"/>
-          </a:xfrm>
-          <a:prstGeom prst="rect">
-            <a:avLst/>
-          </a:prstGeom>
-          <a:solidFill>
-            <a:schemeClr val="tx2">
-              <a:lumMod val="50000"/>
-              <a:lumOff val="50000"/>
-            </a:schemeClr>
-          </a:solidFill>
-        </p:spPr>
-        <p:style>
-          <a:lnRef idx="2">
-            <a:schemeClr val="accent1">
-              <a:shade val="15000"/>
-            </a:schemeClr>
-          </a:lnRef>
-          <a:fillRef idx="1">
-            <a:schemeClr val="accent1"/>
-          </a:fillRef>
-          <a:effectRef idx="0">
-            <a:schemeClr val="accent1"/>
-          </a:effectRef>
-          <a:fontRef idx="minor">
-            <a:schemeClr val="lt1"/>
-          </a:fontRef>
-        </p:style>
-        <p:txBody>
-          <a:bodyPr rtlCol="0" anchor="ctr"/>
-          <a:lstStyle/>
-          <a:p>
-            <a:pPr algn="ctr"/>
-            <a:r>
-              <a:rPr lang="en-US" sz="900" dirty="0"/>
-              <a:t>Reset</a:t>
-            </a:r>
-            <a:endParaRPr lang="en-GB" sz="900" dirty="0"/>
-          </a:p>
-        </p:txBody>
-      </p:sp>
       <p:cxnSp>
         <p:nvCxnSpPr>
           <p:cNvPr id="17" name="Straight Arrow Connector 16">
@@ -6115,8 +5947,8 @@
         </p:nvCxnSpPr>
         <p:spPr>
           <a:xfrm>
-            <a:off x="1781533" y="3146201"/>
-            <a:ext cx="260787" cy="5161"/>
+            <a:off x="1781533" y="3386344"/>
+            <a:ext cx="381488" cy="5161"/>
           </a:xfrm>
           <a:prstGeom prst="straightConnector1">
             <a:avLst/>
@@ -6151,14 +5983,14 @@
           </p:cNvPr>
           <p:cNvCxnSpPr>
             <a:cxnSpLocks/>
-            <a:endCxn id="9" idx="2"/>
+            <a:endCxn id="97" idx="2"/>
           </p:cNvCxnSpPr>
           <p:nvPr/>
         </p:nvCxnSpPr>
         <p:spPr>
           <a:xfrm flipV="1">
-            <a:off x="3194369" y="2330200"/>
-            <a:ext cx="443617" cy="439157"/>
+            <a:off x="3194369" y="2444928"/>
+            <a:ext cx="277266" cy="564572"/>
           </a:xfrm>
           <a:prstGeom prst="straightConnector1">
             <a:avLst/>
@@ -6194,14 +6026,14 @@
           </p:cNvPr>
           <p:cNvCxnSpPr>
             <a:cxnSpLocks/>
-            <a:endCxn id="16" idx="0"/>
+            <a:endCxn id="94" idx="0"/>
           </p:cNvCxnSpPr>
           <p:nvPr/>
         </p:nvCxnSpPr>
         <p:spPr>
           <a:xfrm>
-            <a:off x="3131804" y="3533366"/>
-            <a:ext cx="301457" cy="318203"/>
+            <a:off x="3131804" y="3773509"/>
+            <a:ext cx="337096" cy="362372"/>
           </a:xfrm>
           <a:prstGeom prst="straightConnector1">
             <a:avLst/>
@@ -6226,62 +6058,6 @@
           </a:fontRef>
         </p:style>
       </p:cxnSp>
-      <p:sp>
-        <p:nvSpPr>
-          <p:cNvPr id="28" name="Rectangle 27">
-            <a:extLst>
-              <a:ext uri="{FF2B5EF4-FFF2-40B4-BE49-F238E27FC236}">
-                <a16:creationId xmlns:a16="http://schemas.microsoft.com/office/drawing/2014/main" id="{0FC80B8D-8D6C-F419-9956-FF87B79737EB}"/>
-              </a:ext>
-            </a:extLst>
-          </p:cNvPr>
-          <p:cNvSpPr/>
-          <p:nvPr/>
-        </p:nvSpPr>
-        <p:spPr>
-          <a:xfrm>
-            <a:off x="3608950" y="2920776"/>
-            <a:ext cx="1057244" cy="450850"/>
-          </a:xfrm>
-          <a:prstGeom prst="rect">
-            <a:avLst/>
-          </a:prstGeom>
-          <a:solidFill>
-            <a:schemeClr val="tx2">
-              <a:lumMod val="50000"/>
-              <a:lumOff val="50000"/>
-            </a:schemeClr>
-          </a:solidFill>
-        </p:spPr>
-        <p:style>
-          <a:lnRef idx="2">
-            <a:schemeClr val="accent1">
-              <a:shade val="15000"/>
-            </a:schemeClr>
-          </a:lnRef>
-          <a:fillRef idx="1">
-            <a:schemeClr val="accent1"/>
-          </a:fillRef>
-          <a:effectRef idx="0">
-            <a:schemeClr val="accent1"/>
-          </a:effectRef>
-          <a:fontRef idx="minor">
-            <a:schemeClr val="lt1"/>
-          </a:fontRef>
-        </p:style>
-        <p:txBody>
-          <a:bodyPr rtlCol="0" anchor="ctr"/>
-          <a:lstStyle/>
-          <a:p>
-            <a:pPr algn="ctr"/>
-            <a:r>
-              <a:rPr lang="en-US" sz="900" dirty="0"/>
-              <a:t>Find winning move</a:t>
-            </a:r>
-            <a:endParaRPr lang="en-GB" sz="900" dirty="0"/>
-          </a:p>
-        </p:txBody>
-      </p:sp>
       <p:cxnSp>
         <p:nvCxnSpPr>
           <p:cNvPr id="33" name="Straight Arrow Connector 32">
@@ -6293,13 +6069,15 @@
           </p:cNvPr>
           <p:cNvCxnSpPr>
             <a:cxnSpLocks/>
+            <a:stCxn id="4" idx="3"/>
+            <a:endCxn id="81" idx="1"/>
           </p:cNvCxnSpPr>
           <p:nvPr/>
         </p:nvCxnSpPr>
         <p:spPr>
           <a:xfrm>
-            <a:off x="3433261" y="3152902"/>
-            <a:ext cx="175689" cy="5161"/>
+            <a:off x="3312559" y="3391505"/>
+            <a:ext cx="270854" cy="116"/>
           </a:xfrm>
           <a:prstGeom prst="straightConnector1">
             <a:avLst/>
@@ -6340,8 +6118,8 @@
         </p:nvCxnSpPr>
         <p:spPr>
           <a:xfrm flipH="1" flipV="1">
-            <a:off x="1732231" y="2028476"/>
-            <a:ext cx="869358" cy="823045"/>
+            <a:off x="1732231" y="2268619"/>
+            <a:ext cx="607774" cy="719033"/>
           </a:xfrm>
           <a:prstGeom prst="straightConnector1">
             <a:avLst/>
@@ -6367,10 +6145,10 @@
       </p:cxnSp>
       <p:sp>
         <p:nvSpPr>
-          <p:cNvPr id="39" name="Rectangle 38">
-            <a:extLst>
-              <a:ext uri="{FF2B5EF4-FFF2-40B4-BE49-F238E27FC236}">
-                <a16:creationId xmlns:a16="http://schemas.microsoft.com/office/drawing/2014/main" id="{A488A4E3-E4C7-26AC-CBCE-BA603022E177}"/>
+          <p:cNvPr id="40" name="Diamond 39">
+            <a:extLst>
+              <a:ext uri="{FF2B5EF4-FFF2-40B4-BE49-F238E27FC236}">
+                <a16:creationId xmlns:a16="http://schemas.microsoft.com/office/drawing/2014/main" id="{2D3850C9-F49A-10A8-9423-C6318A8CC51F}"/>
               </a:ext>
             </a:extLst>
           </p:cNvPr>
@@ -6379,17 +6157,14 @@
         </p:nvSpPr>
         <p:spPr>
           <a:xfrm>
-            <a:off x="5205597" y="1631153"/>
-            <a:ext cx="1520974" cy="450850"/>
-          </a:xfrm>
-          <a:prstGeom prst="rect">
+            <a:off x="4995549" y="886759"/>
+            <a:ext cx="1033060" cy="724614"/>
+          </a:xfrm>
+          <a:prstGeom prst="diamond">
             <a:avLst/>
           </a:prstGeom>
           <a:solidFill>
-            <a:schemeClr val="tx2">
-              <a:lumMod val="50000"/>
-              <a:lumOff val="50000"/>
-            </a:schemeClr>
+            <a:srgbClr val="FFFF00"/>
           </a:solidFill>
         </p:spPr>
         <p:style>
@@ -6414,59 +6189,6 @@
           <a:p>
             <a:pPr algn="ctr"/>
             <a:r>
-              <a:rPr lang="en-US" sz="900" dirty="0"/>
-              <a:t>Make move and find next winning move</a:t>
-            </a:r>
-            <a:endParaRPr lang="en-GB" sz="900" dirty="0"/>
-          </a:p>
-        </p:txBody>
-      </p:sp>
-      <p:sp>
-        <p:nvSpPr>
-          <p:cNvPr id="40" name="Diamond 39">
-            <a:extLst>
-              <a:ext uri="{FF2B5EF4-FFF2-40B4-BE49-F238E27FC236}">
-                <a16:creationId xmlns:a16="http://schemas.microsoft.com/office/drawing/2014/main" id="{2D3850C9-F49A-10A8-9423-C6318A8CC51F}"/>
-              </a:ext>
-            </a:extLst>
-          </p:cNvPr>
-          <p:cNvSpPr/>
-          <p:nvPr/>
-        </p:nvSpPr>
-        <p:spPr>
-          <a:xfrm>
-            <a:off x="5449554" y="703423"/>
-            <a:ext cx="1033060" cy="724614"/>
-          </a:xfrm>
-          <a:prstGeom prst="diamond">
-            <a:avLst/>
-          </a:prstGeom>
-          <a:solidFill>
-            <a:srgbClr val="FFFF00"/>
-          </a:solidFill>
-        </p:spPr>
-        <p:style>
-          <a:lnRef idx="2">
-            <a:schemeClr val="accent1">
-              <a:shade val="15000"/>
-            </a:schemeClr>
-          </a:lnRef>
-          <a:fillRef idx="1">
-            <a:schemeClr val="accent1"/>
-          </a:fillRef>
-          <a:effectRef idx="0">
-            <a:schemeClr val="accent1"/>
-          </a:effectRef>
-          <a:fontRef idx="minor">
-            <a:schemeClr val="lt1"/>
-          </a:fontRef>
-        </p:style>
-        <p:txBody>
-          <a:bodyPr rtlCol="0" anchor="ctr"/>
-          <a:lstStyle/>
-          <a:p>
-            <a:pPr algn="ctr"/>
-            <a:r>
               <a:rPr lang="en-US" sz="800" dirty="0">
                 <a:solidFill>
                   <a:schemeClr val="tx1"/>
@@ -6500,8 +6222,8 @@
         </p:nvCxnSpPr>
         <p:spPr>
           <a:xfrm rot="10800000" flipV="1">
-            <a:off x="2737791" y="1056856"/>
-            <a:ext cx="695470" cy="1727839"/>
+            <a:off x="2737791" y="1250819"/>
+            <a:ext cx="972553" cy="1774019"/>
           </a:xfrm>
           <a:prstGeom prst="bentConnector2">
             <a:avLst/>
@@ -6539,7 +6261,7 @@
         </p:nvSpPr>
         <p:spPr>
           <a:xfrm>
-            <a:off x="5169558" y="794439"/>
+            <a:off x="4837613" y="1001186"/>
             <a:ext cx="208390" cy="161583"/>
           </a:xfrm>
           <a:prstGeom prst="rect">
@@ -6575,7 +6297,7 @@
         </p:nvSpPr>
         <p:spPr>
           <a:xfrm>
-            <a:off x="6111337" y="1371219"/>
+            <a:off x="5699459" y="1562870"/>
             <a:ext cx="168316" cy="161583"/>
           </a:xfrm>
           <a:prstGeom prst="rect">
@@ -6609,14 +6331,14 @@
           <p:cNvCxnSpPr>
             <a:cxnSpLocks/>
             <a:stCxn id="40" idx="2"/>
-            <a:endCxn id="39" idx="0"/>
+            <a:endCxn id="71" idx="0"/>
           </p:cNvCxnSpPr>
           <p:nvPr/>
         </p:nvCxnSpPr>
         <p:spPr>
           <a:xfrm>
-            <a:off x="5966084" y="1428037"/>
-            <a:ext cx="0" cy="203116"/>
+            <a:off x="5512079" y="1611373"/>
+            <a:ext cx="19181" cy="1530818"/>
           </a:xfrm>
           <a:prstGeom prst="straightConnector1">
             <a:avLst/>
@@ -6651,15 +6373,15 @@
           </p:cNvPr>
           <p:cNvCxnSpPr>
             <a:cxnSpLocks/>
-            <a:stCxn id="39" idx="2"/>
-            <a:endCxn id="59" idx="0"/>
+            <a:stCxn id="34" idx="1"/>
+            <a:endCxn id="59" idx="3"/>
           </p:cNvCxnSpPr>
           <p:nvPr/>
         </p:nvCxnSpPr>
         <p:spPr>
-          <a:xfrm flipH="1">
-            <a:off x="5963824" y="2082003"/>
-            <a:ext cx="2260" cy="154208"/>
+          <a:xfrm flipH="1" flipV="1">
+            <a:off x="7310485" y="1250772"/>
+            <a:ext cx="362622" cy="1188"/>
           </a:xfrm>
           <a:prstGeom prst="straightConnector1">
             <a:avLst/>
@@ -6697,7 +6419,7 @@
         </p:nvSpPr>
         <p:spPr>
           <a:xfrm>
-            <a:off x="3433261" y="860473"/>
+            <a:off x="3710343" y="1054436"/>
             <a:ext cx="834742" cy="392768"/>
           </a:xfrm>
           <a:prstGeom prst="roundRect">
@@ -6761,9 +6483,9 @@
           <p:nvPr/>
         </p:nvCxnSpPr>
         <p:spPr>
-          <a:xfrm flipH="1" flipV="1">
-            <a:off x="4268003" y="1056857"/>
-            <a:ext cx="1181551" cy="8873"/>
+          <a:xfrm flipH="1">
+            <a:off x="4545085" y="1249066"/>
+            <a:ext cx="450464" cy="1754"/>
           </a:xfrm>
           <a:prstGeom prst="straightConnector1">
             <a:avLst/>
@@ -6801,7 +6523,7 @@
         </p:nvSpPr>
         <p:spPr>
           <a:xfrm>
-            <a:off x="5434310" y="2236211"/>
+            <a:off x="6251458" y="1123841"/>
             <a:ext cx="1059027" cy="253861"/>
           </a:xfrm>
           <a:prstGeom prst="roundRect">
@@ -6848,87 +6570,6 @@
           </a:p>
         </p:txBody>
       </p:sp>
-      <p:cxnSp>
-        <p:nvCxnSpPr>
-          <p:cNvPr id="62" name="Straight Arrow Connector 14">
-            <a:extLst>
-              <a:ext uri="{FF2B5EF4-FFF2-40B4-BE49-F238E27FC236}">
-                <a16:creationId xmlns:a16="http://schemas.microsoft.com/office/drawing/2014/main" id="{9672F2E6-1BC2-147E-F5A7-979D1B2E6CC0}"/>
-              </a:ext>
-            </a:extLst>
-          </p:cNvPr>
-          <p:cNvCxnSpPr>
-            <a:cxnSpLocks/>
-            <a:stCxn id="59" idx="2"/>
-            <a:endCxn id="28" idx="0"/>
-          </p:cNvCxnSpPr>
-          <p:nvPr/>
-        </p:nvCxnSpPr>
-        <p:spPr>
-          <a:xfrm rot="5400000">
-            <a:off x="4835346" y="1792298"/>
-            <a:ext cx="430704" cy="1826252"/>
-          </a:xfrm>
-          <a:prstGeom prst="bentConnector3">
-            <a:avLst>
-              <a:gd name="adj1" fmla="val 50000"/>
-            </a:avLst>
-          </a:prstGeom>
-          <a:ln>
-            <a:tailEnd type="triangle"/>
-          </a:ln>
-        </p:spPr>
-        <p:style>
-          <a:lnRef idx="2">
-            <a:schemeClr val="accent1"/>
-          </a:lnRef>
-          <a:fillRef idx="0">
-            <a:schemeClr val="accent1"/>
-          </a:fillRef>
-          <a:effectRef idx="1">
-            <a:schemeClr val="accent1"/>
-          </a:effectRef>
-          <a:fontRef idx="minor">
-            <a:schemeClr val="tx1"/>
-          </a:fontRef>
-        </p:style>
-      </p:cxnSp>
-      <p:sp>
-        <p:nvSpPr>
-          <p:cNvPr id="3" name="TextBox 2">
-            <a:extLst>
-              <a:ext uri="{FF2B5EF4-FFF2-40B4-BE49-F238E27FC236}">
-                <a16:creationId xmlns:a16="http://schemas.microsoft.com/office/drawing/2014/main" id="{10751F81-CEEB-F95D-8F35-12378B7E1B6A}"/>
-              </a:ext>
-            </a:extLst>
-          </p:cNvPr>
-          <p:cNvSpPr txBox="1"/>
-          <p:nvPr/>
-        </p:nvSpPr>
-        <p:spPr>
-          <a:xfrm>
-            <a:off x="3694341" y="3414241"/>
-            <a:ext cx="440826" cy="46166"/>
-          </a:xfrm>
-          <a:prstGeom prst="rect">
-            <a:avLst/>
-          </a:prstGeom>
-          <a:noFill/>
-        </p:spPr>
-        <p:txBody>
-          <a:bodyPr wrap="none" lIns="0" tIns="0" rIns="0" bIns="0" rtlCol="0">
-            <a:spAutoFit/>
-          </a:bodyPr>
-          <a:lstStyle/>
-          <a:p>
-            <a:r>
-              <a:rPr lang="en-US" sz="300" dirty="0"/>
-              <a:t>Human &amp; Computer driven</a:t>
-            </a:r>
-            <a:endParaRPr lang="en-GB" sz="300" dirty="0"/>
-          </a:p>
-        </p:txBody>
-      </p:sp>
       <p:sp>
         <p:nvSpPr>
           <p:cNvPr id="6" name="Rectangle: Rounded Corners 5">
@@ -6943,7 +6584,7 @@
         </p:nvSpPr>
         <p:spPr>
           <a:xfrm>
-            <a:off x="187042" y="2948096"/>
+            <a:off x="187042" y="3188239"/>
             <a:ext cx="724013" cy="392768"/>
           </a:xfrm>
           <a:prstGeom prst="roundRect">
@@ -7004,7 +6645,7 @@
         </p:nvGrpSpPr>
         <p:grpSpPr>
           <a:xfrm>
-            <a:off x="1110424" y="2959899"/>
+            <a:off x="1110424" y="3200042"/>
             <a:ext cx="671109" cy="372604"/>
             <a:chOff x="975820" y="3732837"/>
             <a:chExt cx="671109" cy="372604"/>
@@ -7129,7 +6770,7 @@
         </p:nvCxnSpPr>
         <p:spPr>
           <a:xfrm>
-            <a:off x="911055" y="3144480"/>
+            <a:off x="911055" y="3384623"/>
             <a:ext cx="202451" cy="1721"/>
           </a:xfrm>
           <a:prstGeom prst="straightConnector1">
@@ -7168,7 +6809,7 @@
         </p:nvGrpSpPr>
         <p:grpSpPr>
           <a:xfrm>
-            <a:off x="1242736" y="1655872"/>
+            <a:off x="1242736" y="1896015"/>
             <a:ext cx="978524" cy="372604"/>
             <a:chOff x="441412" y="4877603"/>
             <a:chExt cx="978524" cy="372604"/>
@@ -7297,7 +6938,7 @@
         </p:nvSpPr>
         <p:spPr>
           <a:xfrm>
-            <a:off x="218900" y="1642075"/>
+            <a:off x="218900" y="1882218"/>
             <a:ext cx="724013" cy="392768"/>
           </a:xfrm>
           <a:prstGeom prst="roundRect">
@@ -7362,7 +7003,7 @@
         </p:nvCxnSpPr>
         <p:spPr>
           <a:xfrm flipH="1" flipV="1">
-            <a:off x="942913" y="1838459"/>
+            <a:off x="942913" y="2078602"/>
             <a:ext cx="300289" cy="3715"/>
           </a:xfrm>
           <a:prstGeom prst="straightConnector1">
@@ -7401,7 +7042,7 @@
         </p:nvSpPr>
         <p:spPr>
           <a:xfrm>
-            <a:off x="540855" y="4780638"/>
+            <a:off x="447402" y="4142324"/>
             <a:ext cx="552202" cy="184666"/>
           </a:xfrm>
           <a:prstGeom prst="rect">
@@ -7437,7 +7078,7 @@
         </p:nvSpPr>
         <p:spPr>
           <a:xfrm>
-            <a:off x="751490" y="5261810"/>
+            <a:off x="658037" y="4623496"/>
             <a:ext cx="876055" cy="151429"/>
           </a:xfrm>
           <a:prstGeom prst="roundRect">
@@ -7498,7 +7139,7 @@
         </p:nvSpPr>
         <p:spPr>
           <a:xfrm>
-            <a:off x="751490" y="5482578"/>
+            <a:off x="658037" y="4844264"/>
             <a:ext cx="863665" cy="376316"/>
           </a:xfrm>
           <a:prstGeom prst="roundRect">
@@ -7537,17 +7178,11 @@
               </a:rPr>
               <a:t>State</a:t>
             </a:r>
-          </a:p>
-          <a:p>
-            <a:pPr algn="ctr"/>
-            <a:r>
-              <a:rPr lang="en-US" sz="700" b="1" dirty="0">
-                <a:solidFill>
-                  <a:schemeClr val="tx1"/>
-                </a:solidFill>
-              </a:rPr>
-              <a:t>Sub-state</a:t>
-            </a:r>
+            <a:endParaRPr lang="en-US" sz="700" b="1" dirty="0">
+              <a:solidFill>
+                <a:schemeClr val="tx1"/>
+              </a:solidFill>
+            </a:endParaRPr>
           </a:p>
           <a:p>
             <a:pPr algn="ctr"/>
@@ -7581,7 +7216,7 @@
         </p:nvGrpSpPr>
         <p:grpSpPr>
           <a:xfrm>
-            <a:off x="764190" y="5018649"/>
+            <a:off x="670737" y="4380335"/>
             <a:ext cx="808313" cy="173823"/>
             <a:chOff x="805980" y="5018649"/>
             <a:chExt cx="808313" cy="173823"/>
@@ -7681,6 +7316,739 @@
             <a:xfrm>
               <a:off x="883805" y="5030804"/>
               <a:ext cx="149512" cy="149512"/>
+            </a:xfrm>
+            <a:prstGeom prst="rect">
+              <a:avLst/>
+            </a:prstGeom>
+          </p:spPr>
+        </p:pic>
+      </p:grpSp>
+      <p:sp>
+        <p:nvSpPr>
+          <p:cNvPr id="18" name="Rectangle: Rounded Corners 17">
+            <a:extLst>
+              <a:ext uri="{FF2B5EF4-FFF2-40B4-BE49-F238E27FC236}">
+                <a16:creationId xmlns:a16="http://schemas.microsoft.com/office/drawing/2014/main" id="{A3292161-FEB3-39A0-B209-8ACB83FF0BA0}"/>
+              </a:ext>
+            </a:extLst>
+          </p:cNvPr>
+          <p:cNvSpPr/>
+          <p:nvPr/>
+        </p:nvSpPr>
+        <p:spPr>
+          <a:xfrm>
+            <a:off x="9544823" y="1086311"/>
+            <a:ext cx="1639459" cy="337889"/>
+          </a:xfrm>
+          <a:prstGeom prst="roundRect">
+            <a:avLst/>
+          </a:prstGeom>
+          <a:solidFill>
+            <a:schemeClr val="accent2"/>
+          </a:solidFill>
+        </p:spPr>
+        <p:style>
+          <a:lnRef idx="2">
+            <a:schemeClr val="accent1">
+              <a:shade val="15000"/>
+            </a:schemeClr>
+          </a:lnRef>
+          <a:fillRef idx="1">
+            <a:schemeClr val="accent1"/>
+          </a:fillRef>
+          <a:effectRef idx="0">
+            <a:schemeClr val="accent1"/>
+          </a:effectRef>
+          <a:fontRef idx="minor">
+            <a:schemeClr val="lt1"/>
+          </a:fontRef>
+        </p:style>
+        <p:txBody>
+          <a:bodyPr rtlCol="0" anchor="ctr"/>
+          <a:lstStyle/>
+          <a:p>
+            <a:pPr algn="ctr"/>
+            <a:r>
+              <a:rPr lang="en-US" sz="900" dirty="0">
+                <a:solidFill>
+                  <a:schemeClr val="tx1"/>
+                </a:solidFill>
+              </a:rPr>
+              <a:t>Show preview of winning ball movement </a:t>
+            </a:r>
+            <a:endParaRPr lang="en-GB" sz="900" dirty="0">
+              <a:solidFill>
+                <a:schemeClr val="tx1"/>
+              </a:solidFill>
+            </a:endParaRPr>
+          </a:p>
+        </p:txBody>
+      </p:sp>
+      <p:grpSp>
+        <p:nvGrpSpPr>
+          <p:cNvPr id="44" name="Group 43">
+            <a:extLst>
+              <a:ext uri="{FF2B5EF4-FFF2-40B4-BE49-F238E27FC236}">
+                <a16:creationId xmlns:a16="http://schemas.microsoft.com/office/drawing/2014/main" id="{1BE641F2-E1D4-8C36-F0C1-92FC8E209853}"/>
+              </a:ext>
+            </a:extLst>
+          </p:cNvPr>
+          <p:cNvGrpSpPr/>
+          <p:nvPr/>
+        </p:nvGrpSpPr>
+        <p:grpSpPr>
+          <a:xfrm>
+            <a:off x="7673107" y="1065658"/>
+            <a:ext cx="1575173" cy="372604"/>
+            <a:chOff x="4975662" y="5691712"/>
+            <a:chExt cx="1575173" cy="372604"/>
+          </a:xfrm>
+        </p:grpSpPr>
+        <p:sp>
+          <p:nvSpPr>
+            <p:cNvPr id="34" name="Rectangle 33">
+              <a:extLst>
+                <a:ext uri="{FF2B5EF4-FFF2-40B4-BE49-F238E27FC236}">
+                  <a16:creationId xmlns:a16="http://schemas.microsoft.com/office/drawing/2014/main" id="{BA900374-6452-1ABB-D336-A0A94E67C81D}"/>
+                </a:ext>
+              </a:extLst>
+            </p:cNvPr>
+            <p:cNvSpPr/>
+            <p:nvPr/>
+          </p:nvSpPr>
+          <p:spPr>
+            <a:xfrm>
+              <a:off x="4975662" y="5691712"/>
+              <a:ext cx="1575173" cy="372604"/>
+            </a:xfrm>
+            <a:prstGeom prst="rect">
+              <a:avLst/>
+            </a:prstGeom>
+            <a:solidFill>
+              <a:schemeClr val="tx2">
+                <a:lumMod val="50000"/>
+                <a:lumOff val="50000"/>
+              </a:schemeClr>
+            </a:solidFill>
+          </p:spPr>
+          <p:style>
+            <a:lnRef idx="2">
+              <a:schemeClr val="accent1">
+                <a:shade val="15000"/>
+              </a:schemeClr>
+            </a:lnRef>
+            <a:fillRef idx="1">
+              <a:schemeClr val="accent1"/>
+            </a:fillRef>
+            <a:effectRef idx="0">
+              <a:schemeClr val="accent1"/>
+            </a:effectRef>
+            <a:fontRef idx="minor">
+              <a:schemeClr val="lt1"/>
+            </a:fontRef>
+          </p:style>
+          <p:txBody>
+            <a:bodyPr lIns="365760" tIns="0" rIns="0" bIns="0" rtlCol="0" anchor="ctr"/>
+            <a:lstStyle/>
+            <a:p>
+              <a:r>
+                <a:rPr lang="en-US" sz="900" dirty="0">
+                  <a:solidFill>
+                    <a:schemeClr val="tx1"/>
+                  </a:solidFill>
+                </a:rPr>
+                <a:t>Make move and find next winning move</a:t>
+              </a:r>
+              <a:endParaRPr lang="en-GB" sz="900" dirty="0">
+                <a:solidFill>
+                  <a:schemeClr val="tx1"/>
+                </a:solidFill>
+              </a:endParaRPr>
+            </a:p>
+          </p:txBody>
+        </p:sp>
+        <p:pic>
+          <p:nvPicPr>
+            <p:cNvPr id="38" name="Graphic 37" descr="User with solid fill">
+              <a:extLst>
+                <a:ext uri="{FF2B5EF4-FFF2-40B4-BE49-F238E27FC236}">
+                  <a16:creationId xmlns:a16="http://schemas.microsoft.com/office/drawing/2014/main" id="{658675A5-CA68-FD94-4C6E-5EAB08DE521D}"/>
+                </a:ext>
+              </a:extLst>
+            </p:cNvPr>
+            <p:cNvPicPr>
+              <a:picLocks noChangeAspect="1"/>
+            </p:cNvPicPr>
+            <p:nvPr/>
+          </p:nvPicPr>
+          <p:blipFill>
+            <a:blip r:embed="rId2">
+              <a:extLst>
+                <a:ext uri="{96DAC541-7B7A-43D3-8B79-37D633B846F1}">
+                  <asvg:svgBlip xmlns:asvg="http://schemas.microsoft.com/office/drawing/2016/SVG/main" r:embed="rId3"/>
+                </a:ext>
+              </a:extLst>
+            </a:blip>
+            <a:stretch>
+              <a:fillRect/>
+            </a:stretch>
+          </p:blipFill>
+          <p:spPr>
+            <a:xfrm>
+              <a:off x="5010105" y="5732336"/>
+              <a:ext cx="291356" cy="291356"/>
+            </a:xfrm>
+            <a:prstGeom prst="rect">
+              <a:avLst/>
+            </a:prstGeom>
+          </p:spPr>
+        </p:pic>
+      </p:grpSp>
+      <p:cxnSp>
+        <p:nvCxnSpPr>
+          <p:cNvPr id="48" name="Straight Arrow Connector 47">
+            <a:extLst>
+              <a:ext uri="{FF2B5EF4-FFF2-40B4-BE49-F238E27FC236}">
+                <a16:creationId xmlns:a16="http://schemas.microsoft.com/office/drawing/2014/main" id="{C562F341-F516-5BAC-AA2D-3F188F07DA1A}"/>
+              </a:ext>
+            </a:extLst>
+          </p:cNvPr>
+          <p:cNvCxnSpPr>
+            <a:cxnSpLocks/>
+            <a:stCxn id="18" idx="1"/>
+            <a:endCxn id="34" idx="3"/>
+          </p:cNvCxnSpPr>
+          <p:nvPr/>
+        </p:nvCxnSpPr>
+        <p:spPr>
+          <a:xfrm flipH="1" flipV="1">
+            <a:off x="9248280" y="1251960"/>
+            <a:ext cx="296543" cy="3296"/>
+          </a:xfrm>
+          <a:prstGeom prst="straightConnector1">
+            <a:avLst/>
+          </a:prstGeom>
+          <a:ln>
+            <a:tailEnd type="triangle"/>
+          </a:ln>
+        </p:spPr>
+        <p:style>
+          <a:lnRef idx="2">
+            <a:schemeClr val="accent1"/>
+          </a:lnRef>
+          <a:fillRef idx="0">
+            <a:schemeClr val="accent1"/>
+          </a:fillRef>
+          <a:effectRef idx="1">
+            <a:schemeClr val="accent1"/>
+          </a:effectRef>
+          <a:fontRef idx="minor">
+            <a:schemeClr val="tx1"/>
+          </a:fontRef>
+        </p:style>
+      </p:cxnSp>
+      <p:cxnSp>
+        <p:nvCxnSpPr>
+          <p:cNvPr id="67" name="Straight Arrow Connector 66">
+            <a:extLst>
+              <a:ext uri="{FF2B5EF4-FFF2-40B4-BE49-F238E27FC236}">
+                <a16:creationId xmlns:a16="http://schemas.microsoft.com/office/drawing/2014/main" id="{8EA18A83-FEF5-747F-8AF8-26FE34C5C267}"/>
+              </a:ext>
+            </a:extLst>
+          </p:cNvPr>
+          <p:cNvCxnSpPr>
+            <a:cxnSpLocks/>
+            <a:stCxn id="59" idx="1"/>
+            <a:endCxn id="40" idx="3"/>
+          </p:cNvCxnSpPr>
+          <p:nvPr/>
+        </p:nvCxnSpPr>
+        <p:spPr>
+          <a:xfrm flipH="1" flipV="1">
+            <a:off x="6028609" y="1249066"/>
+            <a:ext cx="222849" cy="1706"/>
+          </a:xfrm>
+          <a:prstGeom prst="straightConnector1">
+            <a:avLst/>
+          </a:prstGeom>
+          <a:ln>
+            <a:tailEnd type="triangle"/>
+          </a:ln>
+        </p:spPr>
+        <p:style>
+          <a:lnRef idx="2">
+            <a:schemeClr val="accent1"/>
+          </a:lnRef>
+          <a:fillRef idx="0">
+            <a:schemeClr val="accent1"/>
+          </a:fillRef>
+          <a:effectRef idx="1">
+            <a:schemeClr val="accent1"/>
+          </a:effectRef>
+          <a:fontRef idx="minor">
+            <a:schemeClr val="tx1"/>
+          </a:fontRef>
+        </p:style>
+      </p:cxnSp>
+      <p:sp>
+        <p:nvSpPr>
+          <p:cNvPr id="71" name="Rectangle: Rounded Corners 70">
+            <a:extLst>
+              <a:ext uri="{FF2B5EF4-FFF2-40B4-BE49-F238E27FC236}">
+                <a16:creationId xmlns:a16="http://schemas.microsoft.com/office/drawing/2014/main" id="{4A9F0742-533D-528A-DAC2-50535246A26D}"/>
+              </a:ext>
+            </a:extLst>
+          </p:cNvPr>
+          <p:cNvSpPr/>
+          <p:nvPr/>
+        </p:nvSpPr>
+        <p:spPr>
+          <a:xfrm>
+            <a:off x="5093645" y="3142191"/>
+            <a:ext cx="875229" cy="494704"/>
+          </a:xfrm>
+          <a:prstGeom prst="roundRect">
+            <a:avLst/>
+          </a:prstGeom>
+          <a:solidFill>
+            <a:schemeClr val="accent2"/>
+          </a:solidFill>
+        </p:spPr>
+        <p:style>
+          <a:lnRef idx="2">
+            <a:schemeClr val="accent1">
+              <a:shade val="15000"/>
+            </a:schemeClr>
+          </a:lnRef>
+          <a:fillRef idx="1">
+            <a:schemeClr val="accent1"/>
+          </a:fillRef>
+          <a:effectRef idx="0">
+            <a:schemeClr val="accent1"/>
+          </a:effectRef>
+          <a:fontRef idx="minor">
+            <a:schemeClr val="lt1"/>
+          </a:fontRef>
+        </p:style>
+        <p:txBody>
+          <a:bodyPr rtlCol="0" anchor="ctr"/>
+          <a:lstStyle/>
+          <a:p>
+            <a:pPr algn="ctr"/>
+            <a:r>
+              <a:rPr lang="en-US" sz="900" dirty="0">
+                <a:solidFill>
+                  <a:schemeClr val="tx1"/>
+                </a:solidFill>
+              </a:rPr>
+              <a:t>Find winning move</a:t>
+            </a:r>
+            <a:endParaRPr lang="en-GB" sz="900" dirty="0">
+              <a:solidFill>
+                <a:schemeClr val="tx1"/>
+              </a:solidFill>
+            </a:endParaRPr>
+          </a:p>
+        </p:txBody>
+      </p:sp>
+      <p:grpSp>
+        <p:nvGrpSpPr>
+          <p:cNvPr id="90" name="Group 89">
+            <a:extLst>
+              <a:ext uri="{FF2B5EF4-FFF2-40B4-BE49-F238E27FC236}">
+                <a16:creationId xmlns:a16="http://schemas.microsoft.com/office/drawing/2014/main" id="{0F621731-DF64-DEF6-5813-7F7551F32C65}"/>
+              </a:ext>
+            </a:extLst>
+          </p:cNvPr>
+          <p:cNvGrpSpPr/>
+          <p:nvPr/>
+        </p:nvGrpSpPr>
+        <p:grpSpPr>
+          <a:xfrm>
+            <a:off x="3583413" y="3166196"/>
+            <a:ext cx="1301795" cy="450850"/>
+            <a:chOff x="3583413" y="2926053"/>
+            <a:chExt cx="1301795" cy="450850"/>
+          </a:xfrm>
+        </p:grpSpPr>
+        <p:sp>
+          <p:nvSpPr>
+            <p:cNvPr id="81" name="Rectangle 80">
+              <a:extLst>
+                <a:ext uri="{FF2B5EF4-FFF2-40B4-BE49-F238E27FC236}">
+                  <a16:creationId xmlns:a16="http://schemas.microsoft.com/office/drawing/2014/main" id="{294D7968-39D5-B02F-27CF-B51E67547EEB}"/>
+                </a:ext>
+              </a:extLst>
+            </p:cNvPr>
+            <p:cNvSpPr/>
+            <p:nvPr/>
+          </p:nvSpPr>
+          <p:spPr>
+            <a:xfrm>
+              <a:off x="3583413" y="2926053"/>
+              <a:ext cx="1301795" cy="450850"/>
+            </a:xfrm>
+            <a:prstGeom prst="rect">
+              <a:avLst/>
+            </a:prstGeom>
+            <a:solidFill>
+              <a:schemeClr val="tx2">
+                <a:lumMod val="50000"/>
+                <a:lumOff val="50000"/>
+              </a:schemeClr>
+            </a:solidFill>
+          </p:spPr>
+          <p:style>
+            <a:lnRef idx="2">
+              <a:schemeClr val="accent1">
+                <a:shade val="15000"/>
+              </a:schemeClr>
+            </a:lnRef>
+            <a:fillRef idx="1">
+              <a:schemeClr val="accent1"/>
+            </a:fillRef>
+            <a:effectRef idx="0">
+              <a:schemeClr val="accent1"/>
+            </a:effectRef>
+            <a:fontRef idx="minor">
+              <a:schemeClr val="lt1"/>
+            </a:fontRef>
+          </p:style>
+          <p:txBody>
+            <a:bodyPr lIns="365760" tIns="0" rIns="0" bIns="0" rtlCol="0" anchor="ctr"/>
+            <a:lstStyle/>
+            <a:p>
+              <a:r>
+                <a:rPr lang="en-US" sz="900" dirty="0">
+                  <a:solidFill>
+                    <a:schemeClr val="tx1"/>
+                  </a:solidFill>
+                </a:rPr>
+                <a:t>User initiate find winning move</a:t>
+              </a:r>
+              <a:endParaRPr lang="en-GB" sz="900" dirty="0">
+                <a:solidFill>
+                  <a:schemeClr val="tx1"/>
+                </a:solidFill>
+              </a:endParaRPr>
+            </a:p>
+          </p:txBody>
+        </p:sp>
+        <p:pic>
+          <p:nvPicPr>
+            <p:cNvPr id="82" name="Graphic 81" descr="User with solid fill">
+              <a:extLst>
+                <a:ext uri="{FF2B5EF4-FFF2-40B4-BE49-F238E27FC236}">
+                  <a16:creationId xmlns:a16="http://schemas.microsoft.com/office/drawing/2014/main" id="{527EAE66-C626-0E93-788E-8961E3F32272}"/>
+                </a:ext>
+              </a:extLst>
+            </p:cNvPr>
+            <p:cNvPicPr>
+              <a:picLocks noChangeAspect="1"/>
+            </p:cNvPicPr>
+            <p:nvPr/>
+          </p:nvPicPr>
+          <p:blipFill>
+            <a:blip r:embed="rId2">
+              <a:extLst>
+                <a:ext uri="{96DAC541-7B7A-43D3-8B79-37D633B846F1}">
+                  <asvg:svgBlip xmlns:asvg="http://schemas.microsoft.com/office/drawing/2016/SVG/main" r:embed="rId3"/>
+                </a:ext>
+              </a:extLst>
+            </a:blip>
+            <a:stretch>
+              <a:fillRect/>
+            </a:stretch>
+          </p:blipFill>
+          <p:spPr>
+            <a:xfrm>
+              <a:off x="3630776" y="3005800"/>
+              <a:ext cx="291356" cy="291356"/>
+            </a:xfrm>
+            <a:prstGeom prst="rect">
+              <a:avLst/>
+            </a:prstGeom>
+          </p:spPr>
+        </p:pic>
+      </p:grpSp>
+      <p:cxnSp>
+        <p:nvCxnSpPr>
+          <p:cNvPr id="87" name="Straight Arrow Connector 86">
+            <a:extLst>
+              <a:ext uri="{FF2B5EF4-FFF2-40B4-BE49-F238E27FC236}">
+                <a16:creationId xmlns:a16="http://schemas.microsoft.com/office/drawing/2014/main" id="{017413CC-321E-A0F3-5FE9-1C9042BB78A5}"/>
+              </a:ext>
+            </a:extLst>
+          </p:cNvPr>
+          <p:cNvCxnSpPr>
+            <a:cxnSpLocks/>
+            <a:stCxn id="81" idx="3"/>
+            <a:endCxn id="71" idx="1"/>
+          </p:cNvCxnSpPr>
+          <p:nvPr/>
+        </p:nvCxnSpPr>
+        <p:spPr>
+          <a:xfrm flipV="1">
+            <a:off x="4885208" y="3389543"/>
+            <a:ext cx="208437" cy="2078"/>
+          </a:xfrm>
+          <a:prstGeom prst="straightConnector1">
+            <a:avLst/>
+          </a:prstGeom>
+          <a:ln>
+            <a:tailEnd type="triangle"/>
+          </a:ln>
+        </p:spPr>
+        <p:style>
+          <a:lnRef idx="2">
+            <a:schemeClr val="accent1"/>
+          </a:lnRef>
+          <a:fillRef idx="0">
+            <a:schemeClr val="accent1"/>
+          </a:fillRef>
+          <a:effectRef idx="1">
+            <a:schemeClr val="accent1"/>
+          </a:effectRef>
+          <a:fontRef idx="minor">
+            <a:schemeClr val="tx1"/>
+          </a:fontRef>
+        </p:style>
+      </p:cxnSp>
+      <p:grpSp>
+        <p:nvGrpSpPr>
+          <p:cNvPr id="93" name="Group 92">
+            <a:extLst>
+              <a:ext uri="{FF2B5EF4-FFF2-40B4-BE49-F238E27FC236}">
+                <a16:creationId xmlns:a16="http://schemas.microsoft.com/office/drawing/2014/main" id="{A5260683-F2A4-3305-12D4-494646AB9EEF}"/>
+              </a:ext>
+            </a:extLst>
+          </p:cNvPr>
+          <p:cNvGrpSpPr/>
+          <p:nvPr/>
+        </p:nvGrpSpPr>
+        <p:grpSpPr>
+          <a:xfrm>
+            <a:off x="3131804" y="4135881"/>
+            <a:ext cx="671109" cy="372604"/>
+            <a:chOff x="975820" y="3732837"/>
+            <a:chExt cx="671109" cy="372604"/>
+          </a:xfrm>
+        </p:grpSpPr>
+        <p:sp>
+          <p:nvSpPr>
+            <p:cNvPr id="94" name="Rectangle 93">
+              <a:extLst>
+                <a:ext uri="{FF2B5EF4-FFF2-40B4-BE49-F238E27FC236}">
+                  <a16:creationId xmlns:a16="http://schemas.microsoft.com/office/drawing/2014/main" id="{255BC44D-DB04-41C6-4A10-48F3FE9F3E50}"/>
+                </a:ext>
+              </a:extLst>
+            </p:cNvPr>
+            <p:cNvSpPr/>
+            <p:nvPr/>
+          </p:nvSpPr>
+          <p:spPr>
+            <a:xfrm>
+              <a:off x="978902" y="3732837"/>
+              <a:ext cx="668027" cy="372604"/>
+            </a:xfrm>
+            <a:prstGeom prst="rect">
+              <a:avLst/>
+            </a:prstGeom>
+            <a:solidFill>
+              <a:schemeClr val="tx2">
+                <a:lumMod val="50000"/>
+                <a:lumOff val="50000"/>
+              </a:schemeClr>
+            </a:solidFill>
+          </p:spPr>
+          <p:style>
+            <a:lnRef idx="2">
+              <a:schemeClr val="accent1">
+                <a:shade val="15000"/>
+              </a:schemeClr>
+            </a:lnRef>
+            <a:fillRef idx="1">
+              <a:schemeClr val="accent1"/>
+            </a:fillRef>
+            <a:effectRef idx="0">
+              <a:schemeClr val="accent1"/>
+            </a:effectRef>
+            <a:fontRef idx="minor">
+              <a:schemeClr val="lt1"/>
+            </a:fontRef>
+          </p:style>
+          <p:txBody>
+            <a:bodyPr lIns="182880" tIns="0" rIns="0" bIns="0" rtlCol="0" anchor="ctr"/>
+            <a:lstStyle/>
+            <a:p>
+              <a:pPr algn="ctr"/>
+              <a:r>
+                <a:rPr lang="en-US" sz="900" dirty="0">
+                  <a:solidFill>
+                    <a:schemeClr val="tx1"/>
+                  </a:solidFill>
+                </a:rPr>
+                <a:t>Reset</a:t>
+              </a:r>
+              <a:endParaRPr lang="en-GB" sz="900" dirty="0">
+                <a:solidFill>
+                  <a:schemeClr val="tx1"/>
+                </a:solidFill>
+              </a:endParaRPr>
+            </a:p>
+          </p:txBody>
+        </p:sp>
+        <p:pic>
+          <p:nvPicPr>
+            <p:cNvPr id="95" name="Graphic 94" descr="User with solid fill">
+              <a:extLst>
+                <a:ext uri="{FF2B5EF4-FFF2-40B4-BE49-F238E27FC236}">
+                  <a16:creationId xmlns:a16="http://schemas.microsoft.com/office/drawing/2014/main" id="{E6870AD7-DED1-53AF-6505-DF8B3C9ABDA2}"/>
+                </a:ext>
+              </a:extLst>
+            </p:cNvPr>
+            <p:cNvPicPr>
+              <a:picLocks noChangeAspect="1"/>
+            </p:cNvPicPr>
+            <p:nvPr/>
+          </p:nvPicPr>
+          <p:blipFill>
+            <a:blip r:embed="rId2">
+              <a:extLst>
+                <a:ext uri="{96DAC541-7B7A-43D3-8B79-37D633B846F1}">
+                  <asvg:svgBlip xmlns:asvg="http://schemas.microsoft.com/office/drawing/2016/SVG/main" r:embed="rId3"/>
+                </a:ext>
+              </a:extLst>
+            </a:blip>
+            <a:stretch>
+              <a:fillRect/>
+            </a:stretch>
+          </p:blipFill>
+          <p:spPr>
+            <a:xfrm>
+              <a:off x="975820" y="3773461"/>
+              <a:ext cx="291356" cy="291356"/>
+            </a:xfrm>
+            <a:prstGeom prst="rect">
+              <a:avLst/>
+            </a:prstGeom>
+          </p:spPr>
+        </p:pic>
+      </p:grpSp>
+      <p:grpSp>
+        <p:nvGrpSpPr>
+          <p:cNvPr id="96" name="Group 95">
+            <a:extLst>
+              <a:ext uri="{FF2B5EF4-FFF2-40B4-BE49-F238E27FC236}">
+                <a16:creationId xmlns:a16="http://schemas.microsoft.com/office/drawing/2014/main" id="{8C3F181C-D53E-0D15-473B-7D5AA8B47188}"/>
+              </a:ext>
+            </a:extLst>
+          </p:cNvPr>
+          <p:cNvGrpSpPr/>
+          <p:nvPr/>
+        </p:nvGrpSpPr>
+        <p:grpSpPr>
+          <a:xfrm>
+            <a:off x="3134539" y="2072324"/>
+            <a:ext cx="671109" cy="372604"/>
+            <a:chOff x="975820" y="3732837"/>
+            <a:chExt cx="671109" cy="372604"/>
+          </a:xfrm>
+        </p:grpSpPr>
+        <p:sp>
+          <p:nvSpPr>
+            <p:cNvPr id="97" name="Rectangle 96">
+              <a:extLst>
+                <a:ext uri="{FF2B5EF4-FFF2-40B4-BE49-F238E27FC236}">
+                  <a16:creationId xmlns:a16="http://schemas.microsoft.com/office/drawing/2014/main" id="{A7A2F092-9F3E-BDBA-62B4-CECE7790755E}"/>
+                </a:ext>
+              </a:extLst>
+            </p:cNvPr>
+            <p:cNvSpPr/>
+            <p:nvPr/>
+          </p:nvSpPr>
+          <p:spPr>
+            <a:xfrm>
+              <a:off x="978902" y="3732837"/>
+              <a:ext cx="668027" cy="372604"/>
+            </a:xfrm>
+            <a:prstGeom prst="rect">
+              <a:avLst/>
+            </a:prstGeom>
+            <a:solidFill>
+              <a:schemeClr val="tx2">
+                <a:lumMod val="50000"/>
+                <a:lumOff val="50000"/>
+              </a:schemeClr>
+            </a:solidFill>
+          </p:spPr>
+          <p:style>
+            <a:lnRef idx="2">
+              <a:schemeClr val="accent1">
+                <a:shade val="15000"/>
+              </a:schemeClr>
+            </a:lnRef>
+            <a:fillRef idx="1">
+              <a:schemeClr val="accent1"/>
+            </a:fillRef>
+            <a:effectRef idx="0">
+              <a:schemeClr val="accent1"/>
+            </a:effectRef>
+            <a:fontRef idx="minor">
+              <a:schemeClr val="lt1"/>
+            </a:fontRef>
+          </p:style>
+          <p:txBody>
+            <a:bodyPr lIns="182880" tIns="0" rIns="0" bIns="0" rtlCol="0" anchor="ctr"/>
+            <a:lstStyle/>
+            <a:p>
+              <a:pPr algn="ctr"/>
+              <a:r>
+                <a:rPr lang="en-US" sz="900" dirty="0">
+                  <a:solidFill>
+                    <a:schemeClr val="tx1"/>
+                  </a:solidFill>
+                </a:rPr>
+                <a:t>Toggle ball</a:t>
+              </a:r>
+              <a:endParaRPr lang="en-GB" sz="900" dirty="0">
+                <a:solidFill>
+                  <a:schemeClr val="tx1"/>
+                </a:solidFill>
+              </a:endParaRPr>
+            </a:p>
+          </p:txBody>
+        </p:sp>
+        <p:pic>
+          <p:nvPicPr>
+            <p:cNvPr id="98" name="Graphic 97" descr="User with solid fill">
+              <a:extLst>
+                <a:ext uri="{FF2B5EF4-FFF2-40B4-BE49-F238E27FC236}">
+                  <a16:creationId xmlns:a16="http://schemas.microsoft.com/office/drawing/2014/main" id="{75352E0A-08CD-6411-22DE-793952424E98}"/>
+                </a:ext>
+              </a:extLst>
+            </p:cNvPr>
+            <p:cNvPicPr>
+              <a:picLocks noChangeAspect="1"/>
+            </p:cNvPicPr>
+            <p:nvPr/>
+          </p:nvPicPr>
+          <p:blipFill>
+            <a:blip r:embed="rId2">
+              <a:extLst>
+                <a:ext uri="{96DAC541-7B7A-43D3-8B79-37D633B846F1}">
+                  <asvg:svgBlip xmlns:asvg="http://schemas.microsoft.com/office/drawing/2016/SVG/main" r:embed="rId3"/>
+                </a:ext>
+              </a:extLst>
+            </a:blip>
+            <a:stretch>
+              <a:fillRect/>
+            </a:stretch>
+          </p:blipFill>
+          <p:spPr>
+            <a:xfrm>
+              <a:off x="975820" y="3773461"/>
+              <a:ext cx="291356" cy="291356"/>
             </a:xfrm>
             <a:prstGeom prst="rect">
               <a:avLst/>
